--- a/presentation/big data.pptx
+++ b/presentation/big data.pptx
@@ -5,7 +5,7 @@
     <p:sldMasterId id="2147483648" r:id="rId1"/>
   </p:sldMasterIdLst>
   <p:notesMasterIdLst>
-    <p:notesMasterId r:id="rId31"/>
+    <p:notesMasterId r:id="rId32"/>
   </p:notesMasterIdLst>
   <p:sldIdLst>
     <p:sldId id="256" r:id="rId2"/>
@@ -32,11 +32,12 @@
     <p:sldId id="273" r:id="rId23"/>
     <p:sldId id="289" r:id="rId24"/>
     <p:sldId id="274" r:id="rId25"/>
-    <p:sldId id="275" r:id="rId26"/>
-    <p:sldId id="261" r:id="rId27"/>
-    <p:sldId id="257" r:id="rId28"/>
-    <p:sldId id="262" r:id="rId29"/>
-    <p:sldId id="264" r:id="rId30"/>
+    <p:sldId id="261" r:id="rId26"/>
+    <p:sldId id="290" r:id="rId27"/>
+    <p:sldId id="291" r:id="rId28"/>
+    <p:sldId id="257" r:id="rId29"/>
+    <p:sldId id="275" r:id="rId30"/>
+    <p:sldId id="262" r:id="rId31"/>
   </p:sldIdLst>
   <p:sldSz cx="12192000" cy="6858000"/>
   <p:notesSz cx="6858000" cy="9144000"/>
@@ -577,6 +578,90 @@
 </p:notes>
 </file>
 
+<file path=ppt/notesSlides/notesSlide10.xml><?xml version="1.0" encoding="utf-8"?>
+<p:notes xmlns:a="http://schemas.openxmlformats.org/drawingml/2006/main" xmlns:r="http://schemas.openxmlformats.org/officeDocument/2006/relationships" xmlns:p="http://schemas.openxmlformats.org/presentationml/2006/main">
+  <p:cSld>
+    <p:spTree>
+      <p:nvGrpSpPr>
+        <p:cNvPr id="1" name=""/>
+        <p:cNvGrpSpPr/>
+        <p:nvPr/>
+      </p:nvGrpSpPr>
+      <p:grpSpPr>
+        <a:xfrm>
+          <a:off x="0" y="0"/>
+          <a:ext cx="0" cy="0"/>
+          <a:chOff x="0" y="0"/>
+          <a:chExt cx="0" cy="0"/>
+        </a:xfrm>
+      </p:grpSpPr>
+      <p:sp>
+        <p:nvSpPr>
+          <p:cNvPr id="2" name="幻灯片图像占位符 1"/>
+          <p:cNvSpPr>
+            <a:spLocks noGrp="1" noRot="1" noChangeAspect="1"/>
+          </p:cNvSpPr>
+          <p:nvPr>
+            <p:ph type="sldImg"/>
+          </p:nvPr>
+        </p:nvSpPr>
+        <p:spPr/>
+      </p:sp>
+      <p:sp>
+        <p:nvSpPr>
+          <p:cNvPr id="3" name="备注占位符 2"/>
+          <p:cNvSpPr>
+            <a:spLocks noGrp="1"/>
+          </p:cNvSpPr>
+          <p:nvPr>
+            <p:ph type="body" idx="1"/>
+          </p:nvPr>
+        </p:nvSpPr>
+        <p:spPr/>
+        <p:txBody>
+          <a:bodyPr/>
+          <a:lstStyle/>
+          <a:p>
+            <a:endParaRPr lang="zh-CN" altLang="en-US" dirty="0"/>
+          </a:p>
+        </p:txBody>
+      </p:sp>
+      <p:sp>
+        <p:nvSpPr>
+          <p:cNvPr id="4" name="灯片编号占位符 3"/>
+          <p:cNvSpPr>
+            <a:spLocks noGrp="1"/>
+          </p:cNvSpPr>
+          <p:nvPr>
+            <p:ph type="sldNum" sz="quarter" idx="10"/>
+          </p:nvPr>
+        </p:nvSpPr>
+        <p:spPr/>
+        <p:txBody>
+          <a:bodyPr/>
+          <a:lstStyle/>
+          <a:p>
+            <a:fld id="{6E058054-39BD-4AE9-9829-39FA46130BAF}" type="slidenum">
+              <a:rPr lang="zh-CN" altLang="en-US" smtClean="0"/>
+              <a:t>27</a:t>
+            </a:fld>
+            <a:endParaRPr lang="zh-CN" altLang="en-US"/>
+          </a:p>
+        </p:txBody>
+      </p:sp>
+    </p:spTree>
+    <p:extLst>
+      <p:ext uri="{BB962C8B-B14F-4D97-AF65-F5344CB8AC3E}">
+        <p14:creationId xmlns:p14="http://schemas.microsoft.com/office/powerpoint/2010/main" val="1731992429"/>
+      </p:ext>
+    </p:extLst>
+  </p:cSld>
+  <p:clrMapOvr>
+    <a:masterClrMapping/>
+  </p:clrMapOvr>
+</p:notes>
+</file>
+
 <file path=ppt/notesSlides/notesSlide2.xml><?xml version="1.0" encoding="utf-8"?>
 <p:notes xmlns:a="http://schemas.openxmlformats.org/drawingml/2006/main" xmlns:r="http://schemas.openxmlformats.org/officeDocument/2006/relationships" xmlns:p="http://schemas.openxmlformats.org/presentationml/2006/main">
   <p:cSld>
@@ -633,8 +718,49 @@
           <a:p>
             <a:r>
               <a:rPr lang="zh-CN" altLang="en-US" dirty="0" smtClean="0"/>
-              <a:t>这里不得不提一下众所周知的摩尔定律。</a:t>
-            </a:r>
+              <a:t>这里不得不提一下众所周知的</a:t>
+            </a:r>
+            <a:r>
+              <a:rPr lang="zh-CN" altLang="en-US" dirty="0" smtClean="0"/>
+              <a:t>摩尔</a:t>
+            </a:r>
+            <a:r>
+              <a:rPr lang="zh-CN" altLang="en-US" dirty="0" smtClean="0"/>
+              <a:t>定律</a:t>
+            </a:r>
+            <a:r>
+              <a:rPr lang="zh-CN" altLang="en-US" dirty="0" smtClean="0"/>
+              <a:t>。</a:t>
+            </a:r>
+            <a:endParaRPr lang="en-US" altLang="zh-CN" dirty="0" smtClean="0"/>
+          </a:p>
+          <a:p>
+            <a:endParaRPr lang="en-US" dirty="0" smtClean="0"/>
+          </a:p>
+          <a:p>
+            <a:r>
+              <a:rPr lang="zh-CN" altLang="en-US" dirty="0" smtClean="0"/>
+              <a:t>摩尔定律：当价格不变时，集成电路上可容纳的元器件的数目，约每隔</a:t>
+            </a:r>
+            <a:r>
+              <a:rPr lang="en-US" altLang="zh-CN" dirty="0" smtClean="0"/>
+              <a:t>18-24</a:t>
+            </a:r>
+            <a:r>
+              <a:rPr lang="zh-CN" altLang="en-US" dirty="0" smtClean="0"/>
+              <a:t>个月便会增加一倍，性能也将提升一倍。换言之，每一美元所能买到的电脑性能，将每隔</a:t>
+            </a:r>
+            <a:r>
+              <a:rPr lang="en-US" altLang="zh-CN" dirty="0" smtClean="0"/>
+              <a:t>18-24</a:t>
+            </a:r>
+            <a:r>
+              <a:rPr lang="zh-CN" altLang="en-US" dirty="0" smtClean="0"/>
+              <a:t>个月翻一倍以上。</a:t>
+            </a:r>
+            <a:br>
+              <a:rPr lang="zh-CN" altLang="en-US" dirty="0" smtClean="0"/>
+            </a:br>
             <a:endParaRPr lang="en-US" dirty="0"/>
           </a:p>
         </p:txBody>
@@ -4608,6 +4734,13 @@
   <p:clrMapOvr>
     <a:masterClrMapping/>
   </p:clrMapOvr>
+  <p:timing>
+    <p:tnLst>
+      <p:par>
+        <p:cTn id="1" dur="indefinite" restart="never" nodeType="tmRoot"/>
+      </p:par>
+    </p:tnLst>
+  </p:timing>
 </p:sld>
 </file>
 
@@ -4828,29 +4961,29 @@
             </a:r>
             <a:r>
               <a:rPr lang="zh-CN" altLang="en-US" b="1" dirty="0" smtClean="0"/>
-              <a:t>数据的</a:t>
-            </a:r>
-            <a:r>
-              <a:rPr lang="zh-CN" altLang="en-US" b="1" dirty="0"/>
-              <a:t>威力</a:t>
+              <a:t>数据</a:t>
+            </a:r>
+            <a:r>
+              <a:rPr lang="zh-CN" altLang="en-US" b="1" dirty="0" smtClean="0"/>
+              <a:t>的案例</a:t>
             </a:r>
             <a:endParaRPr lang="en-US" altLang="zh-CN" b="1" dirty="0" smtClean="0"/>
           </a:p>
           <a:p>
             <a:r>
-              <a:rPr lang="zh-CN" altLang="en-US" dirty="0"/>
-              <a:t>大</a:t>
-            </a:r>
-            <a:r>
               <a:rPr lang="zh-CN" altLang="en-US" dirty="0" smtClean="0"/>
-              <a:t>数据的处理框架</a:t>
+              <a:t>大数据的处理框架</a:t>
             </a:r>
             <a:endParaRPr lang="en-US" altLang="zh-CN" dirty="0" smtClean="0"/>
           </a:p>
           <a:p>
             <a:r>
               <a:rPr lang="zh-CN" altLang="en-US" dirty="0" smtClean="0"/>
-              <a:t>常用分析方法</a:t>
+              <a:t>常用</a:t>
+            </a:r>
+            <a:r>
+              <a:rPr lang="zh-CN" altLang="en-US" dirty="0" smtClean="0"/>
+              <a:t>分析方法</a:t>
             </a:r>
             <a:endParaRPr lang="en-US" altLang="zh-CN" dirty="0" smtClean="0"/>
           </a:p>
@@ -4907,6 +5040,13 @@
   <p:clrMapOvr>
     <a:masterClrMapping/>
   </p:clrMapOvr>
+  <p:timing>
+    <p:tnLst>
+      <p:par>
+        <p:cTn id="1" dur="indefinite" restart="never" nodeType="tmRoot"/>
+      </p:par>
+    </p:tnLst>
+  </p:timing>
 </p:sld>
 </file>
 
@@ -4942,6 +5082,14 @@
           <a:bodyPr/>
           <a:lstStyle/>
           <a:p>
+            <a:r>
+              <a:rPr lang="zh-CN" altLang="en-US" dirty="0"/>
+              <a:t>大</a:t>
+            </a:r>
+            <a:r>
+              <a:rPr lang="zh-CN" altLang="en-US" dirty="0" smtClean="0"/>
+              <a:t>数据的案例</a:t>
+            </a:r>
             <a:endParaRPr lang="zh-CN" altLang="en-US" dirty="0"/>
           </a:p>
         </p:txBody>
@@ -4987,15 +5135,7 @@
             </a:pPr>
             <a:r>
               <a:rPr lang="zh-CN" altLang="en-US" dirty="0"/>
-              <a:t>谷歌</a:t>
-            </a:r>
-            <a:r>
-              <a:rPr lang="zh-CN" altLang="en-US" dirty="0"/>
-              <a:t>预测</a:t>
-            </a:r>
-            <a:r>
-              <a:rPr lang="zh-CN" altLang="en-US" dirty="0"/>
-              <a:t>流感，</a:t>
+              <a:t>谷歌预测流感，</a:t>
             </a:r>
             <a:r>
               <a:rPr lang="en-US" altLang="zh-CN" dirty="0"/>
@@ -5160,15 +5300,7 @@
           <a:p>
             <a:r>
               <a:rPr lang="zh-CN" altLang="en-US" dirty="0"/>
-              <a:t>美国第三大零售商塔吉特，通过分析所有女性客户购买记录，可以</a:t>
-            </a:r>
-            <a:r>
-              <a:rPr lang="zh-CN" altLang="en-US" dirty="0"/>
-              <a:t>“猜出”</a:t>
-            </a:r>
-            <a:r>
-              <a:rPr lang="zh-CN" altLang="en-US" dirty="0"/>
-              <a:t>哪些是孕妇</a:t>
+              <a:t>美国第三大零售商塔吉特，通过分析所有女性客户购买记录，可以“猜出”哪些是孕妇</a:t>
             </a:r>
             <a:r>
               <a:rPr lang="zh-CN" altLang="en-US" dirty="0" smtClean="0"/>
@@ -5199,15 +5331,7 @@
             </a:r>
             <a:r>
               <a:rPr lang="zh-CN" altLang="en-US" dirty="0"/>
-              <a:t>出</a:t>
-            </a:r>
-            <a:r>
-              <a:rPr lang="zh-CN" altLang="en-US" dirty="0"/>
-              <a:t>预产期后，</a:t>
-            </a:r>
-            <a:r>
-              <a:rPr lang="zh-CN" altLang="en-US" dirty="0"/>
-              <a:t>就能抢先一步，将孕妇装、婴儿床等折扣券寄给客户</a:t>
+              <a:t>出预产期后，就能抢先一步，将孕妇装、婴儿床等折扣券寄给客户</a:t>
             </a:r>
             <a:r>
               <a:rPr lang="zh-CN" altLang="en-US" dirty="0" smtClean="0"/>
@@ -5224,7 +5348,6 @@
               <a:rPr lang="zh-CN" altLang="en-US" dirty="0"/>
               <a:t>还创建了一套购买女性行为在怀孕期间产生变化的模型，不仅如此，如果用户从他们的店铺中购买了婴儿用品，他们在接下来的几年中会根据婴儿的生长周期给这些客户推送相关产品，使这些客户形成长期的忠诚度。</a:t>
             </a:r>
-            <a:endParaRPr lang="zh-CN" altLang="en-US" dirty="0"/>
           </a:p>
         </p:txBody>
       </p:sp>
@@ -5261,6 +5384,13 @@
   <p:clrMapOvr>
     <a:overrideClrMapping bg1="lt1" tx1="dk1" bg2="lt2" tx2="dk2" accent1="accent1" accent2="accent2" accent3="accent3" accent4="accent4" accent5="accent5" accent6="accent6" hlink="hlink" folHlink="folHlink"/>
   </p:clrMapOvr>
+  <p:timing>
+    <p:tnLst>
+      <p:par>
+        <p:cTn id="1" dur="indefinite" restart="never" nodeType="tmRoot"/>
+      </p:par>
+    </p:tnLst>
+  </p:timing>
 </p:sld>
 </file>
 
@@ -6143,7 +6273,6 @@
               <a:rPr lang="zh-CN" altLang="en-US" dirty="0"/>
               <a:t>，帮助实现动态数据的挖掘。作为一个科学的分析预测结果，罗斯柴尔德没有直接指出每个奖项的得主，而是用百分比来表示不同电影或个人获得该奖项的可能性，预测结果会随着时间和数据变化而更新。</a:t>
             </a:r>
-            <a:endParaRPr lang="zh-CN" altLang="en-US" dirty="0"/>
           </a:p>
         </p:txBody>
       </p:sp>
@@ -6247,17 +6376,17 @@
             </a:r>
             <a:r>
               <a:rPr lang="zh-CN" altLang="en-US" dirty="0" smtClean="0"/>
-              <a:t>数据的</a:t>
+              <a:t>数据</a:t>
             </a:r>
             <a:r>
               <a:rPr lang="zh-CN" altLang="en-US" dirty="0"/>
-              <a:t>威力</a:t>
-            </a:r>
-            <a:endParaRPr lang="en-US" altLang="zh-CN" dirty="0" smtClean="0"/>
-          </a:p>
-          <a:p>
-            <a:r>
-              <a:rPr lang="zh-CN" altLang="en-US" b="1" dirty="0"/>
+              <a:t>的案例</a:t>
+            </a:r>
+            <a:endParaRPr lang="en-US" altLang="zh-CN" dirty="0"/>
+          </a:p>
+          <a:p>
+            <a:r>
+              <a:rPr lang="zh-CN" altLang="en-US" b="1" dirty="0" smtClean="0"/>
               <a:t>大</a:t>
             </a:r>
             <a:r>
@@ -6442,10 +6571,6 @@
               </a:rPr>
               <a:t>nquer</a:t>
             </a:r>
-            <a:endParaRPr dirty="0">
-              <a:latin typeface="Calibri"/>
-              <a:cs typeface="Calibri"/>
-            </a:endParaRPr>
           </a:p>
         </p:txBody>
       </p:sp>
@@ -9287,7 +9412,7 @@
           <a:bodyPr/>
           <a:lstStyle/>
           <a:p>
-            <a:endParaRPr lang="zh-CN" altLang="en-US"/>
+            <a:endParaRPr lang="zh-CN" altLang="en-US" dirty="0"/>
           </a:p>
         </p:txBody>
       </p:sp>
@@ -9319,29 +9444,37 @@
             </a:r>
             <a:r>
               <a:rPr lang="zh-CN" altLang="en-US" dirty="0" smtClean="0"/>
-              <a:t>数据的</a:t>
+              <a:t>数据</a:t>
             </a:r>
             <a:r>
               <a:rPr lang="zh-CN" altLang="en-US" dirty="0"/>
-              <a:t>威力</a:t>
+              <a:t>的</a:t>
+            </a:r>
+            <a:r>
+              <a:rPr lang="zh-CN" altLang="en-US" dirty="0" smtClean="0"/>
+              <a:t>案例</a:t>
             </a:r>
             <a:endParaRPr lang="en-US" altLang="zh-CN" dirty="0" smtClean="0"/>
           </a:p>
           <a:p>
             <a:r>
+              <a:rPr lang="zh-CN" altLang="en-US" dirty="0" smtClean="0"/>
+              <a:t>大</a:t>
+            </a:r>
+            <a:r>
               <a:rPr lang="zh-CN" altLang="en-US" dirty="0"/>
-              <a:t>大</a:t>
-            </a:r>
+              <a:t>数据的处理框架</a:t>
+            </a:r>
+            <a:endParaRPr lang="en-US" altLang="zh-CN" dirty="0" smtClean="0"/>
+          </a:p>
+          <a:p>
             <a:r>
               <a:rPr lang="zh-CN" altLang="en-US" dirty="0" smtClean="0"/>
-              <a:t>数据的处理框架</a:t>
-            </a:r>
-            <a:endParaRPr lang="en-US" altLang="zh-CN" dirty="0" smtClean="0"/>
-          </a:p>
-          <a:p>
+              <a:t>常用</a:t>
+            </a:r>
             <a:r>
               <a:rPr lang="zh-CN" altLang="en-US" dirty="0" smtClean="0"/>
-              <a:t>常用分析方法</a:t>
+              <a:t>分析方法</a:t>
             </a:r>
             <a:endParaRPr lang="en-US" altLang="zh-CN" dirty="0" smtClean="0"/>
           </a:p>
@@ -9398,6 +9531,13 @@
   <p:clrMapOvr>
     <a:masterClrMapping/>
   </p:clrMapOvr>
+  <p:timing>
+    <p:tnLst>
+      <p:par>
+        <p:cTn id="1" dur="indefinite" restart="never" nodeType="tmRoot"/>
+      </p:par>
+    </p:tnLst>
+  </p:timing>
 </p:sld>
 </file>
 
@@ -9745,10 +9885,6 @@
               </a:rPr>
               <a:t>s?</a:t>
             </a:r>
-            <a:endParaRPr sz="3200" dirty="0">
-              <a:latin typeface="Calibri"/>
-              <a:cs typeface="Calibri"/>
-            </a:endParaRPr>
           </a:p>
           <a:p>
             <a:pPr>
@@ -9981,10 +10117,6 @@
               </a:rPr>
               <a:t>?</a:t>
             </a:r>
-            <a:endParaRPr sz="3200" dirty="0">
-              <a:latin typeface="Calibri"/>
-              <a:cs typeface="Calibri"/>
-            </a:endParaRPr>
           </a:p>
           <a:p>
             <a:pPr>
@@ -10187,10 +10319,6 @@
               </a:rPr>
               <a:t>?</a:t>
             </a:r>
-            <a:endParaRPr sz="3200" dirty="0">
-              <a:latin typeface="Calibri"/>
-              <a:cs typeface="Calibri"/>
-            </a:endParaRPr>
           </a:p>
           <a:p>
             <a:pPr>
@@ -10402,10 +10530,6 @@
               </a:rPr>
               <a:t>?</a:t>
             </a:r>
-            <a:endParaRPr sz="3200" dirty="0">
-              <a:latin typeface="Calibri"/>
-              <a:cs typeface="Calibri"/>
-            </a:endParaRPr>
           </a:p>
           <a:p>
             <a:pPr>
@@ -11385,17 +11509,17 @@
             </a:r>
             <a:r>
               <a:rPr lang="zh-CN" altLang="en-US" dirty="0" smtClean="0"/>
-              <a:t>数据的</a:t>
+              <a:t>数据</a:t>
             </a:r>
             <a:r>
               <a:rPr lang="zh-CN" altLang="en-US" dirty="0"/>
-              <a:t>威力</a:t>
-            </a:r>
-            <a:endParaRPr lang="en-US" altLang="zh-CN" dirty="0" smtClean="0"/>
-          </a:p>
-          <a:p>
-            <a:r>
-              <a:rPr lang="zh-CN" altLang="en-US" dirty="0"/>
+              <a:t>的案例</a:t>
+            </a:r>
+            <a:endParaRPr lang="en-US" altLang="zh-CN" dirty="0"/>
+          </a:p>
+          <a:p>
+            <a:r>
+              <a:rPr lang="zh-CN" altLang="en-US" dirty="0" smtClean="0"/>
               <a:t>大</a:t>
             </a:r>
             <a:r>
@@ -11528,20 +11652,47 @@
           <a:p>
             <a:r>
               <a:rPr lang="zh-CN" altLang="zh-CN" dirty="0"/>
-              <a:t>协同过滤</a:t>
-            </a:r>
+              <a:t>协同</a:t>
+            </a:r>
+            <a:r>
+              <a:rPr lang="zh-CN" altLang="zh-CN" dirty="0" smtClean="0"/>
+              <a:t>过滤</a:t>
+            </a:r>
+            <a:r>
+              <a:rPr lang="zh-CN" altLang="en-US" dirty="0" smtClean="0"/>
+              <a:t>（推荐）</a:t>
+            </a:r>
+            <a:endParaRPr lang="zh-CN" altLang="zh-CN" dirty="0"/>
           </a:p>
           <a:p>
             <a:r>
               <a:rPr lang="zh-CN" altLang="zh-CN" dirty="0"/>
-              <a:t>主题模型</a:t>
-            </a:r>
+              <a:t>主题</a:t>
+            </a:r>
+            <a:r>
+              <a:rPr lang="zh-CN" altLang="zh-CN" dirty="0" smtClean="0"/>
+              <a:t>模型</a:t>
+            </a:r>
+            <a:r>
+              <a:rPr lang="zh-CN" altLang="en-US" dirty="0" smtClean="0"/>
+              <a:t>（文本分析）</a:t>
+            </a:r>
+            <a:endParaRPr lang="zh-CN" altLang="zh-CN" dirty="0"/>
           </a:p>
           <a:p>
             <a:r>
               <a:rPr lang="zh-CN" altLang="zh-CN" dirty="0"/>
-              <a:t>深度学习</a:t>
-            </a:r>
+              <a:t>深度</a:t>
+            </a:r>
+            <a:r>
+              <a:rPr lang="zh-CN" altLang="zh-CN" dirty="0" smtClean="0"/>
+              <a:t>学习</a:t>
+            </a:r>
+            <a:r>
+              <a:rPr lang="zh-CN" altLang="en-US" dirty="0" smtClean="0"/>
+              <a:t>（图像、语音）</a:t>
+            </a:r>
+            <a:endParaRPr lang="zh-CN" altLang="zh-CN" dirty="0"/>
           </a:p>
           <a:p>
             <a:r>
@@ -11643,7 +11794,7 @@
           <a:bodyPr/>
           <a:lstStyle/>
           <a:p>
-            <a:endParaRPr lang="zh-CN" altLang="en-US"/>
+            <a:endParaRPr lang="zh-CN" altLang="en-US" dirty="0"/>
           </a:p>
         </p:txBody>
       </p:sp>
@@ -11675,17 +11826,17 @@
             </a:r>
             <a:r>
               <a:rPr lang="zh-CN" altLang="en-US" dirty="0" smtClean="0"/>
-              <a:t>数据的</a:t>
+              <a:t>数据</a:t>
             </a:r>
             <a:r>
               <a:rPr lang="zh-CN" altLang="en-US" dirty="0"/>
-              <a:t>威力</a:t>
-            </a:r>
-            <a:endParaRPr lang="en-US" altLang="zh-CN" dirty="0" smtClean="0"/>
-          </a:p>
-          <a:p>
-            <a:r>
-              <a:rPr lang="zh-CN" altLang="en-US" dirty="0"/>
+              <a:t>的案例</a:t>
+            </a:r>
+            <a:endParaRPr lang="en-US" altLang="zh-CN" dirty="0"/>
+          </a:p>
+          <a:p>
+            <a:r>
+              <a:rPr lang="zh-CN" altLang="en-US" dirty="0" smtClean="0"/>
               <a:t>大</a:t>
             </a:r>
             <a:r>
@@ -11758,152 +11909,6 @@
 </file>
 
 <file path=ppt/slides/slide25.xml><?xml version="1.0" encoding="utf-8"?>
-<p:sld xmlns:a="http://schemas.openxmlformats.org/drawingml/2006/main" xmlns:r="http://schemas.openxmlformats.org/officeDocument/2006/relationships" xmlns:p="http://schemas.openxmlformats.org/presentationml/2006/main">
-  <p:cSld>
-    <p:spTree>
-      <p:nvGrpSpPr>
-        <p:cNvPr id="1" name=""/>
-        <p:cNvGrpSpPr/>
-        <p:nvPr/>
-      </p:nvGrpSpPr>
-      <p:grpSpPr>
-        <a:xfrm>
-          <a:off x="0" y="0"/>
-          <a:ext cx="0" cy="0"/>
-          <a:chOff x="0" y="0"/>
-          <a:chExt cx="0" cy="0"/>
-        </a:xfrm>
-      </p:grpSpPr>
-      <p:sp>
-        <p:nvSpPr>
-          <p:cNvPr id="2" name="标题 1"/>
-          <p:cNvSpPr>
-            <a:spLocks noGrp="1"/>
-          </p:cNvSpPr>
-          <p:nvPr>
-            <p:ph type="title"/>
-          </p:nvPr>
-        </p:nvSpPr>
-        <p:spPr/>
-        <p:txBody>
-          <a:bodyPr/>
-          <a:lstStyle/>
-          <a:p>
-            <a:endParaRPr lang="zh-CN" altLang="en-US"/>
-          </a:p>
-        </p:txBody>
-      </p:sp>
-      <p:sp>
-        <p:nvSpPr>
-          <p:cNvPr id="3" name="内容占位符 2"/>
-          <p:cNvSpPr>
-            <a:spLocks noGrp="1"/>
-          </p:cNvSpPr>
-          <p:nvPr>
-            <p:ph idx="1"/>
-          </p:nvPr>
-        </p:nvSpPr>
-        <p:spPr/>
-        <p:txBody>
-          <a:bodyPr/>
-          <a:lstStyle/>
-          <a:p>
-            <a:r>
-              <a:rPr lang="zh-CN" altLang="en-US" dirty="0" smtClean="0"/>
-              <a:t>什么是大数据</a:t>
-            </a:r>
-            <a:endParaRPr lang="en-US" altLang="zh-CN" dirty="0" smtClean="0"/>
-          </a:p>
-          <a:p>
-            <a:r>
-              <a:rPr lang="zh-CN" altLang="en-US" dirty="0"/>
-              <a:t>大</a:t>
-            </a:r>
-            <a:r>
-              <a:rPr lang="zh-CN" altLang="en-US" dirty="0" smtClean="0"/>
-              <a:t>数据的</a:t>
-            </a:r>
-            <a:r>
-              <a:rPr lang="zh-CN" altLang="en-US" dirty="0"/>
-              <a:t>威力</a:t>
-            </a:r>
-            <a:endParaRPr lang="en-US" altLang="zh-CN" dirty="0" smtClean="0"/>
-          </a:p>
-          <a:p>
-            <a:r>
-              <a:rPr lang="zh-CN" altLang="en-US" dirty="0"/>
-              <a:t>大</a:t>
-            </a:r>
-            <a:r>
-              <a:rPr lang="zh-CN" altLang="en-US" dirty="0" smtClean="0"/>
-              <a:t>数据的处理框架</a:t>
-            </a:r>
-            <a:endParaRPr lang="en-US" altLang="zh-CN" dirty="0" smtClean="0"/>
-          </a:p>
-          <a:p>
-            <a:r>
-              <a:rPr lang="zh-CN" altLang="en-US" dirty="0" smtClean="0"/>
-              <a:t>常用分析方法</a:t>
-            </a:r>
-            <a:endParaRPr lang="en-US" altLang="zh-CN" dirty="0" smtClean="0"/>
-          </a:p>
-          <a:p>
-            <a:r>
-              <a:rPr lang="zh-CN" altLang="en-US" dirty="0"/>
-              <a:t>大</a:t>
-            </a:r>
-            <a:r>
-              <a:rPr lang="zh-CN" altLang="en-US" dirty="0" smtClean="0"/>
-              <a:t>数据的应用</a:t>
-            </a:r>
-            <a:endParaRPr lang="en-US" altLang="zh-CN" dirty="0" smtClean="0"/>
-          </a:p>
-          <a:p>
-            <a:r>
-              <a:rPr lang="zh-CN" altLang="en-US" b="1" dirty="0" smtClean="0"/>
-              <a:t>工业大数据</a:t>
-            </a:r>
-            <a:endParaRPr lang="en-US" altLang="zh-CN" b="1" dirty="0" smtClean="0"/>
-          </a:p>
-        </p:txBody>
-      </p:sp>
-      <p:sp>
-        <p:nvSpPr>
-          <p:cNvPr id="5" name="灯片编号占位符 4"/>
-          <p:cNvSpPr>
-            <a:spLocks noGrp="1"/>
-          </p:cNvSpPr>
-          <p:nvPr>
-            <p:ph type="sldNum" sz="quarter" idx="12"/>
-          </p:nvPr>
-        </p:nvSpPr>
-        <p:spPr/>
-        <p:txBody>
-          <a:bodyPr/>
-          <a:lstStyle/>
-          <a:p>
-            <a:fld id="{37C2EA07-9005-44A4-AD36-5C14C6B8AD7E}" type="slidenum">
-              <a:rPr lang="zh-CN" altLang="en-US" smtClean="0"/>
-              <a:t>25</a:t>
-            </a:fld>
-            <a:endParaRPr lang="zh-CN" altLang="en-US"/>
-          </a:p>
-        </p:txBody>
-      </p:sp>
-    </p:spTree>
-    <p:extLst>
-      <p:ext uri="{BB962C8B-B14F-4D97-AF65-F5344CB8AC3E}">
-        <p14:creationId xmlns:p14="http://schemas.microsoft.com/office/powerpoint/2010/main" val="3076772697"/>
-      </p:ext>
-    </p:extLst>
-  </p:cSld>
-  <p:clrMapOvr>
-    <a:masterClrMapping/>
-  </p:clrMapOvr>
-</p:sld>
-</file>
-
-<file path=ppt/slides/slide26.xml><?xml version="1.0" encoding="utf-8"?>
 <p:sld xmlns:a="http://schemas.openxmlformats.org/drawingml/2006/main" xmlns:r="http://schemas.openxmlformats.org/officeDocument/2006/relationships" xmlns:p="http://schemas.openxmlformats.org/presentationml/2006/main" show="0">
   <p:cSld>
     <p:spTree>
@@ -11922,65 +11927,6 @@
       </p:grpSpPr>
       <p:sp>
         <p:nvSpPr>
-          <p:cNvPr id="2" name="Rectangle 12"/>
-          <p:cNvSpPr>
-            <a:spLocks noChangeArrowheads="1"/>
-          </p:cNvSpPr>
-          <p:nvPr/>
-        </p:nvSpPr>
-        <p:spPr bwMode="auto">
-          <a:xfrm>
-            <a:off x="1703390" y="428628"/>
-            <a:ext cx="5184699" cy="584775"/>
-          </a:xfrm>
-          <a:prstGeom prst="rect">
-            <a:avLst/>
-          </a:prstGeom>
-          <a:noFill/>
-          <a:ln>
-            <a:noFill/>
-          </a:ln>
-          <a:extLst>
-            <a:ext uri="{909E8E84-426E-40DD-AFC4-6F175D3DCCD1}">
-              <a14:hiddenFill xmlns:a14="http://schemas.microsoft.com/office/drawing/2010/main">
-                <a:solidFill>
-                  <a:srgbClr val="FFFFFF"/>
-                </a:solidFill>
-              </a14:hiddenFill>
-            </a:ext>
-            <a:ext uri="{91240B29-F687-4F45-9708-019B960494DF}">
-              <a14:hiddenLine xmlns:a14="http://schemas.microsoft.com/office/drawing/2010/main" w="9525">
-                <a:solidFill>
-                  <a:srgbClr val="000000"/>
-                </a:solidFill>
-                <a:miter lim="800000"/>
-                <a:headEnd/>
-                <a:tailEnd/>
-              </a14:hiddenLine>
-            </a:ext>
-          </a:extLst>
-        </p:spPr>
-        <p:txBody>
-          <a:bodyPr wrap="square">
-            <a:spAutoFit/>
-          </a:bodyPr>
-          <a:lstStyle/>
-          <a:p>
-            <a:r>
-              <a:rPr lang="zh-CN" altLang="en-US" sz="3200" b="1" dirty="0">
-                <a:solidFill>
-                  <a:srgbClr val="000000"/>
-                </a:solidFill>
-                <a:latin typeface="微软雅黑" pitchFamily="34" charset="-122"/>
-                <a:ea typeface="微软雅黑" pitchFamily="34" charset="-122"/>
-              </a:rPr>
-              <a:t>大数据的应用</a:t>
-            </a:r>
-          </a:p>
-        </p:txBody>
-      </p:sp>
-      <p:sp>
-        <p:nvSpPr>
           <p:cNvPr id="6" name="Rectangle 5"/>
           <p:cNvSpPr/>
           <p:nvPr/>
@@ -12260,9 +12206,56 @@
           <a:p>
             <a:fld id="{37C2EA07-9005-44A4-AD36-5C14C6B8AD7E}" type="slidenum">
               <a:rPr lang="zh-CN" altLang="en-US" smtClean="0"/>
-              <a:t>26</a:t>
+              <a:t>25</a:t>
             </a:fld>
             <a:endParaRPr lang="zh-CN" altLang="en-US"/>
+          </a:p>
+        </p:txBody>
+      </p:sp>
+      <p:sp>
+        <p:nvSpPr>
+          <p:cNvPr id="5" name="标题 1"/>
+          <p:cNvSpPr txBox="1">
+            <a:spLocks/>
+          </p:cNvSpPr>
+          <p:nvPr/>
+        </p:nvSpPr>
+        <p:spPr>
+          <a:xfrm>
+            <a:off x="1393370" y="914466"/>
+            <a:ext cx="9579430" cy="858350"/>
+          </a:xfrm>
+          <a:prstGeom prst="rect">
+            <a:avLst/>
+          </a:prstGeom>
+        </p:spPr>
+        <p:txBody>
+          <a:bodyPr/>
+          <a:lstStyle>
+            <a:lvl1pPr algn="l" defTabSz="914400" rtl="0" eaLnBrk="1" latinLnBrk="0" hangingPunct="1">
+              <a:lnSpc>
+                <a:spcPct val="90000"/>
+              </a:lnSpc>
+              <a:spcBef>
+                <a:spcPct val="0"/>
+              </a:spcBef>
+              <a:buNone/>
+              <a:defRPr sz="4400" kern="1200">
+                <a:solidFill>
+                  <a:schemeClr val="tx1"/>
+                </a:solidFill>
+                <a:latin typeface="+mj-lt"/>
+                <a:ea typeface="+mj-ea"/>
+                <a:cs typeface="+mj-cs"/>
+              </a:defRPr>
+            </a:lvl1pPr>
+          </a:lstStyle>
+          <a:p>
+            <a:r>
+              <a:rPr lang="zh-CN" altLang="en-US" dirty="0" smtClean="0"/>
+              <a:t>大数据的应用</a:t>
+            </a:r>
+            <a:endParaRPr lang="zh-CN" altLang="en-US" dirty="0"/>
           </a:p>
         </p:txBody>
       </p:sp>
@@ -12294,6 +12287,1552 @@
 </p:sld>
 </file>
 
+<file path=ppt/slides/slide26.xml><?xml version="1.0" encoding="utf-8"?>
+<p:sld xmlns:a="http://schemas.openxmlformats.org/drawingml/2006/main" xmlns:r="http://schemas.openxmlformats.org/officeDocument/2006/relationships" xmlns:p="http://schemas.openxmlformats.org/presentationml/2006/main">
+  <p:cSld>
+    <p:spTree>
+      <p:nvGrpSpPr>
+        <p:cNvPr id="1" name=""/>
+        <p:cNvGrpSpPr/>
+        <p:nvPr/>
+      </p:nvGrpSpPr>
+      <p:grpSpPr>
+        <a:xfrm>
+          <a:off x="0" y="0"/>
+          <a:ext cx="0" cy="0"/>
+          <a:chOff x="0" y="0"/>
+          <a:chExt cx="0" cy="0"/>
+        </a:xfrm>
+      </p:grpSpPr>
+      <p:sp>
+        <p:nvSpPr>
+          <p:cNvPr id="2" name="object 2"/>
+          <p:cNvSpPr/>
+          <p:nvPr/>
+        </p:nvSpPr>
+        <p:spPr>
+          <a:xfrm>
+            <a:off x="1981200" y="1143000"/>
+            <a:ext cx="8229600" cy="0"/>
+          </a:xfrm>
+          <a:custGeom>
+            <a:avLst/>
+            <a:gdLst/>
+            <a:ahLst/>
+            <a:cxnLst/>
+            <a:rect l="l" t="t" r="r" b="b"/>
+            <a:pathLst>
+              <a:path w="8229600">
+                <a:moveTo>
+                  <a:pt x="0" y="0"/>
+                </a:moveTo>
+                <a:lnTo>
+                  <a:pt x="8229600" y="0"/>
+                </a:lnTo>
+              </a:path>
+            </a:pathLst>
+          </a:custGeom>
+          <a:ln w="12700">
+            <a:solidFill>
+              <a:srgbClr val="9FB8CD"/>
+            </a:solidFill>
+            <a:prstDash val="dash"/>
+          </a:ln>
+        </p:spPr>
+        <p:txBody>
+          <a:bodyPr wrap="square" lIns="0" tIns="0" rIns="0" bIns="0" rtlCol="0">
+            <a:noAutofit/>
+          </a:bodyPr>
+          <a:lstStyle/>
+          <a:p>
+            <a:endParaRPr/>
+          </a:p>
+        </p:txBody>
+      </p:sp>
+      <p:sp>
+        <p:nvSpPr>
+          <p:cNvPr id="4" name="object 4"/>
+          <p:cNvSpPr txBox="1"/>
+          <p:nvPr/>
+        </p:nvSpPr>
+        <p:spPr>
+          <a:xfrm>
+            <a:off x="2059941" y="307576"/>
+            <a:ext cx="6125845" cy="500380"/>
+          </a:xfrm>
+          <a:prstGeom prst="rect">
+            <a:avLst/>
+          </a:prstGeom>
+        </p:spPr>
+        <p:txBody>
+          <a:bodyPr vert="horz" wrap="square" lIns="0" tIns="0" rIns="0" bIns="0" rtlCol="0">
+            <a:noAutofit/>
+          </a:bodyPr>
+          <a:lstStyle/>
+          <a:p>
+            <a:pPr marL="12700"/>
+            <a:r>
+              <a:rPr sz="3200" b="1" dirty="0">
+                <a:solidFill>
+                  <a:srgbClr val="464653"/>
+                </a:solidFill>
+                <a:latin typeface="Microsoft YaHei UI"/>
+                <a:cs typeface="Microsoft YaHei UI"/>
+              </a:rPr>
+              <a:t>大数据在健康医疗方面</a:t>
+            </a:r>
+            <a:r>
+              <a:rPr sz="3200" b="1" spc="-15" dirty="0">
+                <a:solidFill>
+                  <a:srgbClr val="464653"/>
+                </a:solidFill>
+                <a:latin typeface="Microsoft YaHei UI"/>
+                <a:cs typeface="Microsoft YaHei UI"/>
+              </a:rPr>
+              <a:t>的</a:t>
+            </a:r>
+            <a:r>
+              <a:rPr sz="3200" b="1" dirty="0">
+                <a:solidFill>
+                  <a:srgbClr val="464653"/>
+                </a:solidFill>
+                <a:latin typeface="Microsoft YaHei UI"/>
+                <a:cs typeface="Microsoft YaHei UI"/>
+              </a:rPr>
+              <a:t>应用</a:t>
+            </a:r>
+            <a:r>
+              <a:rPr sz="3200" b="1" spc="-15" dirty="0">
+                <a:solidFill>
+                  <a:srgbClr val="464653"/>
+                </a:solidFill>
+                <a:latin typeface="Microsoft YaHei UI"/>
+                <a:cs typeface="Microsoft YaHei UI"/>
+              </a:rPr>
+              <a:t>场</a:t>
+            </a:r>
+            <a:r>
+              <a:rPr sz="3200" b="1" dirty="0">
+                <a:solidFill>
+                  <a:srgbClr val="464653"/>
+                </a:solidFill>
+                <a:latin typeface="Microsoft YaHei UI"/>
+                <a:cs typeface="Microsoft YaHei UI"/>
+              </a:rPr>
+              <a:t>景</a:t>
+            </a:r>
+            <a:endParaRPr sz="3200">
+              <a:latin typeface="Microsoft YaHei UI"/>
+              <a:cs typeface="Microsoft YaHei UI"/>
+            </a:endParaRPr>
+          </a:p>
+        </p:txBody>
+      </p:sp>
+      <p:sp>
+        <p:nvSpPr>
+          <p:cNvPr id="6" name="object 6"/>
+          <p:cNvSpPr txBox="1"/>
+          <p:nvPr/>
+        </p:nvSpPr>
+        <p:spPr>
+          <a:xfrm>
+            <a:off x="1968500" y="1223566"/>
+            <a:ext cx="8255000" cy="5157470"/>
+          </a:xfrm>
+          <a:prstGeom prst="rect">
+            <a:avLst/>
+          </a:prstGeom>
+        </p:spPr>
+        <p:txBody>
+          <a:bodyPr vert="horz" wrap="square" lIns="0" tIns="0" rIns="0" bIns="0" rtlCol="0">
+            <a:noAutofit/>
+          </a:bodyPr>
+          <a:lstStyle/>
+          <a:p>
+            <a:pPr marL="104139">
+              <a:tabLst>
+                <a:tab pos="377825" algn="l"/>
+              </a:tabLst>
+            </a:pPr>
+            <a:r>
+              <a:rPr sz="1350" spc="5" dirty="0">
+                <a:solidFill>
+                  <a:srgbClr val="727CA3"/>
+                </a:solidFill>
+                <a:latin typeface="Wingdings 3"/>
+                <a:cs typeface="Wingdings 3"/>
+              </a:rPr>
+              <a:t></a:t>
+            </a:r>
+            <a:r>
+              <a:rPr sz="1350" spc="5" dirty="0">
+                <a:solidFill>
+                  <a:srgbClr val="727CA3"/>
+                </a:solidFill>
+                <a:latin typeface="Times New Roman"/>
+                <a:cs typeface="Times New Roman"/>
+              </a:rPr>
+              <a:t>	</a:t>
+            </a:r>
+            <a:r>
+              <a:rPr spc="5" dirty="0">
+                <a:latin typeface="Microsoft YaHei UI"/>
+                <a:cs typeface="Microsoft YaHei UI"/>
+              </a:rPr>
+              <a:t>临床操作</a:t>
+            </a:r>
+            <a:endParaRPr dirty="0">
+              <a:latin typeface="Microsoft YaHei UI"/>
+              <a:cs typeface="Microsoft YaHei UI"/>
+            </a:endParaRPr>
+          </a:p>
+          <a:p>
+            <a:pPr marL="378460">
+              <a:spcBef>
+                <a:spcPts val="350"/>
+              </a:spcBef>
+              <a:tabLst>
+                <a:tab pos="652145" algn="l"/>
+              </a:tabLst>
+            </a:pPr>
+            <a:r>
+              <a:rPr sz="1050" spc="5" dirty="0">
+                <a:solidFill>
+                  <a:srgbClr val="9FB8CD"/>
+                </a:solidFill>
+                <a:latin typeface="Wingdings 3"/>
+                <a:cs typeface="Wingdings 3"/>
+              </a:rPr>
+              <a:t></a:t>
+            </a:r>
+            <a:r>
+              <a:rPr sz="1050" spc="5" dirty="0">
+                <a:solidFill>
+                  <a:srgbClr val="9FB8CD"/>
+                </a:solidFill>
+                <a:latin typeface="Times New Roman"/>
+                <a:cs typeface="Times New Roman"/>
+              </a:rPr>
+              <a:t>	</a:t>
+            </a:r>
+            <a:r>
+              <a:rPr sz="1400" spc="5" dirty="0">
+                <a:solidFill>
+                  <a:srgbClr val="464653"/>
+                </a:solidFill>
+                <a:latin typeface="Gill Sans MT"/>
+                <a:cs typeface="Gill Sans MT"/>
+              </a:rPr>
+              <a:t>1</a:t>
+            </a:r>
+            <a:r>
+              <a:rPr sz="1400" dirty="0">
+                <a:solidFill>
+                  <a:srgbClr val="464653"/>
+                </a:solidFill>
+                <a:latin typeface="Gill Sans MT"/>
+                <a:cs typeface="Gill Sans MT"/>
+              </a:rPr>
+              <a:t>.</a:t>
+            </a:r>
+            <a:r>
+              <a:rPr sz="1400" dirty="0">
+                <a:solidFill>
+                  <a:srgbClr val="464653"/>
+                </a:solidFill>
+                <a:latin typeface="Microsoft YaHei UI"/>
+                <a:cs typeface="Microsoft YaHei UI"/>
+              </a:rPr>
+              <a:t>比较效果研究</a:t>
+            </a:r>
+            <a:endParaRPr sz="1400" dirty="0">
+              <a:latin typeface="Microsoft YaHei UI"/>
+              <a:cs typeface="Microsoft YaHei UI"/>
+            </a:endParaRPr>
+          </a:p>
+          <a:p>
+            <a:pPr marL="378460">
+              <a:spcBef>
+                <a:spcPts val="335"/>
+              </a:spcBef>
+              <a:tabLst>
+                <a:tab pos="652145" algn="l"/>
+              </a:tabLst>
+            </a:pPr>
+            <a:r>
+              <a:rPr sz="1050" spc="5" dirty="0">
+                <a:solidFill>
+                  <a:srgbClr val="9FB8CD"/>
+                </a:solidFill>
+                <a:latin typeface="Wingdings 3"/>
+                <a:cs typeface="Wingdings 3"/>
+              </a:rPr>
+              <a:t></a:t>
+            </a:r>
+            <a:r>
+              <a:rPr sz="1050" spc="5" dirty="0">
+                <a:solidFill>
+                  <a:srgbClr val="9FB8CD"/>
+                </a:solidFill>
+                <a:latin typeface="Times New Roman"/>
+                <a:cs typeface="Times New Roman"/>
+              </a:rPr>
+              <a:t>	</a:t>
+            </a:r>
+            <a:r>
+              <a:rPr sz="1400" spc="5" dirty="0">
+                <a:solidFill>
+                  <a:srgbClr val="464653"/>
+                </a:solidFill>
+                <a:latin typeface="Gill Sans MT"/>
+                <a:cs typeface="Gill Sans MT"/>
+              </a:rPr>
+              <a:t>2</a:t>
+            </a:r>
+            <a:r>
+              <a:rPr sz="1400" dirty="0">
+                <a:solidFill>
+                  <a:srgbClr val="464653"/>
+                </a:solidFill>
+                <a:latin typeface="Gill Sans MT"/>
+                <a:cs typeface="Gill Sans MT"/>
+              </a:rPr>
+              <a:t>.</a:t>
+            </a:r>
+            <a:r>
+              <a:rPr sz="1400" dirty="0">
+                <a:solidFill>
+                  <a:srgbClr val="464653"/>
+                </a:solidFill>
+                <a:latin typeface="Microsoft YaHei UI"/>
+                <a:cs typeface="Microsoft YaHei UI"/>
+              </a:rPr>
+              <a:t>临床决策支持系统</a:t>
+            </a:r>
+            <a:endParaRPr sz="1400" dirty="0">
+              <a:latin typeface="Microsoft YaHei UI"/>
+              <a:cs typeface="Microsoft YaHei UI"/>
+            </a:endParaRPr>
+          </a:p>
+          <a:p>
+            <a:pPr marL="378460">
+              <a:spcBef>
+                <a:spcPts val="320"/>
+              </a:spcBef>
+              <a:tabLst>
+                <a:tab pos="652145" algn="l"/>
+              </a:tabLst>
+            </a:pPr>
+            <a:r>
+              <a:rPr sz="1050" spc="5" dirty="0">
+                <a:solidFill>
+                  <a:srgbClr val="9FB8CD"/>
+                </a:solidFill>
+                <a:latin typeface="Wingdings 3"/>
+                <a:cs typeface="Wingdings 3"/>
+              </a:rPr>
+              <a:t></a:t>
+            </a:r>
+            <a:r>
+              <a:rPr sz="1050" spc="5" dirty="0">
+                <a:solidFill>
+                  <a:srgbClr val="9FB8CD"/>
+                </a:solidFill>
+                <a:latin typeface="Times New Roman"/>
+                <a:cs typeface="Times New Roman"/>
+              </a:rPr>
+              <a:t>	</a:t>
+            </a:r>
+            <a:r>
+              <a:rPr sz="1400" spc="5" dirty="0">
+                <a:solidFill>
+                  <a:srgbClr val="464653"/>
+                </a:solidFill>
+                <a:latin typeface="Gill Sans MT"/>
+                <a:cs typeface="Gill Sans MT"/>
+              </a:rPr>
+              <a:t>3</a:t>
+            </a:r>
+            <a:r>
+              <a:rPr sz="1400" dirty="0">
+                <a:solidFill>
+                  <a:srgbClr val="464653"/>
+                </a:solidFill>
+                <a:latin typeface="Gill Sans MT"/>
+                <a:cs typeface="Gill Sans MT"/>
+              </a:rPr>
+              <a:t>.</a:t>
+            </a:r>
+            <a:r>
+              <a:rPr sz="1400" dirty="0">
+                <a:solidFill>
+                  <a:srgbClr val="464653"/>
+                </a:solidFill>
+                <a:latin typeface="Microsoft YaHei UI"/>
+                <a:cs typeface="Microsoft YaHei UI"/>
+              </a:rPr>
+              <a:t>医疗数据透明度</a:t>
+            </a:r>
+            <a:endParaRPr sz="1400" dirty="0">
+              <a:latin typeface="Microsoft YaHei UI"/>
+              <a:cs typeface="Microsoft YaHei UI"/>
+            </a:endParaRPr>
+          </a:p>
+          <a:p>
+            <a:pPr marL="378460">
+              <a:spcBef>
+                <a:spcPts val="335"/>
+              </a:spcBef>
+              <a:tabLst>
+                <a:tab pos="652145" algn="l"/>
+              </a:tabLst>
+            </a:pPr>
+            <a:r>
+              <a:rPr sz="1050" spc="5" dirty="0">
+                <a:solidFill>
+                  <a:srgbClr val="9FB8CD"/>
+                </a:solidFill>
+                <a:latin typeface="Wingdings 3"/>
+                <a:cs typeface="Wingdings 3"/>
+              </a:rPr>
+              <a:t></a:t>
+            </a:r>
+            <a:r>
+              <a:rPr sz="1050" spc="5" dirty="0">
+                <a:solidFill>
+                  <a:srgbClr val="9FB8CD"/>
+                </a:solidFill>
+                <a:latin typeface="Times New Roman"/>
+                <a:cs typeface="Times New Roman"/>
+              </a:rPr>
+              <a:t>	</a:t>
+            </a:r>
+            <a:r>
+              <a:rPr sz="1400" spc="5" dirty="0">
+                <a:solidFill>
+                  <a:srgbClr val="464653"/>
+                </a:solidFill>
+                <a:latin typeface="Gill Sans MT"/>
+                <a:cs typeface="Gill Sans MT"/>
+              </a:rPr>
+              <a:t>4</a:t>
+            </a:r>
+            <a:r>
+              <a:rPr sz="1400" dirty="0">
+                <a:solidFill>
+                  <a:srgbClr val="464653"/>
+                </a:solidFill>
+                <a:latin typeface="Gill Sans MT"/>
+                <a:cs typeface="Gill Sans MT"/>
+              </a:rPr>
+              <a:t>.</a:t>
+            </a:r>
+            <a:r>
+              <a:rPr sz="1400" dirty="0">
+                <a:solidFill>
+                  <a:srgbClr val="464653"/>
+                </a:solidFill>
+                <a:latin typeface="Microsoft YaHei UI"/>
+                <a:cs typeface="Microsoft YaHei UI"/>
+              </a:rPr>
+              <a:t>远程病人监控</a:t>
+            </a:r>
+            <a:endParaRPr sz="1400" dirty="0">
+              <a:latin typeface="Microsoft YaHei UI"/>
+              <a:cs typeface="Microsoft YaHei UI"/>
+            </a:endParaRPr>
+          </a:p>
+          <a:p>
+            <a:pPr marL="378460">
+              <a:spcBef>
+                <a:spcPts val="335"/>
+              </a:spcBef>
+              <a:tabLst>
+                <a:tab pos="652145" algn="l"/>
+              </a:tabLst>
+            </a:pPr>
+            <a:r>
+              <a:rPr sz="1050" spc="5" dirty="0">
+                <a:solidFill>
+                  <a:srgbClr val="9FB8CD"/>
+                </a:solidFill>
+                <a:latin typeface="Wingdings 3"/>
+                <a:cs typeface="Wingdings 3"/>
+              </a:rPr>
+              <a:t></a:t>
+            </a:r>
+            <a:r>
+              <a:rPr sz="1050" spc="5" dirty="0">
+                <a:solidFill>
+                  <a:srgbClr val="9FB8CD"/>
+                </a:solidFill>
+                <a:latin typeface="Times New Roman"/>
+                <a:cs typeface="Times New Roman"/>
+              </a:rPr>
+              <a:t>	</a:t>
+            </a:r>
+            <a:r>
+              <a:rPr sz="1400" spc="5" dirty="0">
+                <a:solidFill>
+                  <a:srgbClr val="464653"/>
+                </a:solidFill>
+                <a:latin typeface="Gill Sans MT"/>
+                <a:cs typeface="Gill Sans MT"/>
+              </a:rPr>
+              <a:t>5</a:t>
+            </a:r>
+            <a:r>
+              <a:rPr sz="1400" dirty="0">
+                <a:solidFill>
+                  <a:srgbClr val="464653"/>
+                </a:solidFill>
+                <a:latin typeface="Gill Sans MT"/>
+                <a:cs typeface="Gill Sans MT"/>
+              </a:rPr>
+              <a:t>.</a:t>
+            </a:r>
+            <a:r>
+              <a:rPr sz="1400" dirty="0">
+                <a:solidFill>
+                  <a:srgbClr val="464653"/>
+                </a:solidFill>
+                <a:latin typeface="Microsoft YaHei UI"/>
+                <a:cs typeface="Microsoft YaHei UI"/>
+              </a:rPr>
+              <a:t>对病人档案的先进</a:t>
+            </a:r>
+            <a:r>
+              <a:rPr sz="1400" spc="-15" dirty="0">
+                <a:solidFill>
+                  <a:srgbClr val="464653"/>
+                </a:solidFill>
+                <a:latin typeface="Microsoft YaHei UI"/>
+                <a:cs typeface="Microsoft YaHei UI"/>
+              </a:rPr>
+              <a:t>分</a:t>
+            </a:r>
+            <a:r>
+              <a:rPr sz="1400" dirty="0">
+                <a:solidFill>
+                  <a:srgbClr val="464653"/>
+                </a:solidFill>
+                <a:latin typeface="Microsoft YaHei UI"/>
+                <a:cs typeface="Microsoft YaHei UI"/>
+              </a:rPr>
+              <a:t>析</a:t>
+            </a:r>
+            <a:endParaRPr sz="1400" dirty="0">
+              <a:latin typeface="Microsoft YaHei UI"/>
+              <a:cs typeface="Microsoft YaHei UI"/>
+            </a:endParaRPr>
+          </a:p>
+          <a:p>
+            <a:pPr marL="104139">
+              <a:spcBef>
+                <a:spcPts val="365"/>
+              </a:spcBef>
+              <a:tabLst>
+                <a:tab pos="377825" algn="l"/>
+              </a:tabLst>
+            </a:pPr>
+            <a:r>
+              <a:rPr sz="1350" spc="5" dirty="0">
+                <a:solidFill>
+                  <a:srgbClr val="727CA3"/>
+                </a:solidFill>
+                <a:latin typeface="Wingdings 3"/>
+                <a:cs typeface="Wingdings 3"/>
+              </a:rPr>
+              <a:t></a:t>
+            </a:r>
+            <a:r>
+              <a:rPr sz="1350" spc="5" dirty="0">
+                <a:solidFill>
+                  <a:srgbClr val="727CA3"/>
+                </a:solidFill>
+                <a:latin typeface="Times New Roman"/>
+                <a:cs typeface="Times New Roman"/>
+              </a:rPr>
+              <a:t>	</a:t>
+            </a:r>
+            <a:r>
+              <a:rPr spc="5" dirty="0">
+                <a:latin typeface="Microsoft YaHei UI"/>
+                <a:cs typeface="Microsoft YaHei UI"/>
+              </a:rPr>
+              <a:t>付款</a:t>
+            </a:r>
+            <a:r>
+              <a:rPr spc="-10" dirty="0">
+                <a:latin typeface="Gill Sans MT"/>
+                <a:cs typeface="Gill Sans MT"/>
+              </a:rPr>
+              <a:t>/</a:t>
+            </a:r>
+            <a:r>
+              <a:rPr dirty="0">
+                <a:latin typeface="Microsoft YaHei UI"/>
+                <a:cs typeface="Microsoft YaHei UI"/>
+              </a:rPr>
+              <a:t>定价</a:t>
+            </a:r>
+            <a:endParaRPr dirty="0">
+              <a:latin typeface="Microsoft YaHei UI"/>
+              <a:cs typeface="Microsoft YaHei UI"/>
+            </a:endParaRPr>
+          </a:p>
+          <a:p>
+            <a:pPr marL="378460">
+              <a:spcBef>
+                <a:spcPts val="340"/>
+              </a:spcBef>
+              <a:tabLst>
+                <a:tab pos="652145" algn="l"/>
+              </a:tabLst>
+            </a:pPr>
+            <a:r>
+              <a:rPr sz="1050" spc="5" dirty="0">
+                <a:solidFill>
+                  <a:srgbClr val="9FB8CD"/>
+                </a:solidFill>
+                <a:latin typeface="Wingdings 3"/>
+                <a:cs typeface="Wingdings 3"/>
+              </a:rPr>
+              <a:t></a:t>
+            </a:r>
+            <a:r>
+              <a:rPr sz="1050" spc="5" dirty="0">
+                <a:solidFill>
+                  <a:srgbClr val="9FB8CD"/>
+                </a:solidFill>
+                <a:latin typeface="Times New Roman"/>
+                <a:cs typeface="Times New Roman"/>
+              </a:rPr>
+              <a:t>	</a:t>
+            </a:r>
+            <a:r>
+              <a:rPr sz="1400" spc="5" dirty="0">
+                <a:solidFill>
+                  <a:srgbClr val="464653"/>
+                </a:solidFill>
+                <a:latin typeface="Gill Sans MT"/>
+                <a:cs typeface="Gill Sans MT"/>
+              </a:rPr>
+              <a:t>1</a:t>
+            </a:r>
+            <a:r>
+              <a:rPr sz="1400" dirty="0">
+                <a:solidFill>
+                  <a:srgbClr val="464653"/>
+                </a:solidFill>
+                <a:latin typeface="Gill Sans MT"/>
+                <a:cs typeface="Gill Sans MT"/>
+              </a:rPr>
+              <a:t>.</a:t>
+            </a:r>
+            <a:r>
+              <a:rPr sz="1400" dirty="0">
+                <a:solidFill>
+                  <a:srgbClr val="464653"/>
+                </a:solidFill>
+                <a:latin typeface="Microsoft YaHei UI"/>
+                <a:cs typeface="Microsoft YaHei UI"/>
+              </a:rPr>
+              <a:t>自动化系统</a:t>
+            </a:r>
+            <a:endParaRPr sz="1400" dirty="0">
+              <a:latin typeface="Microsoft YaHei UI"/>
+              <a:cs typeface="Microsoft YaHei UI"/>
+            </a:endParaRPr>
+          </a:p>
+          <a:p>
+            <a:pPr marL="378460">
+              <a:spcBef>
+                <a:spcPts val="335"/>
+              </a:spcBef>
+              <a:tabLst>
+                <a:tab pos="652145" algn="l"/>
+              </a:tabLst>
+            </a:pPr>
+            <a:r>
+              <a:rPr sz="1050" spc="5" dirty="0">
+                <a:solidFill>
+                  <a:srgbClr val="9FB8CD"/>
+                </a:solidFill>
+                <a:latin typeface="Wingdings 3"/>
+                <a:cs typeface="Wingdings 3"/>
+              </a:rPr>
+              <a:t></a:t>
+            </a:r>
+            <a:r>
+              <a:rPr sz="1050" spc="5" dirty="0">
+                <a:solidFill>
+                  <a:srgbClr val="9FB8CD"/>
+                </a:solidFill>
+                <a:latin typeface="Times New Roman"/>
+                <a:cs typeface="Times New Roman"/>
+              </a:rPr>
+              <a:t>	</a:t>
+            </a:r>
+            <a:r>
+              <a:rPr sz="1400" spc="5" dirty="0">
+                <a:solidFill>
+                  <a:srgbClr val="464653"/>
+                </a:solidFill>
+                <a:latin typeface="Gill Sans MT"/>
+                <a:cs typeface="Gill Sans MT"/>
+              </a:rPr>
+              <a:t>2</a:t>
+            </a:r>
+            <a:r>
+              <a:rPr sz="1400" dirty="0">
+                <a:solidFill>
+                  <a:srgbClr val="464653"/>
+                </a:solidFill>
+                <a:latin typeface="Gill Sans MT"/>
+                <a:cs typeface="Gill Sans MT"/>
+              </a:rPr>
+              <a:t>.</a:t>
+            </a:r>
+            <a:r>
+              <a:rPr sz="1400" dirty="0">
+                <a:solidFill>
+                  <a:srgbClr val="464653"/>
+                </a:solidFill>
+                <a:latin typeface="Microsoft YaHei UI"/>
+                <a:cs typeface="Microsoft YaHei UI"/>
+              </a:rPr>
+              <a:t>基于卫生经济学和</a:t>
+            </a:r>
+            <a:r>
+              <a:rPr sz="1400" spc="-15" dirty="0">
+                <a:solidFill>
+                  <a:srgbClr val="464653"/>
+                </a:solidFill>
+                <a:latin typeface="Microsoft YaHei UI"/>
+                <a:cs typeface="Microsoft YaHei UI"/>
+              </a:rPr>
+              <a:t>疗</a:t>
+            </a:r>
+            <a:r>
+              <a:rPr sz="1400" dirty="0">
+                <a:solidFill>
+                  <a:srgbClr val="464653"/>
+                </a:solidFill>
+                <a:latin typeface="Microsoft YaHei UI"/>
+                <a:cs typeface="Microsoft YaHei UI"/>
+              </a:rPr>
+              <a:t>效研</a:t>
+            </a:r>
+            <a:r>
+              <a:rPr sz="1400" spc="-15" dirty="0">
+                <a:solidFill>
+                  <a:srgbClr val="464653"/>
+                </a:solidFill>
+                <a:latin typeface="Microsoft YaHei UI"/>
+                <a:cs typeface="Microsoft YaHei UI"/>
+              </a:rPr>
+              <a:t>究</a:t>
+            </a:r>
+            <a:r>
+              <a:rPr sz="1400" dirty="0">
+                <a:solidFill>
+                  <a:srgbClr val="464653"/>
+                </a:solidFill>
+                <a:latin typeface="Microsoft YaHei UI"/>
+                <a:cs typeface="Microsoft YaHei UI"/>
+              </a:rPr>
+              <a:t>的定</a:t>
+            </a:r>
+            <a:r>
+              <a:rPr sz="1400" spc="-15" dirty="0">
+                <a:solidFill>
+                  <a:srgbClr val="464653"/>
+                </a:solidFill>
+                <a:latin typeface="Microsoft YaHei UI"/>
+                <a:cs typeface="Microsoft YaHei UI"/>
+              </a:rPr>
+              <a:t>价</a:t>
+            </a:r>
+            <a:r>
+              <a:rPr sz="1400" dirty="0">
+                <a:solidFill>
+                  <a:srgbClr val="464653"/>
+                </a:solidFill>
+                <a:latin typeface="Microsoft YaHei UI"/>
+                <a:cs typeface="Microsoft YaHei UI"/>
+              </a:rPr>
+              <a:t>计划</a:t>
+            </a:r>
+            <a:endParaRPr sz="1400" dirty="0">
+              <a:latin typeface="Microsoft YaHei UI"/>
+              <a:cs typeface="Microsoft YaHei UI"/>
+            </a:endParaRPr>
+          </a:p>
+          <a:p>
+            <a:pPr marL="104139">
+              <a:spcBef>
+                <a:spcPts val="365"/>
+              </a:spcBef>
+              <a:tabLst>
+                <a:tab pos="377825" algn="l"/>
+              </a:tabLst>
+            </a:pPr>
+            <a:r>
+              <a:rPr sz="1350" spc="5" dirty="0">
+                <a:solidFill>
+                  <a:srgbClr val="727CA3"/>
+                </a:solidFill>
+                <a:latin typeface="Wingdings 3"/>
+                <a:cs typeface="Wingdings 3"/>
+              </a:rPr>
+              <a:t></a:t>
+            </a:r>
+            <a:r>
+              <a:rPr sz="1350" spc="5" dirty="0">
+                <a:solidFill>
+                  <a:srgbClr val="727CA3"/>
+                </a:solidFill>
+                <a:latin typeface="Times New Roman"/>
+                <a:cs typeface="Times New Roman"/>
+              </a:rPr>
+              <a:t>	</a:t>
+            </a:r>
+            <a:r>
+              <a:rPr spc="5" dirty="0">
+                <a:latin typeface="Microsoft YaHei UI"/>
+                <a:cs typeface="Microsoft YaHei UI"/>
+              </a:rPr>
+              <a:t>研发</a:t>
+            </a:r>
+            <a:endParaRPr dirty="0">
+              <a:latin typeface="Microsoft YaHei UI"/>
+              <a:cs typeface="Microsoft YaHei UI"/>
+            </a:endParaRPr>
+          </a:p>
+          <a:p>
+            <a:pPr marL="378460">
+              <a:spcBef>
+                <a:spcPts val="350"/>
+              </a:spcBef>
+              <a:tabLst>
+                <a:tab pos="652145" algn="l"/>
+              </a:tabLst>
+            </a:pPr>
+            <a:r>
+              <a:rPr sz="1050" spc="5" dirty="0">
+                <a:solidFill>
+                  <a:srgbClr val="9FB8CD"/>
+                </a:solidFill>
+                <a:latin typeface="Wingdings 3"/>
+                <a:cs typeface="Wingdings 3"/>
+              </a:rPr>
+              <a:t></a:t>
+            </a:r>
+            <a:r>
+              <a:rPr sz="1050" spc="5" dirty="0">
+                <a:solidFill>
+                  <a:srgbClr val="9FB8CD"/>
+                </a:solidFill>
+                <a:latin typeface="Times New Roman"/>
+                <a:cs typeface="Times New Roman"/>
+              </a:rPr>
+              <a:t>	</a:t>
+            </a:r>
+            <a:r>
+              <a:rPr sz="1400" spc="5" dirty="0">
+                <a:solidFill>
+                  <a:srgbClr val="464653"/>
+                </a:solidFill>
+                <a:latin typeface="Gill Sans MT"/>
+                <a:cs typeface="Gill Sans MT"/>
+              </a:rPr>
+              <a:t>1</a:t>
+            </a:r>
+            <a:r>
+              <a:rPr sz="1400" dirty="0">
+                <a:solidFill>
+                  <a:srgbClr val="464653"/>
+                </a:solidFill>
+                <a:latin typeface="Gill Sans MT"/>
+                <a:cs typeface="Gill Sans MT"/>
+              </a:rPr>
+              <a:t>.</a:t>
+            </a:r>
+            <a:r>
+              <a:rPr sz="1400" dirty="0">
+                <a:solidFill>
+                  <a:srgbClr val="464653"/>
+                </a:solidFill>
+                <a:latin typeface="Microsoft YaHei UI"/>
+                <a:cs typeface="Microsoft YaHei UI"/>
+              </a:rPr>
+              <a:t>预测建模</a:t>
+            </a:r>
+            <a:endParaRPr sz="1400" dirty="0">
+              <a:latin typeface="Microsoft YaHei UI"/>
+              <a:cs typeface="Microsoft YaHei UI"/>
+            </a:endParaRPr>
+          </a:p>
+          <a:p>
+            <a:pPr marL="378460">
+              <a:spcBef>
+                <a:spcPts val="320"/>
+              </a:spcBef>
+              <a:tabLst>
+                <a:tab pos="652145" algn="l"/>
+              </a:tabLst>
+            </a:pPr>
+            <a:r>
+              <a:rPr sz="1050" spc="5" dirty="0">
+                <a:solidFill>
+                  <a:srgbClr val="9FB8CD"/>
+                </a:solidFill>
+                <a:latin typeface="Wingdings 3"/>
+                <a:cs typeface="Wingdings 3"/>
+              </a:rPr>
+              <a:t></a:t>
+            </a:r>
+            <a:r>
+              <a:rPr sz="1050" spc="5" dirty="0">
+                <a:solidFill>
+                  <a:srgbClr val="9FB8CD"/>
+                </a:solidFill>
+                <a:latin typeface="Times New Roman"/>
+                <a:cs typeface="Times New Roman"/>
+              </a:rPr>
+              <a:t>	</a:t>
+            </a:r>
+            <a:r>
+              <a:rPr sz="1400" spc="5" dirty="0">
+                <a:solidFill>
+                  <a:srgbClr val="464653"/>
+                </a:solidFill>
+                <a:latin typeface="Gill Sans MT"/>
+                <a:cs typeface="Gill Sans MT"/>
+              </a:rPr>
+              <a:t>2</a:t>
+            </a:r>
+            <a:r>
+              <a:rPr sz="1400" dirty="0">
+                <a:solidFill>
+                  <a:srgbClr val="464653"/>
+                </a:solidFill>
+                <a:latin typeface="Gill Sans MT"/>
+                <a:cs typeface="Gill Sans MT"/>
+              </a:rPr>
+              <a:t>.</a:t>
+            </a:r>
+            <a:r>
+              <a:rPr sz="1400" dirty="0">
+                <a:solidFill>
+                  <a:srgbClr val="464653"/>
+                </a:solidFill>
+                <a:latin typeface="Microsoft YaHei UI"/>
+                <a:cs typeface="Microsoft YaHei UI"/>
+              </a:rPr>
+              <a:t>提高临床试验设计</a:t>
+            </a:r>
+            <a:r>
+              <a:rPr sz="1400" spc="-15" dirty="0">
+                <a:solidFill>
+                  <a:srgbClr val="464653"/>
+                </a:solidFill>
+                <a:latin typeface="Microsoft YaHei UI"/>
+                <a:cs typeface="Microsoft YaHei UI"/>
+              </a:rPr>
+              <a:t>的</a:t>
+            </a:r>
+            <a:r>
+              <a:rPr sz="1400" dirty="0">
+                <a:solidFill>
+                  <a:srgbClr val="464653"/>
+                </a:solidFill>
+                <a:latin typeface="Microsoft YaHei UI"/>
+                <a:cs typeface="Microsoft YaHei UI"/>
+              </a:rPr>
+              <a:t>统计</a:t>
+            </a:r>
+            <a:r>
+              <a:rPr sz="1400" spc="-15" dirty="0">
+                <a:solidFill>
+                  <a:srgbClr val="464653"/>
+                </a:solidFill>
+                <a:latin typeface="Microsoft YaHei UI"/>
+                <a:cs typeface="Microsoft YaHei UI"/>
+              </a:rPr>
+              <a:t>工</a:t>
+            </a:r>
+            <a:r>
+              <a:rPr sz="1400" dirty="0">
+                <a:solidFill>
+                  <a:srgbClr val="464653"/>
+                </a:solidFill>
+                <a:latin typeface="Microsoft YaHei UI"/>
+                <a:cs typeface="Microsoft YaHei UI"/>
+              </a:rPr>
+              <a:t>具和</a:t>
+            </a:r>
+            <a:r>
+              <a:rPr sz="1400" spc="-15" dirty="0">
+                <a:solidFill>
+                  <a:srgbClr val="464653"/>
+                </a:solidFill>
+                <a:latin typeface="Microsoft YaHei UI"/>
+                <a:cs typeface="Microsoft YaHei UI"/>
+              </a:rPr>
+              <a:t>算</a:t>
+            </a:r>
+            <a:r>
+              <a:rPr sz="1400" dirty="0">
+                <a:solidFill>
+                  <a:srgbClr val="464653"/>
+                </a:solidFill>
+                <a:latin typeface="Microsoft YaHei UI"/>
+                <a:cs typeface="Microsoft YaHei UI"/>
+              </a:rPr>
+              <a:t>法</a:t>
+            </a:r>
+            <a:endParaRPr sz="1400" dirty="0">
+              <a:latin typeface="Microsoft YaHei UI"/>
+              <a:cs typeface="Microsoft YaHei UI"/>
+            </a:endParaRPr>
+          </a:p>
+          <a:p>
+            <a:pPr marL="378460">
+              <a:spcBef>
+                <a:spcPts val="335"/>
+              </a:spcBef>
+              <a:tabLst>
+                <a:tab pos="652145" algn="l"/>
+              </a:tabLst>
+            </a:pPr>
+            <a:r>
+              <a:rPr sz="1050" spc="5" dirty="0">
+                <a:solidFill>
+                  <a:srgbClr val="9FB8CD"/>
+                </a:solidFill>
+                <a:latin typeface="Wingdings 3"/>
+                <a:cs typeface="Wingdings 3"/>
+              </a:rPr>
+              <a:t></a:t>
+            </a:r>
+            <a:r>
+              <a:rPr sz="1050" spc="5" dirty="0">
+                <a:solidFill>
+                  <a:srgbClr val="9FB8CD"/>
+                </a:solidFill>
+                <a:latin typeface="Times New Roman"/>
+                <a:cs typeface="Times New Roman"/>
+              </a:rPr>
+              <a:t>	</a:t>
+            </a:r>
+            <a:r>
+              <a:rPr sz="1400" spc="5" dirty="0">
+                <a:solidFill>
+                  <a:srgbClr val="464653"/>
+                </a:solidFill>
+                <a:latin typeface="Gill Sans MT"/>
+                <a:cs typeface="Gill Sans MT"/>
+              </a:rPr>
+              <a:t>3</a:t>
+            </a:r>
+            <a:r>
+              <a:rPr sz="1400" dirty="0">
+                <a:solidFill>
+                  <a:srgbClr val="464653"/>
+                </a:solidFill>
+                <a:latin typeface="Gill Sans MT"/>
+                <a:cs typeface="Gill Sans MT"/>
+              </a:rPr>
+              <a:t>.</a:t>
+            </a:r>
+            <a:r>
+              <a:rPr sz="1400" dirty="0">
+                <a:solidFill>
+                  <a:srgbClr val="464653"/>
+                </a:solidFill>
+                <a:latin typeface="Microsoft YaHei UI"/>
+                <a:cs typeface="Microsoft YaHei UI"/>
+              </a:rPr>
+              <a:t>临床实验数据的分析</a:t>
+            </a:r>
+            <a:endParaRPr sz="1400" dirty="0">
+              <a:latin typeface="Microsoft YaHei UI"/>
+              <a:cs typeface="Microsoft YaHei UI"/>
+            </a:endParaRPr>
+          </a:p>
+          <a:p>
+            <a:pPr marL="378460">
+              <a:spcBef>
+                <a:spcPts val="335"/>
+              </a:spcBef>
+              <a:tabLst>
+                <a:tab pos="652145" algn="l"/>
+              </a:tabLst>
+            </a:pPr>
+            <a:r>
+              <a:rPr sz="1050" spc="5" dirty="0">
+                <a:solidFill>
+                  <a:srgbClr val="9FB8CD"/>
+                </a:solidFill>
+                <a:latin typeface="Wingdings 3"/>
+                <a:cs typeface="Wingdings 3"/>
+              </a:rPr>
+              <a:t></a:t>
+            </a:r>
+            <a:r>
+              <a:rPr sz="1050" spc="5" dirty="0">
+                <a:solidFill>
+                  <a:srgbClr val="9FB8CD"/>
+                </a:solidFill>
+                <a:latin typeface="Times New Roman"/>
+                <a:cs typeface="Times New Roman"/>
+              </a:rPr>
+              <a:t>	</a:t>
+            </a:r>
+            <a:r>
+              <a:rPr sz="1400" spc="5" dirty="0">
+                <a:solidFill>
+                  <a:srgbClr val="464653"/>
+                </a:solidFill>
+                <a:latin typeface="Gill Sans MT"/>
+                <a:cs typeface="Gill Sans MT"/>
+              </a:rPr>
+              <a:t>4</a:t>
+            </a:r>
+            <a:r>
+              <a:rPr sz="1400" dirty="0">
+                <a:solidFill>
+                  <a:srgbClr val="464653"/>
+                </a:solidFill>
+                <a:latin typeface="Gill Sans MT"/>
+                <a:cs typeface="Gill Sans MT"/>
+              </a:rPr>
+              <a:t>.</a:t>
+            </a:r>
+            <a:r>
+              <a:rPr sz="1400" dirty="0">
+                <a:solidFill>
+                  <a:srgbClr val="464653"/>
+                </a:solidFill>
+                <a:latin typeface="Microsoft YaHei UI"/>
+                <a:cs typeface="Microsoft YaHei UI"/>
+              </a:rPr>
+              <a:t>个性化治疗</a:t>
+            </a:r>
+            <a:endParaRPr sz="1400" dirty="0">
+              <a:latin typeface="Microsoft YaHei UI"/>
+              <a:cs typeface="Microsoft YaHei UI"/>
+            </a:endParaRPr>
+          </a:p>
+          <a:p>
+            <a:pPr marL="378460">
+              <a:spcBef>
+                <a:spcPts val="320"/>
+              </a:spcBef>
+              <a:tabLst>
+                <a:tab pos="652145" algn="l"/>
+              </a:tabLst>
+            </a:pPr>
+            <a:r>
+              <a:rPr sz="1050" spc="5" dirty="0">
+                <a:solidFill>
+                  <a:srgbClr val="9FB8CD"/>
+                </a:solidFill>
+                <a:latin typeface="Wingdings 3"/>
+                <a:cs typeface="Wingdings 3"/>
+              </a:rPr>
+              <a:t></a:t>
+            </a:r>
+            <a:r>
+              <a:rPr sz="1050" spc="5" dirty="0">
+                <a:solidFill>
+                  <a:srgbClr val="9FB8CD"/>
+                </a:solidFill>
+                <a:latin typeface="Times New Roman"/>
+                <a:cs typeface="Times New Roman"/>
+              </a:rPr>
+              <a:t>	</a:t>
+            </a:r>
+            <a:r>
+              <a:rPr sz="1400" spc="5" dirty="0">
+                <a:solidFill>
+                  <a:srgbClr val="464653"/>
+                </a:solidFill>
+                <a:latin typeface="Gill Sans MT"/>
+                <a:cs typeface="Gill Sans MT"/>
+              </a:rPr>
+              <a:t>5</a:t>
+            </a:r>
+            <a:r>
+              <a:rPr sz="1400" dirty="0">
+                <a:solidFill>
+                  <a:srgbClr val="464653"/>
+                </a:solidFill>
+                <a:latin typeface="Gill Sans MT"/>
+                <a:cs typeface="Gill Sans MT"/>
+              </a:rPr>
+              <a:t>.</a:t>
+            </a:r>
+            <a:r>
+              <a:rPr sz="1400" dirty="0">
+                <a:solidFill>
+                  <a:srgbClr val="464653"/>
+                </a:solidFill>
+                <a:latin typeface="Microsoft YaHei UI"/>
+                <a:cs typeface="Microsoft YaHei UI"/>
+              </a:rPr>
+              <a:t>疾病模式的分析</a:t>
+            </a:r>
+            <a:endParaRPr sz="1400" dirty="0">
+              <a:latin typeface="Microsoft YaHei UI"/>
+              <a:cs typeface="Microsoft YaHei UI"/>
+            </a:endParaRPr>
+          </a:p>
+          <a:p>
+            <a:pPr marL="104139">
+              <a:spcBef>
+                <a:spcPts val="365"/>
+              </a:spcBef>
+              <a:tabLst>
+                <a:tab pos="377825" algn="l"/>
+              </a:tabLst>
+            </a:pPr>
+            <a:r>
+              <a:rPr sz="1350" spc="5" dirty="0">
+                <a:solidFill>
+                  <a:srgbClr val="727CA3"/>
+                </a:solidFill>
+                <a:latin typeface="Wingdings 3"/>
+                <a:cs typeface="Wingdings 3"/>
+              </a:rPr>
+              <a:t></a:t>
+            </a:r>
+            <a:r>
+              <a:rPr sz="1350" spc="5" dirty="0">
+                <a:solidFill>
+                  <a:srgbClr val="727CA3"/>
+                </a:solidFill>
+                <a:latin typeface="Times New Roman"/>
+                <a:cs typeface="Times New Roman"/>
+              </a:rPr>
+              <a:t>	</a:t>
+            </a:r>
+            <a:r>
+              <a:rPr spc="5" dirty="0">
+                <a:latin typeface="Microsoft YaHei UI"/>
+                <a:cs typeface="Microsoft YaHei UI"/>
+              </a:rPr>
+              <a:t>新的商业模式</a:t>
+            </a:r>
+            <a:endParaRPr dirty="0">
+              <a:latin typeface="Microsoft YaHei UI"/>
+              <a:cs typeface="Microsoft YaHei UI"/>
+            </a:endParaRPr>
+          </a:p>
+          <a:p>
+            <a:pPr marL="378460">
+              <a:spcBef>
+                <a:spcPts val="350"/>
+              </a:spcBef>
+              <a:tabLst>
+                <a:tab pos="652145" algn="l"/>
+              </a:tabLst>
+            </a:pPr>
+            <a:r>
+              <a:rPr sz="1050" spc="5" dirty="0">
+                <a:solidFill>
+                  <a:srgbClr val="9FB8CD"/>
+                </a:solidFill>
+                <a:latin typeface="Wingdings 3"/>
+                <a:cs typeface="Wingdings 3"/>
+              </a:rPr>
+              <a:t></a:t>
+            </a:r>
+            <a:r>
+              <a:rPr sz="1050" spc="5" dirty="0">
+                <a:solidFill>
+                  <a:srgbClr val="9FB8CD"/>
+                </a:solidFill>
+                <a:latin typeface="Times New Roman"/>
+                <a:cs typeface="Times New Roman"/>
+              </a:rPr>
+              <a:t>	</a:t>
+            </a:r>
+            <a:r>
+              <a:rPr sz="1400" spc="5" dirty="0">
+                <a:solidFill>
+                  <a:srgbClr val="464653"/>
+                </a:solidFill>
+                <a:latin typeface="Gill Sans MT"/>
+                <a:cs typeface="Gill Sans MT"/>
+              </a:rPr>
+              <a:t>1</a:t>
+            </a:r>
+            <a:r>
+              <a:rPr sz="1400" dirty="0">
+                <a:solidFill>
+                  <a:srgbClr val="464653"/>
+                </a:solidFill>
+                <a:latin typeface="Gill Sans MT"/>
+                <a:cs typeface="Gill Sans MT"/>
+              </a:rPr>
+              <a:t>.</a:t>
+            </a:r>
+            <a:r>
+              <a:rPr sz="1400" dirty="0">
+                <a:solidFill>
+                  <a:srgbClr val="464653"/>
+                </a:solidFill>
+                <a:latin typeface="Microsoft YaHei UI"/>
+                <a:cs typeface="Microsoft YaHei UI"/>
+              </a:rPr>
+              <a:t>汇总患者的临床记</a:t>
+            </a:r>
+            <a:r>
+              <a:rPr sz="1400" spc="-15" dirty="0">
+                <a:solidFill>
+                  <a:srgbClr val="464653"/>
+                </a:solidFill>
+                <a:latin typeface="Microsoft YaHei UI"/>
+                <a:cs typeface="Microsoft YaHei UI"/>
+              </a:rPr>
+              <a:t>录</a:t>
+            </a:r>
+            <a:r>
+              <a:rPr sz="1400" dirty="0">
+                <a:solidFill>
+                  <a:srgbClr val="464653"/>
+                </a:solidFill>
+                <a:latin typeface="Microsoft YaHei UI"/>
+                <a:cs typeface="Microsoft YaHei UI"/>
+              </a:rPr>
+              <a:t>和医</a:t>
+            </a:r>
+            <a:r>
+              <a:rPr sz="1400" spc="-15" dirty="0">
+                <a:solidFill>
+                  <a:srgbClr val="464653"/>
+                </a:solidFill>
+                <a:latin typeface="Microsoft YaHei UI"/>
+                <a:cs typeface="Microsoft YaHei UI"/>
+              </a:rPr>
+              <a:t>疗</a:t>
+            </a:r>
+            <a:r>
+              <a:rPr sz="1400" dirty="0">
+                <a:solidFill>
+                  <a:srgbClr val="464653"/>
+                </a:solidFill>
+                <a:latin typeface="Microsoft YaHei UI"/>
+                <a:cs typeface="Microsoft YaHei UI"/>
+              </a:rPr>
+              <a:t>保险</a:t>
+            </a:r>
+            <a:r>
+              <a:rPr sz="1400" spc="-15" dirty="0">
+                <a:solidFill>
+                  <a:srgbClr val="464653"/>
+                </a:solidFill>
+                <a:latin typeface="Microsoft YaHei UI"/>
+                <a:cs typeface="Microsoft YaHei UI"/>
+              </a:rPr>
+              <a:t>数</a:t>
+            </a:r>
+            <a:r>
+              <a:rPr sz="1400" dirty="0">
+                <a:solidFill>
+                  <a:srgbClr val="464653"/>
+                </a:solidFill>
+                <a:latin typeface="Microsoft YaHei UI"/>
+                <a:cs typeface="Microsoft YaHei UI"/>
+              </a:rPr>
+              <a:t>据集</a:t>
+            </a:r>
+            <a:endParaRPr sz="1400" dirty="0">
+              <a:latin typeface="Microsoft YaHei UI"/>
+              <a:cs typeface="Microsoft YaHei UI"/>
+            </a:endParaRPr>
+          </a:p>
+          <a:p>
+            <a:pPr marL="378460">
+              <a:spcBef>
+                <a:spcPts val="335"/>
+              </a:spcBef>
+              <a:tabLst>
+                <a:tab pos="652145" algn="l"/>
+              </a:tabLst>
+            </a:pPr>
+            <a:r>
+              <a:rPr sz="1050" spc="5" dirty="0">
+                <a:solidFill>
+                  <a:srgbClr val="9FB8CD"/>
+                </a:solidFill>
+                <a:latin typeface="Wingdings 3"/>
+                <a:cs typeface="Wingdings 3"/>
+              </a:rPr>
+              <a:t></a:t>
+            </a:r>
+            <a:r>
+              <a:rPr sz="1050" spc="5" dirty="0">
+                <a:solidFill>
+                  <a:srgbClr val="9FB8CD"/>
+                </a:solidFill>
+                <a:latin typeface="Times New Roman"/>
+                <a:cs typeface="Times New Roman"/>
+              </a:rPr>
+              <a:t>	</a:t>
+            </a:r>
+            <a:r>
+              <a:rPr sz="1400" spc="5" dirty="0">
+                <a:solidFill>
+                  <a:srgbClr val="464653"/>
+                </a:solidFill>
+                <a:latin typeface="Gill Sans MT"/>
+                <a:cs typeface="Gill Sans MT"/>
+              </a:rPr>
+              <a:t>2</a:t>
+            </a:r>
+            <a:r>
+              <a:rPr sz="1400" dirty="0">
+                <a:solidFill>
+                  <a:srgbClr val="464653"/>
+                </a:solidFill>
+                <a:latin typeface="Gill Sans MT"/>
+                <a:cs typeface="Gill Sans MT"/>
+              </a:rPr>
+              <a:t>.</a:t>
+            </a:r>
+            <a:r>
+              <a:rPr sz="1400" dirty="0">
+                <a:solidFill>
+                  <a:srgbClr val="464653"/>
+                </a:solidFill>
+                <a:latin typeface="Microsoft YaHei UI"/>
+                <a:cs typeface="Microsoft YaHei UI"/>
+              </a:rPr>
+              <a:t>网络平台和社区</a:t>
+            </a:r>
+            <a:endParaRPr sz="1400" dirty="0">
+              <a:latin typeface="Microsoft YaHei UI"/>
+              <a:cs typeface="Microsoft YaHei UI"/>
+            </a:endParaRPr>
+          </a:p>
+          <a:p>
+            <a:pPr marL="12700">
+              <a:spcBef>
+                <a:spcPts val="365"/>
+              </a:spcBef>
+              <a:tabLst>
+                <a:tab pos="8241665" algn="l"/>
+              </a:tabLst>
+            </a:pPr>
+            <a:r>
+              <a:rPr sz="1350" u="dash" spc="-650" dirty="0">
+                <a:solidFill>
+                  <a:srgbClr val="727CA3"/>
+                </a:solidFill>
+                <a:latin typeface="Wingdings 3"/>
+                <a:cs typeface="Wingdings 3"/>
+              </a:rPr>
+              <a:t></a:t>
+            </a:r>
+            <a:r>
+              <a:rPr sz="1350" u="dash" spc="5" dirty="0">
+                <a:solidFill>
+                  <a:srgbClr val="727CA3"/>
+                </a:solidFill>
+                <a:latin typeface="Wingdings 3"/>
+                <a:cs typeface="Wingdings 3"/>
+              </a:rPr>
+              <a:t></a:t>
+            </a:r>
+            <a:r>
+              <a:rPr sz="1350" u="dash" spc="-395" dirty="0">
+                <a:solidFill>
+                  <a:srgbClr val="727CA3"/>
+                </a:solidFill>
+                <a:latin typeface="Wingdings 3"/>
+                <a:cs typeface="Wingdings 3"/>
+              </a:rPr>
+              <a:t></a:t>
+            </a:r>
+            <a:r>
+              <a:rPr sz="1350" u="dash" spc="125" dirty="0">
+                <a:solidFill>
+                  <a:srgbClr val="727CA3"/>
+                </a:solidFill>
+                <a:latin typeface="Times New Roman"/>
+                <a:cs typeface="Times New Roman"/>
+              </a:rPr>
+              <a:t> </a:t>
+            </a:r>
+            <a:r>
+              <a:rPr u="dash" dirty="0">
+                <a:latin typeface="Microsoft YaHei UI"/>
+                <a:cs typeface="Microsoft YaHei UI"/>
+              </a:rPr>
+              <a:t>公众健康</a:t>
+            </a:r>
+            <a:r>
+              <a:rPr u="dash" spc="-105" dirty="0">
+                <a:latin typeface="Microsoft YaHei UI"/>
+                <a:cs typeface="Microsoft YaHei UI"/>
+              </a:rPr>
+              <a:t> 	</a:t>
+            </a:r>
+            <a:endParaRPr dirty="0">
+              <a:latin typeface="Microsoft YaHei UI"/>
+              <a:cs typeface="Microsoft YaHei UI"/>
+            </a:endParaRPr>
+          </a:p>
+        </p:txBody>
+      </p:sp>
+      <p:sp>
+        <p:nvSpPr>
+          <p:cNvPr id="7" name="object 7"/>
+          <p:cNvSpPr/>
+          <p:nvPr/>
+        </p:nvSpPr>
+        <p:spPr>
+          <a:xfrm>
+            <a:off x="5881686" y="1188746"/>
+            <a:ext cx="4370173" cy="5136921"/>
+          </a:xfrm>
+          <a:prstGeom prst="rect">
+            <a:avLst/>
+          </a:prstGeom>
+          <a:blipFill>
+            <a:blip r:embed="rId2" cstate="print"/>
+            <a:stretch>
+              <a:fillRect/>
+            </a:stretch>
+          </a:blipFill>
+        </p:spPr>
+        <p:txBody>
+          <a:bodyPr wrap="square" lIns="0" tIns="0" rIns="0" bIns="0" rtlCol="0">
+            <a:noAutofit/>
+          </a:bodyPr>
+          <a:lstStyle/>
+          <a:p>
+            <a:endParaRPr/>
+          </a:p>
+        </p:txBody>
+      </p:sp>
+    </p:spTree>
+    <p:extLst>
+      <p:ext uri="{BB962C8B-B14F-4D97-AF65-F5344CB8AC3E}">
+        <p14:creationId xmlns:p14="http://schemas.microsoft.com/office/powerpoint/2010/main" val="3349431298"/>
+      </p:ext>
+    </p:extLst>
+  </p:cSld>
+  <p:clrMapOvr>
+    <a:masterClrMapping/>
+  </p:clrMapOvr>
+</p:sld>
+</file>
+
 <file path=ppt/slides/slide27.xml><?xml version="1.0" encoding="utf-8"?>
 <p:sld xmlns:a="http://schemas.openxmlformats.org/drawingml/2006/main" xmlns:r="http://schemas.openxmlformats.org/officeDocument/2006/relationships" xmlns:p="http://schemas.openxmlformats.org/presentationml/2006/main">
   <p:cSld>
@@ -12313,158 +13852,943 @@
       </p:grpSpPr>
       <p:sp>
         <p:nvSpPr>
-          <p:cNvPr id="2" name="标题 1"/>
-          <p:cNvSpPr>
+          <p:cNvPr id="4" name="object 4"/>
+          <p:cNvSpPr txBox="1">
             <a:spLocks noGrp="1"/>
           </p:cNvSpPr>
           <p:nvPr>
             <p:ph type="title"/>
           </p:nvPr>
         </p:nvSpPr>
-        <p:spPr/>
-        <p:txBody>
-          <a:bodyPr/>
-          <a:lstStyle/>
-          <a:p>
-            <a:endParaRPr lang="zh-CN" altLang="en-US"/>
-          </a:p>
-        </p:txBody>
-      </p:sp>
-      <p:sp>
-        <p:nvSpPr>
-          <p:cNvPr id="3" name="内容占位符 2"/>
-          <p:cNvSpPr>
-            <a:spLocks noGrp="1"/>
-          </p:cNvSpPr>
-          <p:nvPr>
-            <p:ph idx="1"/>
-          </p:nvPr>
-        </p:nvSpPr>
-        <p:spPr/>
-        <p:txBody>
-          <a:bodyPr/>
-          <a:lstStyle/>
-          <a:p>
-            <a:endParaRPr lang="zh-CN" altLang="en-US" dirty="0"/>
-          </a:p>
-        </p:txBody>
-      </p:sp>
-      <p:sp>
-        <p:nvSpPr>
-          <p:cNvPr id="6" name="矩形 5"/>
-          <p:cNvSpPr/>
-          <p:nvPr/>
-        </p:nvSpPr>
         <p:spPr>
           <a:xfrm>
-            <a:off x="1850572" y="2577797"/>
-            <a:ext cx="6096000" cy="3139321"/>
+            <a:off x="838200" y="210772"/>
+            <a:ext cx="10515600" cy="1325563"/>
           </a:xfrm>
           <a:prstGeom prst="rect">
             <a:avLst/>
           </a:prstGeom>
         </p:spPr>
         <p:txBody>
-          <a:bodyPr>
-            <a:spAutoFit/>
+          <a:bodyPr vert="horz" wrap="square" lIns="0" tIns="0" rIns="0" bIns="0" rtlCol="0" anchor="ctr">
+            <a:noAutofit/>
           </a:bodyPr>
           <a:lstStyle/>
           <a:p>
-            <a:r>
-              <a:rPr lang="zh-CN" altLang="en-US" dirty="0" smtClean="0"/>
-              <a:t>大数据的必要性</a:t>
-            </a:r>
-          </a:p>
-          <a:p>
-            <a:r>
-              <a:rPr lang="zh-CN" altLang="en-US" dirty="0" smtClean="0"/>
-              <a:t>大数据已经证明了效果提升</a:t>
-            </a:r>
-          </a:p>
-          <a:p>
-            <a:r>
-              <a:rPr lang="zh-CN" altLang="en-US" dirty="0" smtClean="0"/>
-              <a:t>图像， 语音领域， 公开竞赛</a:t>
-            </a:r>
-          </a:p>
-          <a:p>
-            <a:r>
-              <a:rPr lang="zh-CN" altLang="en-US" dirty="0" smtClean="0"/>
-              <a:t>广告点击</a:t>
-            </a:r>
-          </a:p>
-          <a:p>
-            <a:r>
-              <a:rPr lang="zh-CN" altLang="en-US" dirty="0" smtClean="0"/>
-              <a:t>自然语言理解（小范围）</a:t>
-            </a:r>
-          </a:p>
-          <a:p>
-            <a:r>
-              <a:rPr lang="zh-CN" altLang="en-US" dirty="0" smtClean="0"/>
-              <a:t>解决真实场景问题需要大数据</a:t>
-            </a:r>
-          </a:p>
-          <a:p>
-            <a:r>
-              <a:rPr lang="zh-CN" altLang="en-US" dirty="0" smtClean="0"/>
-              <a:t>行为预估</a:t>
-            </a:r>
-          </a:p>
-          <a:p>
-            <a:r>
-              <a:rPr lang="zh-CN" altLang="en-US" dirty="0" smtClean="0"/>
-              <a:t>获取， 分析， 预测</a:t>
-            </a:r>
-          </a:p>
-          <a:p>
-            <a:r>
-              <a:rPr lang="zh-CN" altLang="en-US" dirty="0" smtClean="0"/>
-              <a:t>人机交互</a:t>
-            </a:r>
-          </a:p>
-          <a:p>
-            <a:r>
-              <a:rPr lang="zh-CN" altLang="en-US" dirty="0" smtClean="0"/>
-              <a:t>识别， 理解， 反馈</a:t>
-            </a:r>
-          </a:p>
-          <a:p>
-            <a:r>
-              <a:rPr lang="zh-CN" altLang="en-US" dirty="0" smtClean="0"/>
-              <a:t>智能控制</a:t>
-            </a:r>
-            <a:endParaRPr lang="zh-CN" altLang="en-US" dirty="0"/>
-          </a:p>
-        </p:txBody>
-      </p:sp>
-      <p:sp>
-        <p:nvSpPr>
-          <p:cNvPr id="5" name="灯片编号占位符 4"/>
-          <p:cNvSpPr>
-            <a:spLocks noGrp="1"/>
-          </p:cNvSpPr>
-          <p:nvPr>
-            <p:ph type="sldNum" sz="quarter" idx="12"/>
-          </p:nvPr>
-        </p:nvSpPr>
-        <p:spPr/>
-        <p:txBody>
-          <a:bodyPr/>
-          <a:lstStyle/>
-          <a:p>
-            <a:fld id="{37C2EA07-9005-44A4-AD36-5C14C6B8AD7E}" type="slidenum">
-              <a:rPr lang="zh-CN" altLang="en-US" smtClean="0"/>
-              <a:t>27</a:t>
-            </a:fld>
-            <a:endParaRPr lang="zh-CN" altLang="en-US"/>
+            <a:pPr marL="12700">
+              <a:lnSpc>
+                <a:spcPct val="100000"/>
+              </a:lnSpc>
+            </a:pPr>
+            <a:r>
+              <a:rPr sz="3200" b="1" dirty="0">
+                <a:solidFill>
+                  <a:srgbClr val="464653"/>
+                </a:solidFill>
+                <a:latin typeface="Microsoft YaHei UI"/>
+                <a:cs typeface="Microsoft YaHei UI"/>
+              </a:rPr>
+              <a:t>案例：</a:t>
+            </a:r>
+            <a:r>
+              <a:rPr sz="3200" b="1" spc="-5" dirty="0">
+                <a:solidFill>
+                  <a:srgbClr val="464653"/>
+                </a:solidFill>
+                <a:latin typeface="Gill Sans MT"/>
+                <a:cs typeface="Gill Sans MT"/>
+              </a:rPr>
+              <a:t>Ne</a:t>
+            </a:r>
+            <a:r>
+              <a:rPr sz="3200" b="1" spc="-10" dirty="0">
+                <a:solidFill>
+                  <a:srgbClr val="464653"/>
+                </a:solidFill>
+                <a:latin typeface="Gill Sans MT"/>
+                <a:cs typeface="Gill Sans MT"/>
+              </a:rPr>
+              <a:t>t</a:t>
+            </a:r>
+            <a:r>
+              <a:rPr sz="3200" b="1" dirty="0">
+                <a:solidFill>
+                  <a:srgbClr val="464653"/>
+                </a:solidFill>
+                <a:latin typeface="Gill Sans MT"/>
+                <a:cs typeface="Gill Sans MT"/>
+              </a:rPr>
+              <a:t>f</a:t>
+            </a:r>
+            <a:r>
+              <a:rPr sz="3200" b="1" spc="-5" dirty="0">
+                <a:solidFill>
+                  <a:srgbClr val="464653"/>
+                </a:solidFill>
+                <a:latin typeface="Gill Sans MT"/>
+                <a:cs typeface="Gill Sans MT"/>
+              </a:rPr>
+              <a:t>lix</a:t>
+            </a:r>
+            <a:r>
+              <a:rPr sz="3200" b="1" dirty="0">
+                <a:solidFill>
+                  <a:srgbClr val="464653"/>
+                </a:solidFill>
+                <a:latin typeface="Microsoft YaHei UI"/>
+                <a:cs typeface="Microsoft YaHei UI"/>
+              </a:rPr>
+              <a:t>大数据经</a:t>
+            </a:r>
+            <a:r>
+              <a:rPr sz="3200" b="1" spc="-20" dirty="0">
+                <a:solidFill>
+                  <a:srgbClr val="464653"/>
+                </a:solidFill>
+                <a:latin typeface="Microsoft YaHei UI"/>
+                <a:cs typeface="Microsoft YaHei UI"/>
+              </a:rPr>
+              <a:t>典</a:t>
+            </a:r>
+            <a:r>
+              <a:rPr sz="3200" b="1" dirty="0">
+                <a:solidFill>
+                  <a:srgbClr val="464653"/>
+                </a:solidFill>
+                <a:latin typeface="Gill Sans MT"/>
+                <a:cs typeface="Gill Sans MT"/>
+              </a:rPr>
+              <a:t>-</a:t>
+            </a:r>
+            <a:r>
+              <a:rPr sz="3200" b="1" spc="-10" dirty="0">
+                <a:solidFill>
+                  <a:srgbClr val="464653"/>
+                </a:solidFill>
+                <a:latin typeface="Gill Sans MT"/>
+                <a:cs typeface="Gill Sans MT"/>
+              </a:rPr>
+              <a:t>-</a:t>
+            </a:r>
+            <a:r>
+              <a:rPr sz="3200" b="1" dirty="0">
+                <a:solidFill>
+                  <a:srgbClr val="464653"/>
+                </a:solidFill>
+                <a:latin typeface="Microsoft YaHei UI"/>
+                <a:cs typeface="Microsoft YaHei UI"/>
+              </a:rPr>
+              <a:t>纸牌屋</a:t>
+            </a:r>
+            <a:endParaRPr sz="3200" dirty="0">
+              <a:latin typeface="Microsoft YaHei UI"/>
+              <a:cs typeface="Microsoft YaHei UI"/>
+            </a:endParaRPr>
+          </a:p>
+        </p:txBody>
+      </p:sp>
+      <p:sp>
+        <p:nvSpPr>
+          <p:cNvPr id="5" name="object 5"/>
+          <p:cNvSpPr/>
+          <p:nvPr/>
+        </p:nvSpPr>
+        <p:spPr>
+          <a:xfrm>
+            <a:off x="5402766" y="3653943"/>
+            <a:ext cx="4841993" cy="2656709"/>
+          </a:xfrm>
+          <a:prstGeom prst="rect">
+            <a:avLst/>
+          </a:prstGeom>
+          <a:blipFill>
+            <a:blip r:embed="rId3" cstate="print"/>
+            <a:stretch>
+              <a:fillRect/>
+            </a:stretch>
+          </a:blipFill>
+        </p:spPr>
+        <p:txBody>
+          <a:bodyPr wrap="square" lIns="0" tIns="0" rIns="0" bIns="0" rtlCol="0">
+            <a:noAutofit/>
+          </a:bodyPr>
+          <a:lstStyle/>
+          <a:p>
+            <a:endParaRPr/>
+          </a:p>
+        </p:txBody>
+      </p:sp>
+      <p:sp>
+        <p:nvSpPr>
+          <p:cNvPr id="6" name="object 6"/>
+          <p:cNvSpPr txBox="1"/>
+          <p:nvPr/>
+        </p:nvSpPr>
+        <p:spPr>
+          <a:xfrm>
+            <a:off x="800669" y="1504484"/>
+            <a:ext cx="9203592" cy="4172576"/>
+          </a:xfrm>
+          <a:prstGeom prst="rect">
+            <a:avLst/>
+          </a:prstGeom>
+        </p:spPr>
+        <p:txBody>
+          <a:bodyPr vert="horz" wrap="square" lIns="0" tIns="0" rIns="0" bIns="0" rtlCol="0">
+            <a:noAutofit/>
+          </a:bodyPr>
+          <a:lstStyle/>
+          <a:p>
+            <a:pPr marL="378460" marR="5038725" indent="-274320">
+              <a:tabLst>
+                <a:tab pos="377825" algn="l"/>
+              </a:tabLst>
+            </a:pPr>
+            <a:r>
+              <a:rPr sz="1200" spc="5" dirty="0">
+                <a:solidFill>
+                  <a:srgbClr val="727CA3"/>
+                </a:solidFill>
+                <a:latin typeface="Wingdings 3"/>
+                <a:cs typeface="Wingdings 3"/>
+              </a:rPr>
+              <a:t></a:t>
+            </a:r>
+            <a:r>
+              <a:rPr sz="1200" spc="5" dirty="0">
+                <a:solidFill>
+                  <a:srgbClr val="727CA3"/>
+                </a:solidFill>
+                <a:latin typeface="Times New Roman"/>
+                <a:cs typeface="Times New Roman"/>
+              </a:rPr>
+              <a:t>	</a:t>
+            </a:r>
+            <a:r>
+              <a:rPr sz="1600" spc="-20" dirty="0" err="1" smtClean="0">
+                <a:latin typeface="Microsoft YaHei UI"/>
+                <a:cs typeface="Microsoft YaHei UI"/>
+              </a:rPr>
+              <a:t>作为世界上最大的在线影片租恁</a:t>
+            </a:r>
+            <a:r>
+              <a:rPr sz="1600" spc="-15" dirty="0" err="1" smtClean="0">
+                <a:latin typeface="Microsoft YaHei UI"/>
+                <a:cs typeface="Microsoft YaHei UI"/>
+              </a:rPr>
+              <a:t>服务商</a:t>
+            </a:r>
+            <a:r>
+              <a:rPr sz="1600" spc="-15" dirty="0" err="1">
+                <a:latin typeface="Microsoft YaHei UI"/>
+                <a:cs typeface="Microsoft YaHei UI"/>
+              </a:rPr>
+              <a:t>，</a:t>
+            </a:r>
+            <a:r>
+              <a:rPr sz="1600" spc="-10" dirty="0" err="1">
+                <a:latin typeface="Gill Sans MT"/>
+                <a:cs typeface="Gill Sans MT"/>
+              </a:rPr>
+              <a:t>Netflix</a:t>
+            </a:r>
+            <a:r>
+              <a:rPr sz="1600" spc="25" dirty="0">
+                <a:latin typeface="Gill Sans MT"/>
+                <a:cs typeface="Gill Sans MT"/>
+              </a:rPr>
+              <a:t> </a:t>
+            </a:r>
+            <a:r>
+              <a:rPr sz="1600" spc="-20" dirty="0">
+                <a:latin typeface="Microsoft YaHei UI"/>
+                <a:cs typeface="Microsoft YaHei UI"/>
+              </a:rPr>
+              <a:t>在美国有</a:t>
+            </a:r>
+            <a:r>
+              <a:rPr sz="1600" spc="-10" dirty="0">
+                <a:latin typeface="Microsoft YaHei UI"/>
+                <a:cs typeface="Microsoft YaHei UI"/>
+              </a:rPr>
+              <a:t> </a:t>
+            </a:r>
+            <a:r>
+              <a:rPr sz="1600" spc="-5" dirty="0">
+                <a:latin typeface="Gill Sans MT"/>
+                <a:cs typeface="Gill Sans MT"/>
+              </a:rPr>
+              <a:t>2700</a:t>
+            </a:r>
+            <a:r>
+              <a:rPr sz="1600" dirty="0">
+                <a:latin typeface="Gill Sans MT"/>
+                <a:cs typeface="Gill Sans MT"/>
+              </a:rPr>
+              <a:t> </a:t>
+            </a:r>
+            <a:r>
+              <a:rPr sz="1600" spc="-20" dirty="0">
+                <a:latin typeface="Microsoft YaHei UI"/>
+                <a:cs typeface="Microsoft YaHei UI"/>
+              </a:rPr>
+              <a:t>万订阅用户，在全世界则有</a:t>
+            </a:r>
+            <a:r>
+              <a:rPr sz="1600" spc="-5" dirty="0">
+                <a:latin typeface="Microsoft YaHei UI"/>
+                <a:cs typeface="Microsoft YaHei UI"/>
+              </a:rPr>
+              <a:t> </a:t>
+            </a:r>
+            <a:r>
+              <a:rPr sz="1600" spc="-5" dirty="0">
+                <a:latin typeface="Gill Sans MT"/>
+                <a:cs typeface="Gill Sans MT"/>
+              </a:rPr>
+              <a:t>330</a:t>
+            </a:r>
+            <a:r>
+              <a:rPr sz="1600" spc="-10" dirty="0">
+                <a:latin typeface="Gill Sans MT"/>
+                <a:cs typeface="Gill Sans MT"/>
+              </a:rPr>
+              <a:t>0</a:t>
+            </a:r>
+            <a:r>
+              <a:rPr sz="1600" spc="-25" dirty="0">
+                <a:latin typeface="Gill Sans MT"/>
+                <a:cs typeface="Gill Sans MT"/>
+              </a:rPr>
+              <a:t> </a:t>
+            </a:r>
+            <a:r>
+              <a:rPr sz="1600" spc="-20" dirty="0">
+                <a:latin typeface="Microsoft YaHei UI"/>
+                <a:cs typeface="Microsoft YaHei UI"/>
+              </a:rPr>
+              <a:t>万。</a:t>
+            </a:r>
+            <a:endParaRPr sz="1600" dirty="0">
+              <a:latin typeface="Microsoft YaHei UI"/>
+              <a:cs typeface="Microsoft YaHei UI"/>
+            </a:endParaRPr>
+          </a:p>
+          <a:p>
+            <a:pPr>
+              <a:lnSpc>
+                <a:spcPts val="600"/>
+              </a:lnSpc>
+            </a:pPr>
+            <a:endParaRPr sz="600" dirty="0"/>
+          </a:p>
+          <a:p>
+            <a:pPr marL="377825" marR="5026660" indent="-274320">
+              <a:tabLst>
+                <a:tab pos="377825" algn="l"/>
+              </a:tabLst>
+            </a:pPr>
+            <a:r>
+              <a:rPr sz="1200" dirty="0">
+                <a:solidFill>
+                  <a:srgbClr val="727CA3"/>
+                </a:solidFill>
+                <a:latin typeface="Wingdings 3"/>
+                <a:cs typeface="Wingdings 3"/>
+              </a:rPr>
+              <a:t></a:t>
+            </a:r>
+            <a:r>
+              <a:rPr sz="1200" dirty="0">
+                <a:solidFill>
+                  <a:srgbClr val="727CA3"/>
+                </a:solidFill>
+                <a:latin typeface="Times New Roman"/>
+                <a:cs typeface="Times New Roman"/>
+              </a:rPr>
+              <a:t>	</a:t>
+            </a:r>
+            <a:r>
+              <a:rPr sz="1600" spc="-20" dirty="0">
+                <a:latin typeface="Microsoft YaHei UI"/>
+                <a:cs typeface="Microsoft YaHei UI"/>
+              </a:rPr>
+              <a:t>每天用户在 </a:t>
+            </a:r>
+            <a:r>
+              <a:rPr sz="1600" spc="-10" dirty="0">
+                <a:latin typeface="Gill Sans MT"/>
+                <a:cs typeface="Gill Sans MT"/>
+              </a:rPr>
+              <a:t>Netflix</a:t>
+            </a:r>
+            <a:r>
+              <a:rPr sz="1600" spc="25" dirty="0">
+                <a:latin typeface="Gill Sans MT"/>
+                <a:cs typeface="Gill Sans MT"/>
+              </a:rPr>
+              <a:t> </a:t>
+            </a:r>
+            <a:r>
+              <a:rPr sz="1600" spc="-20" dirty="0">
+                <a:latin typeface="Microsoft YaHei UI"/>
+                <a:cs typeface="Microsoft YaHei UI"/>
+              </a:rPr>
+              <a:t>上产生 </a:t>
+            </a:r>
+            <a:r>
+              <a:rPr sz="1600" spc="-5" dirty="0">
+                <a:latin typeface="Gill Sans MT"/>
+                <a:cs typeface="Gill Sans MT"/>
+              </a:rPr>
+              <a:t>3000</a:t>
+            </a:r>
+            <a:r>
+              <a:rPr sz="1600" dirty="0">
+                <a:latin typeface="Gill Sans MT"/>
+                <a:cs typeface="Gill Sans MT"/>
+              </a:rPr>
+              <a:t> </a:t>
+            </a:r>
+            <a:r>
+              <a:rPr sz="1600" spc="-20" dirty="0">
+                <a:latin typeface="Microsoft YaHei UI"/>
+                <a:cs typeface="Microsoft YaHei UI"/>
+              </a:rPr>
+              <a:t>万多个行为，比如你暂停、回放 或者快进时都会产生一个行为，</a:t>
+            </a:r>
+            <a:r>
+              <a:rPr sz="1600" spc="-5" dirty="0">
+                <a:latin typeface="Microsoft YaHei UI"/>
+                <a:cs typeface="Microsoft YaHei UI"/>
+              </a:rPr>
+              <a:t> </a:t>
+            </a:r>
+            <a:r>
+              <a:rPr sz="1600" spc="-10" dirty="0">
+                <a:latin typeface="Gill Sans MT"/>
+                <a:cs typeface="Gill Sans MT"/>
+              </a:rPr>
+              <a:t>Netflix</a:t>
+            </a:r>
+            <a:r>
+              <a:rPr sz="1600" spc="5" dirty="0">
+                <a:latin typeface="Gill Sans MT"/>
+                <a:cs typeface="Gill Sans MT"/>
+              </a:rPr>
+              <a:t> </a:t>
+            </a:r>
+            <a:r>
+              <a:rPr sz="1600" spc="-20" dirty="0">
+                <a:latin typeface="Microsoft YaHei UI"/>
+                <a:cs typeface="Microsoft YaHei UI"/>
+              </a:rPr>
+              <a:t>的订阅用户每天还会给出</a:t>
+            </a:r>
+            <a:r>
+              <a:rPr sz="1600" spc="-5" dirty="0">
+                <a:latin typeface="Microsoft YaHei UI"/>
+                <a:cs typeface="Microsoft YaHei UI"/>
+              </a:rPr>
+              <a:t> </a:t>
+            </a:r>
+            <a:r>
+              <a:rPr sz="1600" spc="-5" dirty="0">
+                <a:latin typeface="Gill Sans MT"/>
+                <a:cs typeface="Gill Sans MT"/>
+              </a:rPr>
+              <a:t>40</a:t>
+            </a:r>
+            <a:r>
+              <a:rPr sz="1600" spc="-10" dirty="0">
+                <a:latin typeface="Gill Sans MT"/>
+                <a:cs typeface="Gill Sans MT"/>
+              </a:rPr>
+              <a:t>0</a:t>
+            </a:r>
+            <a:r>
+              <a:rPr sz="1600" spc="-25" dirty="0">
+                <a:latin typeface="Gill Sans MT"/>
+                <a:cs typeface="Gill Sans MT"/>
+              </a:rPr>
+              <a:t> </a:t>
+            </a:r>
+            <a:r>
+              <a:rPr sz="1600" spc="-20" dirty="0">
+                <a:latin typeface="Microsoft YaHei UI"/>
+                <a:cs typeface="Microsoft YaHei UI"/>
+              </a:rPr>
+              <a:t>万个评分，还会有</a:t>
+            </a:r>
+            <a:r>
+              <a:rPr sz="1600" spc="15" dirty="0">
+                <a:latin typeface="Microsoft YaHei UI"/>
+                <a:cs typeface="Microsoft YaHei UI"/>
+              </a:rPr>
+              <a:t> </a:t>
+            </a:r>
+            <a:r>
+              <a:rPr sz="1600" spc="-5" dirty="0">
+                <a:latin typeface="Gill Sans MT"/>
+                <a:cs typeface="Gill Sans MT"/>
+              </a:rPr>
+              <a:t>30</a:t>
+            </a:r>
+            <a:r>
+              <a:rPr sz="1600" spc="-10" dirty="0">
+                <a:latin typeface="Gill Sans MT"/>
+                <a:cs typeface="Gill Sans MT"/>
+              </a:rPr>
+              <a:t>0 </a:t>
+            </a:r>
+            <a:r>
+              <a:rPr sz="1600" spc="-20" dirty="0" err="1" smtClean="0">
+                <a:latin typeface="Microsoft YaHei UI"/>
+                <a:cs typeface="Microsoft YaHei UI"/>
+              </a:rPr>
+              <a:t>万次搜索请求</a:t>
+            </a:r>
+            <a:r>
+              <a:rPr sz="1600" spc="-20" dirty="0" err="1">
+                <a:latin typeface="Microsoft YaHei UI"/>
+                <a:cs typeface="Microsoft YaHei UI"/>
+              </a:rPr>
+              <a:t>，</a:t>
+            </a:r>
+            <a:r>
+              <a:rPr sz="1600" spc="-20" dirty="0" err="1" smtClean="0">
+                <a:latin typeface="Microsoft YaHei UI"/>
+                <a:cs typeface="Microsoft YaHei UI"/>
+              </a:rPr>
+              <a:t>询问剧集播放时间和</a:t>
+            </a:r>
+            <a:r>
+              <a:rPr sz="1600" spc="-15" dirty="0" err="1" smtClean="0">
+                <a:latin typeface="Microsoft YaHei UI"/>
+                <a:cs typeface="Microsoft YaHei UI"/>
+              </a:rPr>
+              <a:t>设备</a:t>
+            </a:r>
+            <a:r>
+              <a:rPr sz="1600" spc="-15" dirty="0">
+                <a:latin typeface="Microsoft YaHei UI"/>
+                <a:cs typeface="Microsoft YaHei UI"/>
+              </a:rPr>
+              <a:t>。</a:t>
+            </a:r>
+            <a:endParaRPr sz="1600" dirty="0">
+              <a:latin typeface="Microsoft YaHei UI"/>
+              <a:cs typeface="Microsoft YaHei UI"/>
+            </a:endParaRPr>
+          </a:p>
+          <a:p>
+            <a:pPr>
+              <a:lnSpc>
+                <a:spcPts val="600"/>
+              </a:lnSpc>
+            </a:pPr>
+            <a:endParaRPr sz="600" dirty="0"/>
+          </a:p>
+          <a:p>
+            <a:pPr marL="378460" marR="4829810" indent="-274320">
+              <a:tabLst>
+                <a:tab pos="377825" algn="l"/>
+              </a:tabLst>
+            </a:pPr>
+            <a:r>
+              <a:rPr sz="1200" dirty="0">
+                <a:solidFill>
+                  <a:srgbClr val="727CA3"/>
+                </a:solidFill>
+                <a:latin typeface="Wingdings 3"/>
+                <a:cs typeface="Wingdings 3"/>
+              </a:rPr>
+              <a:t></a:t>
+            </a:r>
+            <a:r>
+              <a:rPr sz="1200" dirty="0">
+                <a:solidFill>
+                  <a:srgbClr val="727CA3"/>
+                </a:solidFill>
+                <a:latin typeface="Times New Roman"/>
+                <a:cs typeface="Times New Roman"/>
+              </a:rPr>
+              <a:t>	</a:t>
+            </a:r>
+            <a:r>
+              <a:rPr sz="1600" spc="-20" dirty="0">
+                <a:latin typeface="Microsoft YaHei UI"/>
+                <a:cs typeface="Microsoft YaHei UI"/>
+              </a:rPr>
+              <a:t>大数据分析表明用户很喜欢</a:t>
+            </a:r>
+            <a:r>
+              <a:rPr sz="1600" spc="-5" dirty="0">
+                <a:latin typeface="Microsoft YaHei UI"/>
+                <a:cs typeface="Microsoft YaHei UI"/>
+              </a:rPr>
+              <a:t> </a:t>
+            </a:r>
+            <a:r>
+              <a:rPr sz="1600" spc="-20" dirty="0" err="1">
+                <a:latin typeface="Gill Sans MT"/>
+                <a:cs typeface="Gill Sans MT"/>
+              </a:rPr>
+              <a:t>F</a:t>
+            </a:r>
+            <a:r>
+              <a:rPr sz="1600" spc="-10" dirty="0" err="1">
+                <a:latin typeface="Gill Sans MT"/>
+                <a:cs typeface="Gill Sans MT"/>
+              </a:rPr>
+              <a:t>i</a:t>
+            </a:r>
+            <a:r>
+              <a:rPr sz="1600" spc="-5" dirty="0" err="1">
+                <a:latin typeface="Gill Sans MT"/>
+                <a:cs typeface="Gill Sans MT"/>
+              </a:rPr>
+              <a:t>n</a:t>
+            </a:r>
+            <a:r>
+              <a:rPr sz="1600" spc="-15" dirty="0" err="1">
+                <a:latin typeface="Gill Sans MT"/>
+                <a:cs typeface="Gill Sans MT"/>
+              </a:rPr>
+              <a:t>c</a:t>
+            </a:r>
+            <a:r>
+              <a:rPr sz="1600" spc="-5" dirty="0" err="1">
+                <a:latin typeface="Gill Sans MT"/>
+                <a:cs typeface="Gill Sans MT"/>
+              </a:rPr>
+              <a:t>h</a:t>
+            </a:r>
+            <a:r>
+              <a:rPr sz="1600" spc="-10" dirty="0" err="1">
+                <a:latin typeface="Gill Sans MT"/>
+                <a:cs typeface="Gill Sans MT"/>
+              </a:rPr>
+              <a:t>er</a:t>
+            </a:r>
+            <a:r>
+              <a:rPr sz="1600" spc="-20" dirty="0" err="1">
+                <a:latin typeface="Microsoft YaHei UI"/>
+                <a:cs typeface="Microsoft YaHei UI"/>
+              </a:rPr>
+              <a:t>（社交网络、</a:t>
+            </a:r>
+            <a:r>
+              <a:rPr sz="1600" spc="-20" dirty="0" err="1" smtClean="0">
+                <a:latin typeface="Microsoft YaHei UI"/>
+                <a:cs typeface="Microsoft YaHei UI"/>
+              </a:rPr>
+              <a:t>七宗罪的导</a:t>
+            </a:r>
+            <a:r>
+              <a:rPr sz="1600" spc="-15" dirty="0" err="1" smtClean="0">
+                <a:latin typeface="Microsoft YaHei UI"/>
+                <a:cs typeface="Microsoft YaHei UI"/>
+              </a:rPr>
+              <a:t>演</a:t>
+            </a:r>
+            <a:r>
+              <a:rPr sz="1600" spc="-15" dirty="0" smtClean="0">
+                <a:latin typeface="Microsoft YaHei UI"/>
+                <a:cs typeface="Microsoft YaHei UI"/>
+              </a:rPr>
+              <a:t>），</a:t>
+            </a:r>
+            <a:r>
+              <a:rPr sz="1600" spc="-10" dirty="0">
+                <a:latin typeface="Gill Sans MT"/>
+                <a:cs typeface="Gill Sans MT"/>
+              </a:rPr>
+              <a:t>S</a:t>
+            </a:r>
+            <a:r>
+              <a:rPr sz="1600" spc="-5" dirty="0">
+                <a:latin typeface="Gill Sans MT"/>
+                <a:cs typeface="Gill Sans MT"/>
+              </a:rPr>
+              <a:t>p</a:t>
+            </a:r>
+            <a:r>
+              <a:rPr sz="1600" spc="-10" dirty="0">
+                <a:latin typeface="Gill Sans MT"/>
+                <a:cs typeface="Gill Sans MT"/>
+              </a:rPr>
+              <a:t>a</a:t>
+            </a:r>
+            <a:r>
+              <a:rPr sz="1600" spc="-15" dirty="0">
+                <a:latin typeface="Gill Sans MT"/>
+                <a:cs typeface="Gill Sans MT"/>
+              </a:rPr>
+              <a:t>c</a:t>
+            </a:r>
+            <a:r>
+              <a:rPr sz="1600" spc="-35" dirty="0">
+                <a:latin typeface="Gill Sans MT"/>
+                <a:cs typeface="Gill Sans MT"/>
+              </a:rPr>
+              <a:t>e</a:t>
+            </a:r>
+            <a:r>
+              <a:rPr sz="1600" spc="-10" dirty="0">
+                <a:latin typeface="Gill Sans MT"/>
+                <a:cs typeface="Gill Sans MT"/>
+              </a:rPr>
+              <a:t>y</a:t>
+            </a:r>
+            <a:r>
+              <a:rPr sz="1600" spc="5" dirty="0">
+                <a:latin typeface="Gill Sans MT"/>
+                <a:cs typeface="Gill Sans MT"/>
+              </a:rPr>
+              <a:t> </a:t>
+            </a:r>
+            <a:r>
+              <a:rPr sz="1600" spc="-20" dirty="0" err="1" smtClean="0">
+                <a:latin typeface="Microsoft YaHei UI"/>
+                <a:cs typeface="Microsoft YaHei UI"/>
+              </a:rPr>
+              <a:t>主演的片子表现都</a:t>
+            </a:r>
+            <a:r>
+              <a:rPr sz="1600" spc="-15" dirty="0" err="1" smtClean="0">
+                <a:latin typeface="Microsoft YaHei UI"/>
+                <a:cs typeface="Microsoft YaHei UI"/>
+              </a:rPr>
+              <a:t>不错</a:t>
+            </a:r>
+            <a:r>
+              <a:rPr sz="1600" spc="-15" dirty="0" err="1">
+                <a:latin typeface="Microsoft YaHei UI"/>
+                <a:cs typeface="Microsoft YaHei UI"/>
+              </a:rPr>
+              <a:t>，</a:t>
+            </a:r>
+            <a:r>
+              <a:rPr sz="1600" spc="-10" dirty="0" err="1">
+                <a:latin typeface="Microsoft YaHei UI"/>
+                <a:cs typeface="Microsoft YaHei UI"/>
+              </a:rPr>
+              <a:t>还</a:t>
+            </a:r>
+            <a:r>
+              <a:rPr sz="1600" spc="-20" dirty="0" err="1">
+                <a:latin typeface="Microsoft YaHei UI"/>
+                <a:cs typeface="Microsoft YaHei UI"/>
+              </a:rPr>
+              <a:t>知道</a:t>
+            </a:r>
+            <a:r>
+              <a:rPr sz="1600" spc="-10" dirty="0" err="1">
+                <a:latin typeface="Microsoft YaHei UI"/>
+                <a:cs typeface="Microsoft YaHei UI"/>
+              </a:rPr>
+              <a:t>英</a:t>
+            </a:r>
+            <a:r>
+              <a:rPr sz="1600" spc="-20" dirty="0" err="1">
+                <a:latin typeface="Microsoft YaHei UI"/>
+                <a:cs typeface="Microsoft YaHei UI"/>
+              </a:rPr>
+              <a:t>剧版的</a:t>
+            </a:r>
+            <a:r>
+              <a:rPr sz="1600" spc="-10" dirty="0" err="1">
+                <a:latin typeface="Microsoft YaHei UI"/>
+                <a:cs typeface="Microsoft YaHei UI"/>
+              </a:rPr>
+              <a:t>《</a:t>
+            </a:r>
+            <a:r>
+              <a:rPr sz="1600" spc="-20" dirty="0" err="1">
+                <a:latin typeface="Microsoft YaHei UI"/>
+                <a:cs typeface="Microsoft YaHei UI"/>
+              </a:rPr>
+              <a:t>纸牌</a:t>
+            </a:r>
+            <a:r>
+              <a:rPr sz="1600" spc="-10" dirty="0" err="1">
+                <a:latin typeface="Microsoft YaHei UI"/>
+                <a:cs typeface="Microsoft YaHei UI"/>
+              </a:rPr>
+              <a:t>屋</a:t>
+            </a:r>
+            <a:r>
+              <a:rPr sz="1600" spc="-20" dirty="0" err="1" smtClean="0">
+                <a:latin typeface="Microsoft YaHei UI"/>
+                <a:cs typeface="Microsoft YaHei UI"/>
+              </a:rPr>
+              <a:t>》很受欢迎</a:t>
+            </a:r>
+            <a:r>
+              <a:rPr lang="zh-CN" altLang="en-US" sz="1600" spc="-20" dirty="0" smtClean="0">
+                <a:latin typeface="Microsoft YaHei UI"/>
+                <a:cs typeface="Microsoft YaHei UI"/>
+              </a:rPr>
+              <a:t>，</a:t>
+            </a:r>
+            <a:r>
+              <a:rPr sz="1600" spc="-20" dirty="0" err="1" smtClean="0">
+                <a:latin typeface="Microsoft YaHei UI"/>
+                <a:cs typeface="Microsoft YaHei UI"/>
+              </a:rPr>
+              <a:t>三者的交集表明</a:t>
+            </a:r>
+            <a:r>
+              <a:rPr lang="zh-CN" altLang="en-US" sz="1600" spc="-20" dirty="0" smtClean="0">
+                <a:latin typeface="Microsoft YaHei UI"/>
+                <a:cs typeface="Microsoft YaHei UI"/>
+              </a:rPr>
+              <a:t>，</a:t>
+            </a:r>
+            <a:r>
+              <a:rPr sz="1600" b="1" spc="-15" dirty="0" err="1" smtClean="0">
+                <a:solidFill>
+                  <a:srgbClr val="FF0000"/>
+                </a:solidFill>
+                <a:latin typeface="Microsoft YaHei UI"/>
+                <a:cs typeface="Microsoft YaHei UI"/>
+              </a:rPr>
+              <a:t>该剧一定会火</a:t>
+            </a:r>
+            <a:r>
+              <a:rPr sz="1600" b="1" spc="-20" dirty="0">
+                <a:latin typeface="Microsoft YaHei UI"/>
+                <a:cs typeface="Microsoft YaHei UI"/>
+              </a:rPr>
+              <a:t>。</a:t>
+            </a:r>
+            <a:endParaRPr sz="1600" dirty="0">
+              <a:latin typeface="Microsoft YaHei UI"/>
+              <a:cs typeface="Microsoft YaHei UI"/>
+            </a:endParaRPr>
+          </a:p>
+          <a:p>
+            <a:pPr>
+              <a:lnSpc>
+                <a:spcPts val="600"/>
+              </a:lnSpc>
+            </a:pPr>
+            <a:endParaRPr sz="600" dirty="0"/>
+          </a:p>
+          <a:p>
+            <a:pPr marL="378460" marR="5038725" indent="-274320">
+              <a:tabLst>
+                <a:tab pos="377825" algn="l"/>
+              </a:tabLst>
+            </a:pPr>
+            <a:r>
+              <a:rPr sz="1200" spc="5" dirty="0">
+                <a:solidFill>
+                  <a:srgbClr val="727CA3"/>
+                </a:solidFill>
+                <a:latin typeface="Wingdings 3"/>
+                <a:cs typeface="Wingdings 3"/>
+              </a:rPr>
+              <a:t></a:t>
+            </a:r>
+            <a:r>
+              <a:rPr sz="1200" spc="5" dirty="0">
+                <a:solidFill>
+                  <a:srgbClr val="727CA3"/>
+                </a:solidFill>
+                <a:latin typeface="Times New Roman"/>
+                <a:cs typeface="Times New Roman"/>
+              </a:rPr>
+              <a:t>	</a:t>
+            </a:r>
+            <a:r>
+              <a:rPr sz="1600" spc="-10" dirty="0">
+                <a:latin typeface="Gill Sans MT"/>
+                <a:cs typeface="Gill Sans MT"/>
+              </a:rPr>
+              <a:t>Netfli</a:t>
+            </a:r>
+            <a:r>
+              <a:rPr sz="1600" spc="-5" dirty="0">
+                <a:latin typeface="Gill Sans MT"/>
+                <a:cs typeface="Gill Sans MT"/>
+              </a:rPr>
+              <a:t>x</a:t>
+            </a:r>
+            <a:r>
+              <a:rPr sz="1600" spc="-20" dirty="0">
+                <a:latin typeface="Microsoft YaHei UI"/>
+                <a:cs typeface="Microsoft YaHei UI"/>
+              </a:rPr>
+              <a:t>有一套独特的计算方法， </a:t>
+            </a:r>
+            <a:r>
+              <a:rPr sz="1600" spc="-20" dirty="0" err="1">
+                <a:latin typeface="Microsoft YaHei UI"/>
+                <a:cs typeface="Microsoft YaHei UI"/>
+              </a:rPr>
+              <a:t>用户的行为、喜好，</a:t>
+            </a:r>
+            <a:r>
+              <a:rPr sz="1600" spc="-20" dirty="0" err="1" smtClean="0">
+                <a:latin typeface="Microsoft YaHei UI" panose="020B0503020204020204" pitchFamily="34" charset="-122"/>
+                <a:ea typeface="Microsoft YaHei UI" panose="020B0503020204020204" pitchFamily="34" charset="-122"/>
+                <a:cs typeface="Microsoft YaHei UI"/>
+              </a:rPr>
+              <a:t>最终都演变</a:t>
+            </a:r>
+            <a:r>
+              <a:rPr lang="zh-CN" altLang="en-US" sz="1600" spc="-20" dirty="0" smtClean="0">
+                <a:latin typeface="Microsoft YaHei UI" panose="020B0503020204020204" pitchFamily="34" charset="-122"/>
+                <a:ea typeface="Microsoft YaHei UI" panose="020B0503020204020204" pitchFamily="34" charset="-122"/>
+                <a:cs typeface="Microsoft YaHei UI"/>
+              </a:rPr>
+              <a:t>成数据，成为它决策的依据。</a:t>
+            </a:r>
+            <a:endParaRPr sz="1600" dirty="0">
+              <a:latin typeface="Microsoft YaHei UI" panose="020B0503020204020204" pitchFamily="34" charset="-122"/>
+              <a:ea typeface="Microsoft YaHei UI" panose="020B0503020204020204" pitchFamily="34" charset="-122"/>
+              <a:cs typeface="Microsoft YaHei UI"/>
+            </a:endParaRPr>
+          </a:p>
+        </p:txBody>
+      </p:sp>
+      <p:sp>
+        <p:nvSpPr>
+          <p:cNvPr id="7" name="object 7"/>
+          <p:cNvSpPr/>
+          <p:nvPr/>
+        </p:nvSpPr>
+        <p:spPr>
+          <a:xfrm>
+            <a:off x="5402465" y="1218831"/>
+            <a:ext cx="4832636" cy="2371941"/>
+          </a:xfrm>
+          <a:prstGeom prst="rect">
+            <a:avLst/>
+          </a:prstGeom>
+          <a:blipFill>
+            <a:blip r:embed="rId4" cstate="print"/>
+            <a:stretch>
+              <a:fillRect/>
+            </a:stretch>
+          </a:blipFill>
+        </p:spPr>
+        <p:txBody>
+          <a:bodyPr wrap="square" lIns="0" tIns="0" rIns="0" bIns="0" rtlCol="0">
+            <a:noAutofit/>
+          </a:bodyPr>
+          <a:lstStyle/>
+          <a:p>
+            <a:endParaRPr/>
           </a:p>
         </p:txBody>
       </p:sp>
     </p:spTree>
     <p:extLst>
       <p:ext uri="{BB962C8B-B14F-4D97-AF65-F5344CB8AC3E}">
-        <p14:creationId xmlns:p14="http://schemas.microsoft.com/office/powerpoint/2010/main" val="892254539"/>
+        <p14:creationId xmlns:p14="http://schemas.microsoft.com/office/powerpoint/2010/main" val="399302565"/>
       </p:ext>
     </p:extLst>
   </p:cSld>
@@ -12506,7 +14830,7 @@
           <a:bodyPr/>
           <a:lstStyle/>
           <a:p>
-            <a:endParaRPr lang="zh-CN" altLang="en-US"/>
+            <a:endParaRPr lang="zh-CN" altLang="en-US" dirty="0"/>
           </a:p>
         </p:txBody>
       </p:sp>
@@ -12523,68 +14847,106 @@
         <p:spPr/>
         <p:txBody>
           <a:bodyPr>
-            <a:normAutofit lnSpcReduction="10000"/>
+            <a:normAutofit fontScale="85000" lnSpcReduction="20000"/>
           </a:bodyPr>
           <a:lstStyle/>
           <a:p>
             <a:r>
               <a:rPr lang="zh-CN" altLang="en-US" dirty="0"/>
-              <a:t>大数据不仅来源于谷歌、百度等厂商，工业领域也在源源不断地产生数据，其规模可能比网络服务厂商还大。飞机汽轮机压缩器叶片的监控数据为</a:t>
-            </a:r>
-            <a:r>
-              <a:rPr lang="en-US" altLang="zh-CN" dirty="0"/>
-              <a:t>588GB/</a:t>
-            </a:r>
+              <a:t>大数据的必要性</a:t>
+            </a:r>
+          </a:p>
+          <a:p>
+            <a:pPr marL="0" indent="0">
+              <a:buNone/>
+            </a:pPr>
             <a:r>
               <a:rPr lang="zh-CN" altLang="en-US" dirty="0"/>
-              <a:t>天，是世界最大的微博公司（</a:t>
-            </a:r>
-            <a:r>
-              <a:rPr lang="en-US" altLang="zh-CN" dirty="0"/>
-              <a:t>Twitter</a:t>
-            </a:r>
+              <a:t>大数据已经证明了效果提升</a:t>
+            </a:r>
+          </a:p>
+          <a:p>
+            <a:pPr marL="0" indent="0">
+              <a:buNone/>
+            </a:pPr>
             <a:r>
               <a:rPr lang="zh-CN" altLang="en-US" dirty="0"/>
-              <a:t>）每天产生数据（</a:t>
-            </a:r>
-            <a:r>
-              <a:rPr lang="en-US" altLang="zh-CN" dirty="0"/>
-              <a:t>80GB</a:t>
-            </a:r>
+              <a:t>图像， 语音领域， 公开竞赛</a:t>
+            </a:r>
+          </a:p>
+          <a:p>
+            <a:pPr marL="0" indent="0">
+              <a:buNone/>
+            </a:pPr>
             <a:r>
               <a:rPr lang="zh-CN" altLang="en-US" dirty="0"/>
-              <a:t>）的</a:t>
-            </a:r>
-            <a:r>
-              <a:rPr lang="en-US" altLang="zh-CN" dirty="0"/>
-              <a:t>7</a:t>
-            </a:r>
+              <a:t>广告点击</a:t>
+            </a:r>
+          </a:p>
+          <a:p>
+            <a:pPr marL="0" indent="0">
+              <a:buNone/>
+            </a:pPr>
             <a:r>
               <a:rPr lang="zh-CN" altLang="en-US" dirty="0"/>
-              <a:t>倍。制造业是数据分析的广阔天地，应充分挖掘工业领域大数据的价值。</a:t>
+              <a:t>自然语言理解（小范围）</a:t>
             </a:r>
           </a:p>
           <a:p>
             <a:r>
               <a:rPr lang="zh-CN" altLang="en-US" dirty="0"/>
-              <a:t>“数据量大”是存储、分析大数据的一个难关，但不是最大的挑战。比数据量大更难应对的是数据的多样性、实时性和不确定性。而判断一个数据集是否有价值也是很困难的事，也许今天认为没有价值的数据将来会找到很大的价值。因此，我们应关注的并不是</a:t>
-            </a:r>
-            <a:r>
-              <a:rPr lang="en-US" altLang="zh-CN" dirty="0"/>
-              <a:t>PB</a:t>
-            </a:r>
+              <a:t>解决真实场景问题需要大数据</a:t>
+            </a:r>
+          </a:p>
+          <a:p>
+            <a:pPr marL="0" indent="0">
+              <a:buNone/>
+            </a:pPr>
             <a:r>
               <a:rPr lang="zh-CN" altLang="en-US" dirty="0"/>
-              <a:t>级或</a:t>
-            </a:r>
-            <a:r>
-              <a:rPr lang="en-US" altLang="zh-CN" dirty="0"/>
-              <a:t>EB</a:t>
-            </a:r>
+              <a:t>行为预估</a:t>
+            </a:r>
+          </a:p>
+          <a:p>
+            <a:pPr marL="0" indent="0">
+              <a:buNone/>
+            </a:pPr>
+            <a:r>
+              <a:rPr lang="zh-CN" altLang="en-US" dirty="0" smtClean="0"/>
+              <a:t>获取，分析，预测</a:t>
+            </a:r>
+            <a:endParaRPr lang="zh-CN" altLang="en-US" dirty="0"/>
+          </a:p>
+          <a:p>
+            <a:pPr marL="0" indent="0">
+              <a:buNone/>
+            </a:pPr>
             <a:r>
               <a:rPr lang="zh-CN" altLang="en-US" dirty="0"/>
-              <a:t>级的数据，而是从巨量模态多样、真伪难辨的数据中及时获得价值的“能力”。</a:t>
-            </a:r>
+              <a:t>人机交互</a:t>
+            </a:r>
+          </a:p>
+          <a:p>
+            <a:pPr marL="0" indent="0">
+              <a:buNone/>
+            </a:pPr>
+            <a:r>
+              <a:rPr lang="zh-CN" altLang="en-US" dirty="0" smtClean="0"/>
+              <a:t>识别，理解，反馈</a:t>
+            </a:r>
+            <a:endParaRPr lang="zh-CN" altLang="en-US" dirty="0"/>
+          </a:p>
+          <a:p>
+            <a:pPr marL="0" indent="0">
+              <a:buNone/>
+            </a:pPr>
+            <a:r>
+              <a:rPr lang="zh-CN" altLang="en-US" dirty="0"/>
+              <a:t>智能控制</a:t>
+            </a:r>
+          </a:p>
+          <a:p>
+            <a:endParaRPr lang="zh-CN" altLang="en-US" dirty="0"/>
           </a:p>
         </p:txBody>
       </p:sp>
@@ -12614,7 +14976,7 @@
     </p:spTree>
     <p:extLst>
       <p:ext uri="{BB962C8B-B14F-4D97-AF65-F5344CB8AC3E}">
-        <p14:creationId xmlns:p14="http://schemas.microsoft.com/office/powerpoint/2010/main" val="507609009"/>
+        <p14:creationId xmlns:p14="http://schemas.microsoft.com/office/powerpoint/2010/main" val="892254539"/>
       </p:ext>
     </p:extLst>
   </p:cSld>
@@ -12656,7 +15018,7 @@
           <a:bodyPr/>
           <a:lstStyle/>
           <a:p>
-            <a:endParaRPr lang="zh-CN" altLang="en-US"/>
+            <a:endParaRPr lang="zh-CN" altLang="en-US" dirty="0"/>
           </a:p>
         </p:txBody>
       </p:sp>
@@ -12675,112 +15037,62 @@
           <a:bodyPr/>
           <a:lstStyle/>
           <a:p>
-            <a:pPr>
-              <a:buFont typeface="Wingdings" panose="05000000000000000000" pitchFamily="2" charset="2"/>
-              <a:buChar char="p"/>
-            </a:pPr>
-            <a:r>
-              <a:rPr lang="zh-CN" altLang="en-US" b="1" dirty="0"/>
-              <a:t>塔吉特百货孕妇营销分析，</a:t>
-            </a:r>
-            <a:r>
-              <a:rPr lang="en-US" altLang="zh-CN" dirty="0"/>
-              <a:t>2002</a:t>
-            </a:r>
+            <a:r>
+              <a:rPr lang="zh-CN" altLang="en-US" dirty="0" smtClean="0"/>
+              <a:t>什么是大数据</a:t>
+            </a:r>
+            <a:endParaRPr lang="en-US" altLang="zh-CN" dirty="0" smtClean="0"/>
+          </a:p>
+          <a:p>
             <a:r>
               <a:rPr lang="zh-CN" altLang="en-US" dirty="0"/>
-              <a:t>年</a:t>
+              <a:t>大</a:t>
+            </a:r>
+            <a:r>
+              <a:rPr lang="zh-CN" altLang="en-US" dirty="0" smtClean="0"/>
+              <a:t>数据</a:t>
+            </a:r>
+            <a:r>
+              <a:rPr lang="zh-CN" altLang="en-US" dirty="0"/>
+              <a:t>的案例</a:t>
             </a:r>
             <a:endParaRPr lang="en-US" altLang="zh-CN" dirty="0"/>
           </a:p>
           <a:p>
-            <a:pPr>
-              <a:buFont typeface="Wingdings" panose="05000000000000000000" pitchFamily="2" charset="2"/>
-              <a:buChar char="p"/>
-            </a:pPr>
-            <a:endParaRPr lang="zh-CN" altLang="en-US" sz="1100" dirty="0" smtClean="0"/>
-          </a:p>
-          <a:p>
-            <a:pPr>
-              <a:buFont typeface="Wingdings" panose="05000000000000000000" pitchFamily="2" charset="2"/>
-              <a:buChar char="p"/>
-            </a:pPr>
-            <a:r>
-              <a:rPr lang="zh-CN" altLang="en-US" b="1" dirty="0"/>
-              <a:t>谷歌预测流感，</a:t>
-            </a:r>
-            <a:r>
-              <a:rPr lang="en-US" altLang="zh-CN" dirty="0"/>
-              <a:t>2009</a:t>
-            </a:r>
+            <a:r>
+              <a:rPr lang="zh-CN" altLang="en-US" dirty="0" smtClean="0"/>
+              <a:t>大</a:t>
+            </a:r>
+            <a:r>
+              <a:rPr lang="zh-CN" altLang="en-US" dirty="0" smtClean="0"/>
+              <a:t>数据的处理框架</a:t>
+            </a:r>
+            <a:endParaRPr lang="en-US" altLang="zh-CN" dirty="0" smtClean="0"/>
+          </a:p>
+          <a:p>
+            <a:r>
+              <a:rPr lang="zh-CN" altLang="en-US" dirty="0" smtClean="0"/>
+              <a:t>常用分析方法</a:t>
+            </a:r>
+            <a:endParaRPr lang="en-US" altLang="zh-CN" dirty="0" smtClean="0"/>
+          </a:p>
+          <a:p>
             <a:r>
               <a:rPr lang="zh-CN" altLang="en-US" dirty="0"/>
-              <a:t>年</a:t>
-            </a:r>
-            <a:endParaRPr lang="en-US" altLang="zh-CN" dirty="0"/>
-          </a:p>
-          <a:p>
-            <a:pPr>
-              <a:buFont typeface="Wingdings" panose="05000000000000000000" pitchFamily="2" charset="2"/>
-              <a:buChar char="p"/>
-            </a:pPr>
-            <a:endParaRPr lang="en-US" altLang="zh-CN" sz="1100" dirty="0" smtClean="0"/>
-          </a:p>
-          <a:p>
-            <a:pPr>
-              <a:buFont typeface="Wingdings" panose="05000000000000000000" pitchFamily="2" charset="2"/>
-              <a:buChar char="p"/>
-            </a:pPr>
-            <a:r>
-              <a:rPr lang="zh-CN" altLang="en-US" b="1" dirty="0"/>
-              <a:t>奥巴马大选连任成功，</a:t>
-            </a:r>
-            <a:r>
-              <a:rPr lang="en-US" altLang="zh-CN" dirty="0"/>
-              <a:t>2012</a:t>
-            </a:r>
-            <a:r>
-              <a:rPr lang="zh-CN" altLang="en-US" dirty="0"/>
-              <a:t>年</a:t>
-            </a:r>
-            <a:endParaRPr lang="en-US" altLang="zh-CN" dirty="0"/>
-          </a:p>
-          <a:p>
-            <a:pPr>
-              <a:buFont typeface="Wingdings" panose="05000000000000000000" pitchFamily="2" charset="2"/>
-              <a:buChar char="p"/>
-            </a:pPr>
-            <a:endParaRPr lang="en-US" altLang="zh-CN" sz="1100" dirty="0" smtClean="0"/>
-          </a:p>
-          <a:p>
-            <a:pPr>
-              <a:buFont typeface="Wingdings" panose="05000000000000000000" pitchFamily="2" charset="2"/>
-              <a:buChar char="p"/>
-            </a:pPr>
-            <a:r>
-              <a:rPr lang="zh-CN" altLang="en-US" b="1" dirty="0"/>
-              <a:t>微软大数据成功预测奥斯卡</a:t>
-            </a:r>
-            <a:r>
-              <a:rPr lang="en-US" altLang="zh-CN" b="1" dirty="0"/>
-              <a:t>21</a:t>
-            </a:r>
-            <a:r>
-              <a:rPr lang="zh-CN" altLang="en-US" b="1" dirty="0"/>
-              <a:t>项大奖，</a:t>
-            </a:r>
-            <a:r>
-              <a:rPr lang="en-US" altLang="zh-CN" dirty="0"/>
-              <a:t>2013</a:t>
-            </a:r>
-            <a:r>
-              <a:rPr lang="zh-CN" altLang="en-US" dirty="0"/>
-              <a:t>年</a:t>
-            </a:r>
-            <a:endParaRPr lang="en-US" altLang="zh-CN" dirty="0"/>
-          </a:p>
-          <a:p>
-            <a:endParaRPr lang="zh-CN" altLang="en-US" dirty="0"/>
+              <a:t>大</a:t>
+            </a:r>
+            <a:r>
+              <a:rPr lang="zh-CN" altLang="en-US" dirty="0" smtClean="0"/>
+              <a:t>数据的应用</a:t>
+            </a:r>
+            <a:endParaRPr lang="en-US" altLang="zh-CN" dirty="0" smtClean="0"/>
+          </a:p>
+          <a:p>
+            <a:r>
+              <a:rPr lang="zh-CN" altLang="en-US" b="1" dirty="0" smtClean="0"/>
+              <a:t>工业大数据</a:t>
+            </a:r>
+            <a:endParaRPr lang="en-US" altLang="zh-CN" b="1" dirty="0" smtClean="0"/>
           </a:p>
         </p:txBody>
       </p:sp>
@@ -12810,7 +15122,7 @@
     </p:spTree>
     <p:extLst>
       <p:ext uri="{BB962C8B-B14F-4D97-AF65-F5344CB8AC3E}">
-        <p14:creationId xmlns:p14="http://schemas.microsoft.com/office/powerpoint/2010/main" val="1583009782"/>
+        <p14:creationId xmlns:p14="http://schemas.microsoft.com/office/powerpoint/2010/main" val="3076772697"/>
       </p:ext>
     </p:extLst>
   </p:cSld>
@@ -13090,6 +15402,194 @@
 </p:sld>
 </file>
 
+<file path=ppt/slides/slide30.xml><?xml version="1.0" encoding="utf-8"?>
+<p:sld xmlns:a="http://schemas.openxmlformats.org/drawingml/2006/main" xmlns:r="http://schemas.openxmlformats.org/officeDocument/2006/relationships" xmlns:p="http://schemas.openxmlformats.org/presentationml/2006/main">
+  <p:cSld>
+    <p:spTree>
+      <p:nvGrpSpPr>
+        <p:cNvPr id="1" name=""/>
+        <p:cNvGrpSpPr/>
+        <p:nvPr/>
+      </p:nvGrpSpPr>
+      <p:grpSpPr>
+        <a:xfrm>
+          <a:off x="0" y="0"/>
+          <a:ext cx="0" cy="0"/>
+          <a:chOff x="0" y="0"/>
+          <a:chExt cx="0" cy="0"/>
+        </a:xfrm>
+      </p:grpSpPr>
+      <p:sp>
+        <p:nvSpPr>
+          <p:cNvPr id="2" name="标题 1"/>
+          <p:cNvSpPr>
+            <a:spLocks noGrp="1"/>
+          </p:cNvSpPr>
+          <p:nvPr>
+            <p:ph type="title"/>
+          </p:nvPr>
+        </p:nvSpPr>
+        <p:spPr/>
+        <p:txBody>
+          <a:bodyPr/>
+          <a:lstStyle/>
+          <a:p>
+            <a:endParaRPr lang="zh-CN" altLang="en-US"/>
+          </a:p>
+        </p:txBody>
+      </p:sp>
+      <p:sp>
+        <p:nvSpPr>
+          <p:cNvPr id="3" name="内容占位符 2"/>
+          <p:cNvSpPr>
+            <a:spLocks noGrp="1"/>
+          </p:cNvSpPr>
+          <p:nvPr>
+            <p:ph idx="1"/>
+          </p:nvPr>
+        </p:nvSpPr>
+        <p:spPr/>
+        <p:txBody>
+          <a:bodyPr>
+            <a:normAutofit fontScale="70000" lnSpcReduction="20000"/>
+          </a:bodyPr>
+          <a:lstStyle/>
+          <a:p>
+            <a:pPr>
+              <a:lnSpc>
+                <a:spcPct val="160000"/>
+              </a:lnSpc>
+            </a:pPr>
+            <a:r>
+              <a:rPr lang="zh-CN" altLang="en-US" dirty="0">
+                <a:latin typeface="+mn-ea"/>
+              </a:rPr>
+              <a:t>大数据不仅来源于谷歌、百度等厂商，工业领域也在源源不断地产生数据，其规模可能比网络服务厂商还大。飞机汽轮机压缩器叶片的监控数据为</a:t>
+            </a:r>
+            <a:r>
+              <a:rPr lang="en-US" altLang="zh-CN" dirty="0">
+                <a:latin typeface="+mn-ea"/>
+              </a:rPr>
+              <a:t>588GB/</a:t>
+            </a:r>
+            <a:r>
+              <a:rPr lang="zh-CN" altLang="en-US" dirty="0">
+                <a:latin typeface="+mn-ea"/>
+              </a:rPr>
+              <a:t>天，是世界最大的微博公司（</a:t>
+            </a:r>
+            <a:r>
+              <a:rPr lang="en-US" altLang="zh-CN" dirty="0">
+                <a:latin typeface="+mn-ea"/>
+              </a:rPr>
+              <a:t>Twitter</a:t>
+            </a:r>
+            <a:r>
+              <a:rPr lang="zh-CN" altLang="en-US" dirty="0">
+                <a:latin typeface="+mn-ea"/>
+              </a:rPr>
+              <a:t>）每天产生数据（</a:t>
+            </a:r>
+            <a:r>
+              <a:rPr lang="en-US" altLang="zh-CN" dirty="0">
+                <a:latin typeface="+mn-ea"/>
+              </a:rPr>
+              <a:t>80GB</a:t>
+            </a:r>
+            <a:r>
+              <a:rPr lang="zh-CN" altLang="en-US" dirty="0">
+                <a:latin typeface="+mn-ea"/>
+              </a:rPr>
+              <a:t>）的</a:t>
+            </a:r>
+            <a:r>
+              <a:rPr lang="en-US" altLang="zh-CN" dirty="0">
+                <a:latin typeface="+mn-ea"/>
+              </a:rPr>
+              <a:t>7</a:t>
+            </a:r>
+            <a:r>
+              <a:rPr lang="zh-CN" altLang="en-US" dirty="0">
+                <a:latin typeface="+mn-ea"/>
+              </a:rPr>
+              <a:t>倍。制造业是数据分析的广阔天地，应充分挖掘工业领域大数据的价值。</a:t>
+            </a:r>
+          </a:p>
+          <a:p>
+            <a:pPr>
+              <a:lnSpc>
+                <a:spcPct val="160000"/>
+              </a:lnSpc>
+            </a:pPr>
+            <a:r>
+              <a:rPr lang="zh-CN" altLang="en-US" dirty="0">
+                <a:latin typeface="+mn-ea"/>
+              </a:rPr>
+              <a:t>“数据量大”是存储、分析大数据的一个难关，但不是最大的挑战。比数据量大更难应对的是数据的多样性、实时性和不确定性。而判断一个数据集是否有价值也是很困难的事，也许今天认为没有价值的数据将来会找到很大的价值。因此，我们应关注的并不是</a:t>
+            </a:r>
+            <a:r>
+              <a:rPr lang="en-US" altLang="zh-CN" dirty="0">
+                <a:latin typeface="+mn-ea"/>
+              </a:rPr>
+              <a:t>PB</a:t>
+            </a:r>
+            <a:r>
+              <a:rPr lang="zh-CN" altLang="en-US" dirty="0">
+                <a:latin typeface="+mn-ea"/>
+              </a:rPr>
+              <a:t>级或</a:t>
+            </a:r>
+            <a:r>
+              <a:rPr lang="en-US" altLang="zh-CN" dirty="0">
+                <a:latin typeface="+mn-ea"/>
+              </a:rPr>
+              <a:t>EB</a:t>
+            </a:r>
+            <a:r>
+              <a:rPr lang="zh-CN" altLang="en-US" dirty="0">
+                <a:latin typeface="+mn-ea"/>
+              </a:rPr>
+              <a:t>级的数据，而是从巨量模态多样、真伪难辨的数据中及时获得价值的“能力”。</a:t>
+            </a:r>
+          </a:p>
+        </p:txBody>
+      </p:sp>
+      <p:sp>
+        <p:nvSpPr>
+          <p:cNvPr id="5" name="灯片编号占位符 4"/>
+          <p:cNvSpPr>
+            <a:spLocks noGrp="1"/>
+          </p:cNvSpPr>
+          <p:nvPr>
+            <p:ph type="sldNum" sz="quarter" idx="12"/>
+          </p:nvPr>
+        </p:nvSpPr>
+        <p:spPr/>
+        <p:txBody>
+          <a:bodyPr/>
+          <a:lstStyle/>
+          <a:p>
+            <a:fld id="{37C2EA07-9005-44A4-AD36-5C14C6B8AD7E}" type="slidenum">
+              <a:rPr lang="zh-CN" altLang="en-US" smtClean="0"/>
+              <a:t>30</a:t>
+            </a:fld>
+            <a:endParaRPr lang="zh-CN" altLang="en-US"/>
+          </a:p>
+        </p:txBody>
+      </p:sp>
+    </p:spTree>
+    <p:extLst>
+      <p:ext uri="{BB962C8B-B14F-4D97-AF65-F5344CB8AC3E}">
+        <p14:creationId xmlns:p14="http://schemas.microsoft.com/office/powerpoint/2010/main" val="507609009"/>
+      </p:ext>
+    </p:extLst>
+  </p:cSld>
+  <p:clrMapOvr>
+    <a:masterClrMapping/>
+  </p:clrMapOvr>
+</p:sld>
+</file>
+
 <file path=ppt/slides/slide4.xml><?xml version="1.0" encoding="utf-8"?>
 <p:sld xmlns:a="http://schemas.openxmlformats.org/drawingml/2006/main" xmlns:r="http://schemas.openxmlformats.org/officeDocument/2006/relationships" xmlns:p="http://schemas.openxmlformats.org/presentationml/2006/main">
   <p:cSld>
@@ -13750,17 +16250,7 @@
                 <a:latin typeface="Microsoft YaHei UI"/>
                 <a:cs typeface="Microsoft YaHei UI"/>
               </a:rPr>
-              <a:t>y</a:t>
-            </a:r>
-            <a:r>
-              <a:rPr sz="1600" b="1" spc="-20" dirty="0">
-                <a:solidFill>
-                  <a:srgbClr val="FFFFFF"/>
-                </a:solidFill>
-                <a:latin typeface="Microsoft YaHei UI"/>
-                <a:cs typeface="Microsoft YaHei UI"/>
-              </a:rPr>
-              <a:t>）</a:t>
+              <a:t>y）</a:t>
             </a:r>
             <a:endParaRPr sz="1600" dirty="0">
               <a:latin typeface="Microsoft YaHei UI"/>
@@ -14020,8 +16510,8 @@
         </p:nvSpPr>
         <p:spPr>
           <a:xfrm>
-            <a:off x="2174241" y="5100438"/>
-            <a:ext cx="3378200" cy="1047750"/>
+            <a:off x="2174241" y="5100437"/>
+            <a:ext cx="3378200" cy="1621037"/>
           </a:xfrm>
           <a:prstGeom prst="rect">
             <a:avLst/>
@@ -14057,28 +16547,55 @@
                 <a:latin typeface="Microsoft YaHei UI"/>
                 <a:cs typeface="Microsoft YaHei UI"/>
               </a:rPr>
-              <a:t>以视频为例，一部一小时的视频，在连续不间断监 控过程中，可能有用的数据仅仅只有一两秒。如何</a:t>
-            </a:r>
-            <a:endParaRPr sz="1200" dirty="0">
-              <a:latin typeface="Microsoft YaHei UI"/>
-              <a:cs typeface="Microsoft YaHei UI"/>
-            </a:endParaRPr>
-          </a:p>
-          <a:p>
-            <a:pPr marL="12700">
-              <a:spcBef>
-                <a:spcPts val="285"/>
-              </a:spcBef>
-            </a:pPr>
-            <a:r>
-              <a:rPr sz="1200" spc="20" dirty="0">
+              <a:t>以视频为例，一部一小时的视频，在连续不间断监 </a:t>
+            </a:r>
+            <a:r>
+              <a:rPr sz="1200" spc="-5" dirty="0" err="1">
                 <a:latin typeface="Microsoft YaHei UI"/>
                 <a:cs typeface="Microsoft YaHei UI"/>
               </a:rPr>
-              <a:t>通过强大的机器算法更迅速地完成数据的价值“提</a:t>
-            </a:r>
-            <a:endParaRPr sz="1200" dirty="0">
-              <a:latin typeface="Microsoft YaHei UI"/>
+              <a:t>控过程中，可能有用的数据仅仅只有一两秒。</a:t>
+            </a:r>
+            <a:r>
+              <a:rPr sz="1200" spc="-5" dirty="0" err="1" smtClean="0">
+                <a:latin typeface="Microsoft YaHei UI"/>
+                <a:cs typeface="Microsoft YaHei UI"/>
+              </a:rPr>
+              <a:t>如何</a:t>
+            </a:r>
+            <a:r>
+              <a:rPr sz="1200" spc="20" dirty="0" err="1" smtClean="0">
+                <a:latin typeface="Microsoft YaHei UI"/>
+                <a:cs typeface="Microsoft YaHei UI"/>
+              </a:rPr>
+              <a:t>通过强大的机器算法更迅速地完成数据的价值</a:t>
+            </a:r>
+            <a:r>
+              <a:rPr lang="zh-CN" altLang="en-US" sz="1200" spc="20" dirty="0" smtClean="0">
+                <a:latin typeface="Microsoft YaHei UI"/>
+                <a:cs typeface="Microsoft YaHei UI"/>
+              </a:rPr>
+              <a:t>。</a:t>
+            </a:r>
+            <a:r>
+              <a:rPr lang="zh-CN" altLang="en-US" sz="1200" spc="20" dirty="0" smtClean="0">
+                <a:latin typeface="Microsoft YaHei UI" panose="020B0503020204020204" pitchFamily="34" charset="-122"/>
+                <a:ea typeface="Microsoft YaHei UI" panose="020B0503020204020204" pitchFamily="34" charset="-122"/>
+                <a:cs typeface="Microsoft YaHei UI"/>
+              </a:rPr>
+              <a:t>“提纯”</a:t>
+            </a:r>
+            <a:r>
+              <a:rPr lang="zh-CN" altLang="en-US" sz="1200" spc="20" dirty="0">
+                <a:latin typeface="Microsoft YaHei UI" panose="020B0503020204020204" pitchFamily="34" charset="-122"/>
+                <a:ea typeface="Microsoft YaHei UI" panose="020B0503020204020204" pitchFamily="34" charset="-122"/>
+                <a:cs typeface="Microsoft YaHei UI"/>
+              </a:rPr>
+              <a:t>是目前大数据汹涌背景下亟待解决的难题</a:t>
+            </a:r>
+            <a:endParaRPr sz="1200" spc="20" dirty="0">
+              <a:latin typeface="Microsoft YaHei UI" panose="020B0503020204020204" pitchFamily="34" charset="-122"/>
+              <a:ea typeface="Microsoft YaHei UI" panose="020B0503020204020204" pitchFamily="34" charset="-122"/>
               <a:cs typeface="Microsoft YaHei UI"/>
             </a:endParaRPr>
           </a:p>
@@ -14330,10 +16847,6 @@
               </a:rPr>
               <a:t>的数据量</a:t>
             </a:r>
-            <a:endParaRPr sz="1200" dirty="0">
-              <a:latin typeface="Microsoft YaHei UI"/>
-              <a:cs typeface="Microsoft YaHei UI"/>
-            </a:endParaRPr>
           </a:p>
         </p:txBody>
       </p:sp>
@@ -14534,6 +17047,13 @@
   <p:clrMapOvr>
     <a:masterClrMapping/>
   </p:clrMapOvr>
+  <p:timing>
+    <p:tnLst>
+      <p:par>
+        <p:cTn id="1" dur="indefinite" restart="never" nodeType="tmRoot"/>
+      </p:par>
+    </p:tnLst>
+  </p:timing>
 </p:sld>
 </file>
 
@@ -14622,14 +17142,14 @@
             </a:ln>
             <a:extLst>
               <a:ext uri="{909E8E84-426E-40dd-AFC4-6F175D3DCCD1}">
-                <a14:hiddenFill xmlns:a14="http://schemas.microsoft.com/office/drawing/2010/main" xmlns="">
+                <a14:hiddenFill xmlns="" xmlns:a14="http://schemas.microsoft.com/office/drawing/2010/main">
                   <a:solidFill>
                     <a:srgbClr val="FFFFFF"/>
                   </a:solidFill>
                 </a14:hiddenFill>
               </a:ext>
               <a:ext uri="{91240B29-F687-4f45-9708-019B960494DF}">
-                <a14:hiddenLine xmlns:a14="http://schemas.microsoft.com/office/drawing/2010/main" xmlns="" w="12700">
+                <a14:hiddenLine xmlns="" xmlns:a14="http://schemas.microsoft.com/office/drawing/2010/main" w="12700">
                   <a:solidFill>
                     <a:srgbClr val="000000"/>
                   </a:solidFill>
@@ -14697,14 +17217,14 @@
             </a:ln>
             <a:extLst>
               <a:ext uri="{909E8E84-426E-40dd-AFC4-6F175D3DCCD1}">
-                <a14:hiddenFill xmlns:a14="http://schemas.microsoft.com/office/drawing/2010/main" xmlns="">
+                <a14:hiddenFill xmlns="" xmlns:a14="http://schemas.microsoft.com/office/drawing/2010/main">
                   <a:solidFill>
                     <a:srgbClr val="FFFFFF"/>
                   </a:solidFill>
                 </a14:hiddenFill>
               </a:ext>
               <a:ext uri="{91240B29-F687-4f45-9708-019B960494DF}">
-                <a14:hiddenLine xmlns:a14="http://schemas.microsoft.com/office/drawing/2010/main" xmlns="" w="9525">
+                <a14:hiddenLine xmlns="" xmlns:a14="http://schemas.microsoft.com/office/drawing/2010/main" w="9525">
                   <a:solidFill>
                     <a:srgbClr val="000000"/>
                   </a:solidFill>
@@ -14755,14 +17275,14 @@
             </a:ln>
             <a:extLst>
               <a:ext uri="{909E8E84-426E-40dd-AFC4-6F175D3DCCD1}">
-                <a14:hiddenFill xmlns:a14="http://schemas.microsoft.com/office/drawing/2010/main" xmlns="">
+                <a14:hiddenFill xmlns="" xmlns:a14="http://schemas.microsoft.com/office/drawing/2010/main">
                   <a:solidFill>
                     <a:srgbClr val="FFFFFF"/>
                   </a:solidFill>
                 </a14:hiddenFill>
               </a:ext>
               <a:ext uri="{91240B29-F687-4f45-9708-019B960494DF}">
-                <a14:hiddenLine xmlns:a14="http://schemas.microsoft.com/office/drawing/2010/main" xmlns="" w="9525">
+                <a14:hiddenLine xmlns="" xmlns:a14="http://schemas.microsoft.com/office/drawing/2010/main" w="9525">
                   <a:solidFill>
                     <a:srgbClr val="000000"/>
                   </a:solidFill>
@@ -14850,14 +17370,14 @@
             </a:ln>
             <a:extLst>
               <a:ext uri="{909E8E84-426E-40dd-AFC4-6F175D3DCCD1}">
-                <a14:hiddenFill xmlns:a14="http://schemas.microsoft.com/office/drawing/2010/main" xmlns="">
+                <a14:hiddenFill xmlns="" xmlns:a14="http://schemas.microsoft.com/office/drawing/2010/main">
                   <a:solidFill>
                     <a:srgbClr val="FFFFFF"/>
                   </a:solidFill>
                 </a14:hiddenFill>
               </a:ext>
               <a:ext uri="{91240B29-F687-4f45-9708-019B960494DF}">
-                <a14:hiddenLine xmlns:a14="http://schemas.microsoft.com/office/drawing/2010/main" xmlns="" w="9525">
+                <a14:hiddenLine xmlns="" xmlns:a14="http://schemas.microsoft.com/office/drawing/2010/main" w="9525">
                   <a:solidFill>
                     <a:srgbClr val="000000"/>
                   </a:solidFill>
@@ -14892,14 +17412,14 @@
           </a:ln>
           <a:extLst>
             <a:ext uri="{909E8E84-426E-40dd-AFC4-6F175D3DCCD1}">
-              <a14:hiddenFill xmlns:a14="http://schemas.microsoft.com/office/drawing/2010/main" xmlns="">
+              <a14:hiddenFill xmlns="" xmlns:a14="http://schemas.microsoft.com/office/drawing/2010/main">
                 <a:solidFill>
                   <a:srgbClr val="FFFFFF"/>
                 </a:solidFill>
               </a14:hiddenFill>
             </a:ext>
             <a:ext uri="{91240B29-F687-4f45-9708-019B960494DF}">
-              <a14:hiddenLine xmlns:a14="http://schemas.microsoft.com/office/drawing/2010/main" xmlns="" w="9525">
+              <a14:hiddenLine xmlns="" xmlns:a14="http://schemas.microsoft.com/office/drawing/2010/main" w="9525">
                 <a:solidFill>
                   <a:srgbClr val="000000"/>
                 </a:solidFill>

--- a/presentation/big data.pptx
+++ b/presentation/big data.pptx
@@ -227,7 +227,7 @@
           <a:p>
             <a:fld id="{683740B5-2598-494E-A2E0-B116B57B1FEF}" type="datetimeFigureOut">
               <a:rPr lang="zh-CN" altLang="en-US" smtClean="0"/>
-              <a:t>2015/10/14</a:t>
+              <a:t>2015/10/15</a:t>
             </a:fld>
             <a:endParaRPr lang="zh-CN" altLang="en-US"/>
           </a:p>
@@ -627,7 +627,7 @@
           <a:bodyPr/>
           <a:lstStyle/>
           <a:p>
-            <a:endParaRPr lang="zh-CN" altLang="en-US"/>
+            <a:endParaRPr lang="zh-CN" altLang="en-US" dirty="0"/>
           </a:p>
         </p:txBody>
       </p:sp>
@@ -646,9 +646,9 @@
           <a:bodyPr/>
           <a:lstStyle/>
           <a:p>
-            <a:fld id="{6E058054-39BD-4AE9-9829-39FA46130BAF}" type="slidenum">
+            <a:fld id="{5B9F4CD3-16EB-4930-86AD-74B9E432378E}" type="slidenum">
               <a:rPr lang="zh-CN" altLang="en-US" smtClean="0"/>
-              <a:t>12</a:t>
+              <a:t>10</a:t>
             </a:fld>
             <a:endParaRPr lang="zh-CN" altLang="en-US"/>
           </a:p>
@@ -657,7 +657,7 @@
     </p:spTree>
     <p:extLst>
       <p:ext uri="{BB962C8B-B14F-4D97-AF65-F5344CB8AC3E}">
-        <p14:creationId xmlns:p14="http://schemas.microsoft.com/office/powerpoint/2010/main" val="3967927417"/>
+        <p14:creationId xmlns:p14="http://schemas.microsoft.com/office/powerpoint/2010/main" val="2523572423"/>
       </p:ext>
     </p:extLst>
   </p:cSld>
@@ -711,6 +711,17 @@
           <a:bodyPr/>
           <a:lstStyle/>
           <a:p>
+            <a:r>
+              <a:rPr lang="zh-CN" altLang="en-US" dirty="0" smtClean="0"/>
+              <a:t>大数据不是万能的</a:t>
+            </a:r>
+            <a:endParaRPr lang="en-US" altLang="zh-CN" dirty="0" smtClean="0"/>
+          </a:p>
+          <a:p>
+            <a:r>
+              <a:rPr lang="zh-CN" altLang="en-US" dirty="0" smtClean="0"/>
+              <a:t>也不是啥都能叫大数据</a:t>
+            </a:r>
             <a:endParaRPr lang="zh-CN" altLang="en-US" dirty="0"/>
           </a:p>
         </p:txBody>
@@ -732,7 +743,7 @@
           <a:p>
             <a:fld id="{6E058054-39BD-4AE9-9829-39FA46130BAF}" type="slidenum">
               <a:rPr lang="zh-CN" altLang="en-US" smtClean="0"/>
-              <a:t>14</a:t>
+              <a:t>11</a:t>
             </a:fld>
             <a:endParaRPr lang="zh-CN" altLang="en-US"/>
           </a:p>
@@ -741,7 +752,7 @@
     </p:spTree>
     <p:extLst>
       <p:ext uri="{BB962C8B-B14F-4D97-AF65-F5344CB8AC3E}">
-        <p14:creationId xmlns:p14="http://schemas.microsoft.com/office/powerpoint/2010/main" val="3318395547"/>
+        <p14:creationId xmlns:p14="http://schemas.microsoft.com/office/powerpoint/2010/main" val="3688811998"/>
       </p:ext>
     </p:extLst>
   </p:cSld>
@@ -795,175 +806,7 @@
           <a:bodyPr/>
           <a:lstStyle/>
           <a:p>
-            <a:r>
-              <a:rPr lang="en-US" altLang="zh-CN" sz="1200" b="0" i="0" kern="1200" dirty="0" smtClean="0">
-                <a:solidFill>
-                  <a:schemeClr val="tx1"/>
-                </a:solidFill>
-                <a:effectLst/>
-                <a:latin typeface="+mn-lt"/>
-                <a:ea typeface="+mn-ea"/>
-                <a:cs typeface="+mn-cs"/>
-              </a:rPr>
-              <a:t>2009</a:t>
-            </a:r>
-            <a:r>
-              <a:rPr lang="zh-CN" altLang="en-US" sz="1200" b="0" i="0" kern="1200" dirty="0" smtClean="0">
-                <a:solidFill>
-                  <a:schemeClr val="tx1"/>
-                </a:solidFill>
-                <a:effectLst/>
-                <a:latin typeface="+mn-lt"/>
-                <a:ea typeface="+mn-ea"/>
-                <a:cs typeface="+mn-cs"/>
-              </a:rPr>
-              <a:t>年，</a:t>
-            </a:r>
-            <a:r>
-              <a:rPr lang="en-US" altLang="zh-CN" sz="1200" b="0" i="0" kern="1200" dirty="0" smtClean="0">
-                <a:solidFill>
-                  <a:schemeClr val="tx1"/>
-                </a:solidFill>
-                <a:effectLst/>
-                <a:latin typeface="+mn-lt"/>
-                <a:ea typeface="+mn-ea"/>
-                <a:cs typeface="+mn-cs"/>
-              </a:rPr>
-              <a:t>Google</a:t>
-            </a:r>
-            <a:r>
-              <a:rPr lang="zh-CN" altLang="en-US" sz="1200" b="0" i="0" kern="1200" dirty="0" smtClean="0">
-                <a:solidFill>
-                  <a:schemeClr val="tx1"/>
-                </a:solidFill>
-                <a:effectLst/>
-                <a:latin typeface="+mn-lt"/>
-                <a:ea typeface="+mn-ea"/>
-                <a:cs typeface="+mn-cs"/>
-              </a:rPr>
-              <a:t>通过分析</a:t>
-            </a:r>
-            <a:r>
-              <a:rPr lang="en-US" altLang="zh-CN" sz="1200" b="0" i="0" kern="1200" dirty="0" smtClean="0">
-                <a:solidFill>
-                  <a:schemeClr val="tx1"/>
-                </a:solidFill>
-                <a:effectLst/>
-                <a:latin typeface="+mn-lt"/>
-                <a:ea typeface="+mn-ea"/>
-                <a:cs typeface="+mn-cs"/>
-              </a:rPr>
-              <a:t>5000</a:t>
-            </a:r>
-            <a:r>
-              <a:rPr lang="zh-CN" altLang="en-US" sz="1200" b="0" i="0" kern="1200" dirty="0" smtClean="0">
-                <a:solidFill>
-                  <a:schemeClr val="tx1"/>
-                </a:solidFill>
-                <a:effectLst/>
-                <a:latin typeface="+mn-lt"/>
-                <a:ea typeface="+mn-ea"/>
-                <a:cs typeface="+mn-cs"/>
-              </a:rPr>
-              <a:t>万条美国人最频繁检索的词汇，将之和美国疾病中心在</a:t>
-            </a:r>
-            <a:r>
-              <a:rPr lang="en-US" altLang="zh-CN" sz="1200" b="0" i="0" kern="1200" dirty="0" smtClean="0">
-                <a:solidFill>
-                  <a:schemeClr val="tx1"/>
-                </a:solidFill>
-                <a:effectLst/>
-                <a:latin typeface="+mn-lt"/>
-                <a:ea typeface="+mn-ea"/>
-                <a:cs typeface="+mn-cs"/>
-              </a:rPr>
-              <a:t>2003</a:t>
-            </a:r>
-            <a:r>
-              <a:rPr lang="zh-CN" altLang="en-US" sz="1200" b="0" i="0" kern="1200" dirty="0" smtClean="0">
-                <a:solidFill>
-                  <a:schemeClr val="tx1"/>
-                </a:solidFill>
-                <a:effectLst/>
-                <a:latin typeface="+mn-lt"/>
-                <a:ea typeface="+mn-ea"/>
-                <a:cs typeface="+mn-cs"/>
-              </a:rPr>
-              <a:t>年到</a:t>
-            </a:r>
-            <a:r>
-              <a:rPr lang="en-US" altLang="zh-CN" sz="1200" b="0" i="0" kern="1200" dirty="0" smtClean="0">
-                <a:solidFill>
-                  <a:schemeClr val="tx1"/>
-                </a:solidFill>
-                <a:effectLst/>
-                <a:latin typeface="+mn-lt"/>
-                <a:ea typeface="+mn-ea"/>
-                <a:cs typeface="+mn-cs"/>
-              </a:rPr>
-              <a:t>2008</a:t>
-            </a:r>
-            <a:r>
-              <a:rPr lang="zh-CN" altLang="en-US" sz="1200" b="0" i="0" kern="1200" dirty="0" smtClean="0">
-                <a:solidFill>
-                  <a:schemeClr val="tx1"/>
-                </a:solidFill>
-                <a:effectLst/>
-                <a:latin typeface="+mn-lt"/>
-                <a:ea typeface="+mn-ea"/>
-                <a:cs typeface="+mn-cs"/>
-              </a:rPr>
-              <a:t>年间季节性流感传播时期的数据进行比较，并建立一个特定的数学模型。最终</a:t>
-            </a:r>
-            <a:r>
-              <a:rPr lang="en-US" altLang="zh-CN" sz="1200" b="0" i="0" kern="1200" dirty="0" smtClean="0">
-                <a:solidFill>
-                  <a:schemeClr val="tx1"/>
-                </a:solidFill>
-                <a:effectLst/>
-                <a:latin typeface="+mn-lt"/>
-                <a:ea typeface="+mn-ea"/>
-                <a:cs typeface="+mn-cs"/>
-              </a:rPr>
-              <a:t>google</a:t>
-            </a:r>
-            <a:r>
-              <a:rPr lang="zh-CN" altLang="en-US" sz="1200" b="0" i="0" kern="1200" dirty="0" smtClean="0">
-                <a:solidFill>
-                  <a:schemeClr val="tx1"/>
-                </a:solidFill>
-                <a:effectLst/>
-                <a:latin typeface="+mn-lt"/>
-                <a:ea typeface="+mn-ea"/>
-                <a:cs typeface="+mn-cs"/>
-              </a:rPr>
-              <a:t>成功预测了</a:t>
-            </a:r>
-            <a:r>
-              <a:rPr lang="en-US" altLang="zh-CN" sz="1200" b="0" i="0" kern="1200" dirty="0" smtClean="0">
-                <a:solidFill>
-                  <a:schemeClr val="tx1"/>
-                </a:solidFill>
-                <a:effectLst/>
-                <a:latin typeface="+mn-lt"/>
-                <a:ea typeface="+mn-ea"/>
-                <a:cs typeface="+mn-cs"/>
-              </a:rPr>
-              <a:t>2009</a:t>
-            </a:r>
-            <a:r>
-              <a:rPr lang="zh-CN" altLang="en-US" sz="1200" b="0" i="0" kern="1200" dirty="0" smtClean="0">
-                <a:solidFill>
-                  <a:schemeClr val="tx1"/>
-                </a:solidFill>
-                <a:effectLst/>
-                <a:latin typeface="+mn-lt"/>
-                <a:ea typeface="+mn-ea"/>
-                <a:cs typeface="+mn-cs"/>
-              </a:rPr>
-              <a:t>冬季流感的传播甚至可以具体到特定的地区和州。</a:t>
-            </a:r>
-            <a:endParaRPr lang="zh-CN" altLang="en-US" dirty="0"/>
+            <a:endParaRPr lang="zh-CN" altLang="en-US"/>
           </a:p>
         </p:txBody>
       </p:sp>
@@ -984,7 +827,7 @@
           <a:p>
             <a:fld id="{6E058054-39BD-4AE9-9829-39FA46130BAF}" type="slidenum">
               <a:rPr lang="zh-CN" altLang="en-US" smtClean="0"/>
-              <a:t>15</a:t>
+              <a:t>12</a:t>
             </a:fld>
             <a:endParaRPr lang="zh-CN" altLang="en-US"/>
           </a:p>
@@ -993,7 +836,7 @@
     </p:spTree>
     <p:extLst>
       <p:ext uri="{BB962C8B-B14F-4D97-AF65-F5344CB8AC3E}">
-        <p14:creationId xmlns:p14="http://schemas.microsoft.com/office/powerpoint/2010/main" val="275100387"/>
+        <p14:creationId xmlns:p14="http://schemas.microsoft.com/office/powerpoint/2010/main" val="3967927417"/>
       </p:ext>
     </p:extLst>
   </p:cSld>
@@ -1047,54 +890,6 @@
           <a:bodyPr/>
           <a:lstStyle/>
           <a:p>
-            <a:r>
-              <a:rPr lang="en-US" altLang="zh-CN" sz="1200" b="0" i="0" kern="1200" dirty="0" smtClean="0">
-                <a:solidFill>
-                  <a:schemeClr val="tx1"/>
-                </a:solidFill>
-                <a:effectLst/>
-                <a:latin typeface="+mn-lt"/>
-                <a:ea typeface="+mn-ea"/>
-                <a:cs typeface="+mn-cs"/>
-              </a:rPr>
-              <a:t>2012</a:t>
-            </a:r>
-            <a:r>
-              <a:rPr lang="zh-CN" altLang="en-US" sz="1200" b="0" i="0" kern="1200" dirty="0" smtClean="0">
-                <a:solidFill>
-                  <a:schemeClr val="tx1"/>
-                </a:solidFill>
-                <a:effectLst/>
-                <a:latin typeface="+mn-lt"/>
-                <a:ea typeface="+mn-ea"/>
-                <a:cs typeface="+mn-cs"/>
-              </a:rPr>
-              <a:t>年</a:t>
-            </a:r>
-            <a:r>
-              <a:rPr lang="en-US" altLang="zh-CN" sz="1200" b="0" i="0" kern="1200" dirty="0" smtClean="0">
-                <a:solidFill>
-                  <a:schemeClr val="tx1"/>
-                </a:solidFill>
-                <a:effectLst/>
-                <a:latin typeface="+mn-lt"/>
-                <a:ea typeface="+mn-ea"/>
-                <a:cs typeface="+mn-cs"/>
-              </a:rPr>
-              <a:t>11</a:t>
-            </a:r>
-            <a:r>
-              <a:rPr lang="zh-CN" altLang="en-US" sz="1200" b="0" i="0" kern="1200" dirty="0" smtClean="0">
-                <a:solidFill>
-                  <a:schemeClr val="tx1"/>
-                </a:solidFill>
-                <a:effectLst/>
-                <a:latin typeface="+mn-lt"/>
-                <a:ea typeface="+mn-ea"/>
-                <a:cs typeface="+mn-cs"/>
-              </a:rPr>
-              <a:t>月奥巴马大选连任成功的胜利果实也被归功于大数据，因为他的竞选团队进行了大规模与深入的数据挖掘。时代杂志更是断言，依靠直觉与经验进行决策的优势急剧下降，在政治领域，大数据的时代已经到来；各色媒体、论坛、专家铺天盖地的宣传让人们对大数据时代的来临兴奋不已，无数公司和创业者都纷纷跳进了这个狂欢队伍。</a:t>
-            </a:r>
             <a:endParaRPr lang="zh-CN" altLang="en-US" dirty="0"/>
           </a:p>
         </p:txBody>
@@ -1116,7 +911,7 @@
           <a:p>
             <a:fld id="{6E058054-39BD-4AE9-9829-39FA46130BAF}" type="slidenum">
               <a:rPr lang="zh-CN" altLang="en-US" smtClean="0"/>
-              <a:t>17</a:t>
+              <a:t>14</a:t>
             </a:fld>
             <a:endParaRPr lang="zh-CN" altLang="en-US"/>
           </a:p>
@@ -1125,7 +920,7 @@
     </p:spTree>
     <p:extLst>
       <p:ext uri="{BB962C8B-B14F-4D97-AF65-F5344CB8AC3E}">
-        <p14:creationId xmlns:p14="http://schemas.microsoft.com/office/powerpoint/2010/main" val="2653929366"/>
+        <p14:creationId xmlns:p14="http://schemas.microsoft.com/office/powerpoint/2010/main" val="3318395547"/>
       </p:ext>
     </p:extLst>
   </p:cSld>
@@ -1189,6 +984,390 @@
                 <a:ea typeface="+mn-ea"/>
                 <a:cs typeface="+mn-cs"/>
               </a:rPr>
+              <a:t>2009</a:t>
+            </a:r>
+            <a:r>
+              <a:rPr lang="zh-CN" altLang="en-US" sz="1200" b="0" i="0" kern="1200" dirty="0" smtClean="0">
+                <a:solidFill>
+                  <a:schemeClr val="tx1"/>
+                </a:solidFill>
+                <a:effectLst/>
+                <a:latin typeface="+mn-lt"/>
+                <a:ea typeface="+mn-ea"/>
+                <a:cs typeface="+mn-cs"/>
+              </a:rPr>
+              <a:t>年，</a:t>
+            </a:r>
+            <a:r>
+              <a:rPr lang="en-US" altLang="zh-CN" sz="1200" b="0" i="0" kern="1200" dirty="0" smtClean="0">
+                <a:solidFill>
+                  <a:schemeClr val="tx1"/>
+                </a:solidFill>
+                <a:effectLst/>
+                <a:latin typeface="+mn-lt"/>
+                <a:ea typeface="+mn-ea"/>
+                <a:cs typeface="+mn-cs"/>
+              </a:rPr>
+              <a:t>Google</a:t>
+            </a:r>
+            <a:r>
+              <a:rPr lang="zh-CN" altLang="en-US" sz="1200" b="0" i="0" kern="1200" dirty="0" smtClean="0">
+                <a:solidFill>
+                  <a:schemeClr val="tx1"/>
+                </a:solidFill>
+                <a:effectLst/>
+                <a:latin typeface="+mn-lt"/>
+                <a:ea typeface="+mn-ea"/>
+                <a:cs typeface="+mn-cs"/>
+              </a:rPr>
+              <a:t>通过分析</a:t>
+            </a:r>
+            <a:r>
+              <a:rPr lang="en-US" altLang="zh-CN" sz="1200" b="0" i="0" kern="1200" dirty="0" smtClean="0">
+                <a:solidFill>
+                  <a:schemeClr val="tx1"/>
+                </a:solidFill>
+                <a:effectLst/>
+                <a:latin typeface="+mn-lt"/>
+                <a:ea typeface="+mn-ea"/>
+                <a:cs typeface="+mn-cs"/>
+              </a:rPr>
+              <a:t>5000</a:t>
+            </a:r>
+            <a:r>
+              <a:rPr lang="zh-CN" altLang="en-US" sz="1200" b="0" i="0" kern="1200" dirty="0" smtClean="0">
+                <a:solidFill>
+                  <a:schemeClr val="tx1"/>
+                </a:solidFill>
+                <a:effectLst/>
+                <a:latin typeface="+mn-lt"/>
+                <a:ea typeface="+mn-ea"/>
+                <a:cs typeface="+mn-cs"/>
+              </a:rPr>
+              <a:t>万条美国人最频繁检索的词汇，将之和美国疾病中心在</a:t>
+            </a:r>
+            <a:r>
+              <a:rPr lang="en-US" altLang="zh-CN" sz="1200" b="0" i="0" kern="1200" dirty="0" smtClean="0">
+                <a:solidFill>
+                  <a:schemeClr val="tx1"/>
+                </a:solidFill>
+                <a:effectLst/>
+                <a:latin typeface="+mn-lt"/>
+                <a:ea typeface="+mn-ea"/>
+                <a:cs typeface="+mn-cs"/>
+              </a:rPr>
+              <a:t>2003</a:t>
+            </a:r>
+            <a:r>
+              <a:rPr lang="zh-CN" altLang="en-US" sz="1200" b="0" i="0" kern="1200" dirty="0" smtClean="0">
+                <a:solidFill>
+                  <a:schemeClr val="tx1"/>
+                </a:solidFill>
+                <a:effectLst/>
+                <a:latin typeface="+mn-lt"/>
+                <a:ea typeface="+mn-ea"/>
+                <a:cs typeface="+mn-cs"/>
+              </a:rPr>
+              <a:t>年到</a:t>
+            </a:r>
+            <a:r>
+              <a:rPr lang="en-US" altLang="zh-CN" sz="1200" b="0" i="0" kern="1200" dirty="0" smtClean="0">
+                <a:solidFill>
+                  <a:schemeClr val="tx1"/>
+                </a:solidFill>
+                <a:effectLst/>
+                <a:latin typeface="+mn-lt"/>
+                <a:ea typeface="+mn-ea"/>
+                <a:cs typeface="+mn-cs"/>
+              </a:rPr>
+              <a:t>2008</a:t>
+            </a:r>
+            <a:r>
+              <a:rPr lang="zh-CN" altLang="en-US" sz="1200" b="0" i="0" kern="1200" dirty="0" smtClean="0">
+                <a:solidFill>
+                  <a:schemeClr val="tx1"/>
+                </a:solidFill>
+                <a:effectLst/>
+                <a:latin typeface="+mn-lt"/>
+                <a:ea typeface="+mn-ea"/>
+                <a:cs typeface="+mn-cs"/>
+              </a:rPr>
+              <a:t>年间季节性流感传播时期的数据进行比较，并建立一个特定的数学模型。最终</a:t>
+            </a:r>
+            <a:r>
+              <a:rPr lang="en-US" altLang="zh-CN" sz="1200" b="0" i="0" kern="1200" dirty="0" smtClean="0">
+                <a:solidFill>
+                  <a:schemeClr val="tx1"/>
+                </a:solidFill>
+                <a:effectLst/>
+                <a:latin typeface="+mn-lt"/>
+                <a:ea typeface="+mn-ea"/>
+                <a:cs typeface="+mn-cs"/>
+              </a:rPr>
+              <a:t>google</a:t>
+            </a:r>
+            <a:r>
+              <a:rPr lang="zh-CN" altLang="en-US" sz="1200" b="0" i="0" kern="1200" dirty="0" smtClean="0">
+                <a:solidFill>
+                  <a:schemeClr val="tx1"/>
+                </a:solidFill>
+                <a:effectLst/>
+                <a:latin typeface="+mn-lt"/>
+                <a:ea typeface="+mn-ea"/>
+                <a:cs typeface="+mn-cs"/>
+              </a:rPr>
+              <a:t>成功预测了</a:t>
+            </a:r>
+            <a:r>
+              <a:rPr lang="en-US" altLang="zh-CN" sz="1200" b="0" i="0" kern="1200" dirty="0" smtClean="0">
+                <a:solidFill>
+                  <a:schemeClr val="tx1"/>
+                </a:solidFill>
+                <a:effectLst/>
+                <a:latin typeface="+mn-lt"/>
+                <a:ea typeface="+mn-ea"/>
+                <a:cs typeface="+mn-cs"/>
+              </a:rPr>
+              <a:t>2009</a:t>
+            </a:r>
+            <a:r>
+              <a:rPr lang="zh-CN" altLang="en-US" sz="1200" b="0" i="0" kern="1200" dirty="0" smtClean="0">
+                <a:solidFill>
+                  <a:schemeClr val="tx1"/>
+                </a:solidFill>
+                <a:effectLst/>
+                <a:latin typeface="+mn-lt"/>
+                <a:ea typeface="+mn-ea"/>
+                <a:cs typeface="+mn-cs"/>
+              </a:rPr>
+              <a:t>冬季流感的传播甚至可以具体到特定的地区和州。</a:t>
+            </a:r>
+            <a:endParaRPr lang="zh-CN" altLang="en-US" dirty="0"/>
+          </a:p>
+        </p:txBody>
+      </p:sp>
+      <p:sp>
+        <p:nvSpPr>
+          <p:cNvPr id="4" name="灯片编号占位符 3"/>
+          <p:cNvSpPr>
+            <a:spLocks noGrp="1"/>
+          </p:cNvSpPr>
+          <p:nvPr>
+            <p:ph type="sldNum" sz="quarter" idx="10"/>
+          </p:nvPr>
+        </p:nvSpPr>
+        <p:spPr/>
+        <p:txBody>
+          <a:bodyPr/>
+          <a:lstStyle/>
+          <a:p>
+            <a:fld id="{6E058054-39BD-4AE9-9829-39FA46130BAF}" type="slidenum">
+              <a:rPr lang="zh-CN" altLang="en-US" smtClean="0"/>
+              <a:t>15</a:t>
+            </a:fld>
+            <a:endParaRPr lang="zh-CN" altLang="en-US"/>
+          </a:p>
+        </p:txBody>
+      </p:sp>
+    </p:spTree>
+    <p:extLst>
+      <p:ext uri="{BB962C8B-B14F-4D97-AF65-F5344CB8AC3E}">
+        <p14:creationId xmlns:p14="http://schemas.microsoft.com/office/powerpoint/2010/main" val="275100387"/>
+      </p:ext>
+    </p:extLst>
+  </p:cSld>
+  <p:clrMapOvr>
+    <a:masterClrMapping/>
+  </p:clrMapOvr>
+</p:notes>
+</file>
+
+<file path=ppt/notesSlides/notesSlide15.xml><?xml version="1.0" encoding="utf-8"?>
+<p:notes xmlns:a="http://schemas.openxmlformats.org/drawingml/2006/main" xmlns:r="http://schemas.openxmlformats.org/officeDocument/2006/relationships" xmlns:p="http://schemas.openxmlformats.org/presentationml/2006/main">
+  <p:cSld>
+    <p:spTree>
+      <p:nvGrpSpPr>
+        <p:cNvPr id="1" name=""/>
+        <p:cNvGrpSpPr/>
+        <p:nvPr/>
+      </p:nvGrpSpPr>
+      <p:grpSpPr>
+        <a:xfrm>
+          <a:off x="0" y="0"/>
+          <a:ext cx="0" cy="0"/>
+          <a:chOff x="0" y="0"/>
+          <a:chExt cx="0" cy="0"/>
+        </a:xfrm>
+      </p:grpSpPr>
+      <p:sp>
+        <p:nvSpPr>
+          <p:cNvPr id="2" name="幻灯片图像占位符 1"/>
+          <p:cNvSpPr>
+            <a:spLocks noGrp="1" noRot="1" noChangeAspect="1"/>
+          </p:cNvSpPr>
+          <p:nvPr>
+            <p:ph type="sldImg"/>
+          </p:nvPr>
+        </p:nvSpPr>
+        <p:spPr/>
+      </p:sp>
+      <p:sp>
+        <p:nvSpPr>
+          <p:cNvPr id="3" name="备注占位符 2"/>
+          <p:cNvSpPr>
+            <a:spLocks noGrp="1"/>
+          </p:cNvSpPr>
+          <p:nvPr>
+            <p:ph type="body" idx="1"/>
+          </p:nvPr>
+        </p:nvSpPr>
+        <p:spPr/>
+        <p:txBody>
+          <a:bodyPr/>
+          <a:lstStyle/>
+          <a:p>
+            <a:r>
+              <a:rPr lang="en-US" altLang="zh-CN" sz="1200" b="0" i="0" kern="1200" dirty="0" smtClean="0">
+                <a:solidFill>
+                  <a:schemeClr val="tx1"/>
+                </a:solidFill>
+                <a:effectLst/>
+                <a:latin typeface="+mn-lt"/>
+                <a:ea typeface="+mn-ea"/>
+                <a:cs typeface="+mn-cs"/>
+              </a:rPr>
+              <a:t>2012</a:t>
+            </a:r>
+            <a:r>
+              <a:rPr lang="zh-CN" altLang="en-US" sz="1200" b="0" i="0" kern="1200" dirty="0" smtClean="0">
+                <a:solidFill>
+                  <a:schemeClr val="tx1"/>
+                </a:solidFill>
+                <a:effectLst/>
+                <a:latin typeface="+mn-lt"/>
+                <a:ea typeface="+mn-ea"/>
+                <a:cs typeface="+mn-cs"/>
+              </a:rPr>
+              <a:t>年</a:t>
+            </a:r>
+            <a:r>
+              <a:rPr lang="en-US" altLang="zh-CN" sz="1200" b="0" i="0" kern="1200" dirty="0" smtClean="0">
+                <a:solidFill>
+                  <a:schemeClr val="tx1"/>
+                </a:solidFill>
+                <a:effectLst/>
+                <a:latin typeface="+mn-lt"/>
+                <a:ea typeface="+mn-ea"/>
+                <a:cs typeface="+mn-cs"/>
+              </a:rPr>
+              <a:t>11</a:t>
+            </a:r>
+            <a:r>
+              <a:rPr lang="zh-CN" altLang="en-US" sz="1200" b="0" i="0" kern="1200" dirty="0" smtClean="0">
+                <a:solidFill>
+                  <a:schemeClr val="tx1"/>
+                </a:solidFill>
+                <a:effectLst/>
+                <a:latin typeface="+mn-lt"/>
+                <a:ea typeface="+mn-ea"/>
+                <a:cs typeface="+mn-cs"/>
+              </a:rPr>
+              <a:t>月奥巴马大选连任成功的胜利果实也被归功于大数据，因为他的竞选团队进行了大规模与深入的数据挖掘。时代杂志更是断言，依靠直觉与经验进行决策的优势急剧下降，在政治领域，大数据的时代已经到来；各色媒体、论坛、专家铺天盖地的宣传让人们对大数据时代的来临兴奋不已，无数公司和创业者都纷纷跳进了这个狂欢队伍。</a:t>
+            </a:r>
+            <a:endParaRPr lang="zh-CN" altLang="en-US" dirty="0"/>
+          </a:p>
+        </p:txBody>
+      </p:sp>
+      <p:sp>
+        <p:nvSpPr>
+          <p:cNvPr id="4" name="灯片编号占位符 3"/>
+          <p:cNvSpPr>
+            <a:spLocks noGrp="1"/>
+          </p:cNvSpPr>
+          <p:nvPr>
+            <p:ph type="sldNum" sz="quarter" idx="10"/>
+          </p:nvPr>
+        </p:nvSpPr>
+        <p:spPr/>
+        <p:txBody>
+          <a:bodyPr/>
+          <a:lstStyle/>
+          <a:p>
+            <a:fld id="{6E058054-39BD-4AE9-9829-39FA46130BAF}" type="slidenum">
+              <a:rPr lang="zh-CN" altLang="en-US" smtClean="0"/>
+              <a:t>17</a:t>
+            </a:fld>
+            <a:endParaRPr lang="zh-CN" altLang="en-US"/>
+          </a:p>
+        </p:txBody>
+      </p:sp>
+    </p:spTree>
+    <p:extLst>
+      <p:ext uri="{BB962C8B-B14F-4D97-AF65-F5344CB8AC3E}">
+        <p14:creationId xmlns:p14="http://schemas.microsoft.com/office/powerpoint/2010/main" val="2653929366"/>
+      </p:ext>
+    </p:extLst>
+  </p:cSld>
+  <p:clrMapOvr>
+    <a:masterClrMapping/>
+  </p:clrMapOvr>
+</p:notes>
+</file>
+
+<file path=ppt/notesSlides/notesSlide16.xml><?xml version="1.0" encoding="utf-8"?>
+<p:notes xmlns:a="http://schemas.openxmlformats.org/drawingml/2006/main" xmlns:r="http://schemas.openxmlformats.org/officeDocument/2006/relationships" xmlns:p="http://schemas.openxmlformats.org/presentationml/2006/main">
+  <p:cSld>
+    <p:spTree>
+      <p:nvGrpSpPr>
+        <p:cNvPr id="1" name=""/>
+        <p:cNvGrpSpPr/>
+        <p:nvPr/>
+      </p:nvGrpSpPr>
+      <p:grpSpPr>
+        <a:xfrm>
+          <a:off x="0" y="0"/>
+          <a:ext cx="0" cy="0"/>
+          <a:chOff x="0" y="0"/>
+          <a:chExt cx="0" cy="0"/>
+        </a:xfrm>
+      </p:grpSpPr>
+      <p:sp>
+        <p:nvSpPr>
+          <p:cNvPr id="2" name="幻灯片图像占位符 1"/>
+          <p:cNvSpPr>
+            <a:spLocks noGrp="1" noRot="1" noChangeAspect="1"/>
+          </p:cNvSpPr>
+          <p:nvPr>
+            <p:ph type="sldImg"/>
+          </p:nvPr>
+        </p:nvSpPr>
+        <p:spPr/>
+      </p:sp>
+      <p:sp>
+        <p:nvSpPr>
+          <p:cNvPr id="3" name="备注占位符 2"/>
+          <p:cNvSpPr>
+            <a:spLocks noGrp="1"/>
+          </p:cNvSpPr>
+          <p:nvPr>
+            <p:ph type="body" idx="1"/>
+          </p:nvPr>
+        </p:nvSpPr>
+        <p:spPr/>
+        <p:txBody>
+          <a:bodyPr/>
+          <a:lstStyle/>
+          <a:p>
+            <a:r>
+              <a:rPr lang="en-US" altLang="zh-CN" sz="1200" b="0" i="0" kern="1200" dirty="0" smtClean="0">
+                <a:solidFill>
+                  <a:schemeClr val="tx1"/>
+                </a:solidFill>
+                <a:effectLst/>
+                <a:latin typeface="+mn-lt"/>
+                <a:ea typeface="+mn-ea"/>
+                <a:cs typeface="+mn-cs"/>
+              </a:rPr>
               <a:t>2013</a:t>
             </a:r>
             <a:r>
@@ -1411,7 +1590,91 @@
 </p:notes>
 </file>
 
-<file path=ppt/notesSlides/notesSlide15.xml><?xml version="1.0" encoding="utf-8"?>
+<file path=ppt/notesSlides/notesSlide17.xml><?xml version="1.0" encoding="utf-8"?>
+<p:notes xmlns:a="http://schemas.openxmlformats.org/drawingml/2006/main" xmlns:r="http://schemas.openxmlformats.org/officeDocument/2006/relationships" xmlns:p="http://schemas.openxmlformats.org/presentationml/2006/main">
+  <p:cSld>
+    <p:spTree>
+      <p:nvGrpSpPr>
+        <p:cNvPr id="1" name=""/>
+        <p:cNvGrpSpPr/>
+        <p:nvPr/>
+      </p:nvGrpSpPr>
+      <p:grpSpPr>
+        <a:xfrm>
+          <a:off x="0" y="0"/>
+          <a:ext cx="0" cy="0"/>
+          <a:chOff x="0" y="0"/>
+          <a:chExt cx="0" cy="0"/>
+        </a:xfrm>
+      </p:grpSpPr>
+      <p:sp>
+        <p:nvSpPr>
+          <p:cNvPr id="2" name="幻灯片图像占位符 1"/>
+          <p:cNvSpPr>
+            <a:spLocks noGrp="1" noRot="1" noChangeAspect="1"/>
+          </p:cNvSpPr>
+          <p:nvPr>
+            <p:ph type="sldImg"/>
+          </p:nvPr>
+        </p:nvSpPr>
+        <p:spPr/>
+      </p:sp>
+      <p:sp>
+        <p:nvSpPr>
+          <p:cNvPr id="3" name="备注占位符 2"/>
+          <p:cNvSpPr>
+            <a:spLocks noGrp="1"/>
+          </p:cNvSpPr>
+          <p:nvPr>
+            <p:ph type="body" idx="1"/>
+          </p:nvPr>
+        </p:nvSpPr>
+        <p:spPr/>
+        <p:txBody>
+          <a:bodyPr/>
+          <a:lstStyle/>
+          <a:p>
+            <a:endParaRPr lang="zh-CN" altLang="en-US" dirty="0"/>
+          </a:p>
+        </p:txBody>
+      </p:sp>
+      <p:sp>
+        <p:nvSpPr>
+          <p:cNvPr id="4" name="灯片编号占位符 3"/>
+          <p:cNvSpPr>
+            <a:spLocks noGrp="1"/>
+          </p:cNvSpPr>
+          <p:nvPr>
+            <p:ph type="sldNum" sz="quarter" idx="10"/>
+          </p:nvPr>
+        </p:nvSpPr>
+        <p:spPr/>
+        <p:txBody>
+          <a:bodyPr/>
+          <a:lstStyle/>
+          <a:p>
+            <a:fld id="{6E058054-39BD-4AE9-9829-39FA46130BAF}" type="slidenum">
+              <a:rPr lang="zh-CN" altLang="en-US" smtClean="0"/>
+              <a:t>22</a:t>
+            </a:fld>
+            <a:endParaRPr lang="zh-CN" altLang="en-US"/>
+          </a:p>
+        </p:txBody>
+      </p:sp>
+    </p:spTree>
+    <p:extLst>
+      <p:ext uri="{BB962C8B-B14F-4D97-AF65-F5344CB8AC3E}">
+        <p14:creationId xmlns:p14="http://schemas.microsoft.com/office/powerpoint/2010/main" val="2345550449"/>
+      </p:ext>
+    </p:extLst>
+  </p:cSld>
+  <p:clrMapOvr>
+    <a:masterClrMapping/>
+  </p:clrMapOvr>
+</p:notes>
+</file>
+
+<file path=ppt/notesSlides/notesSlide18.xml><?xml version="1.0" encoding="utf-8"?>
 <p:notes xmlns:a="http://schemas.openxmlformats.org/drawingml/2006/main" xmlns:r="http://schemas.openxmlformats.org/officeDocument/2006/relationships" xmlns:p="http://schemas.openxmlformats.org/presentationml/2006/main">
   <p:cSld>
     <p:spTree>
@@ -1827,7 +2090,18 @@
           <a:p>
             <a:r>
               <a:rPr lang="zh-CN" altLang="en-US" dirty="0" smtClean="0"/>
-              <a:t>当然，大数据的“大”的标准也不是一成不变的</a:t>
+              <a:t>当然，大数据的“大”的标准也不是一成不变</a:t>
+            </a:r>
+            <a:r>
+              <a:rPr lang="zh-CN" altLang="en-US" dirty="0" smtClean="0"/>
+              <a:t>的</a:t>
+            </a:r>
+            <a:endParaRPr lang="en-US" altLang="zh-CN" dirty="0" smtClean="0"/>
+          </a:p>
+          <a:p>
+            <a:r>
+              <a:rPr lang="zh-CN" altLang="en-US" dirty="0" smtClean="0"/>
+              <a:t>主要问题在于数据在不断膨胀，计算机软硬件能否跟上储存和计算需求</a:t>
             </a:r>
             <a:endParaRPr lang="zh-CN" altLang="en-US" dirty="0"/>
           </a:p>
@@ -1915,21 +2189,23 @@
           <a:p>
             <a:r>
               <a:rPr lang="zh-CN" altLang="en-US" dirty="0" smtClean="0"/>
-              <a:t>为什么需要并行化呢？</a:t>
-            </a:r>
-            <a:endParaRPr lang="en-US" altLang="zh-CN" dirty="0" smtClean="0"/>
-          </a:p>
-          <a:p>
+              <a:t>为什么需要并行化呢</a:t>
+            </a:r>
+            <a:r>
+              <a:rPr lang="zh-CN" altLang="en-US" dirty="0" smtClean="0"/>
+              <a:t>？</a:t>
+            </a:r>
             <a:endParaRPr lang="en-US" dirty="0" smtClean="0"/>
           </a:p>
           <a:p>
             <a:r>
               <a:rPr lang="zh-CN" altLang="en-US" dirty="0" smtClean="0"/>
-              <a:t>这里不得不提一下众所周知的摩尔定律。</a:t>
-            </a:r>
-            <a:endParaRPr lang="en-US" altLang="zh-CN" dirty="0" smtClean="0"/>
-          </a:p>
-          <a:p>
+              <a:t>这里不得不提一下众所周知的摩尔定律</a:t>
+            </a:r>
+            <a:r>
+              <a:rPr lang="zh-CN" altLang="en-US" dirty="0" smtClean="0"/>
+              <a:t>。</a:t>
+            </a:r>
             <a:endParaRPr lang="en-US" dirty="0" smtClean="0"/>
           </a:p>
           <a:p>
@@ -1951,7 +2227,22 @@
             </a:r>
             <a:r>
               <a:rPr lang="zh-CN" altLang="en-US" dirty="0" smtClean="0"/>
-              <a:t>个月翻一倍以上。</a:t>
+              <a:t>个月翻一倍以上</a:t>
+            </a:r>
+            <a:r>
+              <a:rPr lang="zh-CN" altLang="en-US" dirty="0" smtClean="0"/>
+              <a:t>。</a:t>
+            </a:r>
+            <a:endParaRPr lang="en-US" altLang="zh-CN" dirty="0" smtClean="0"/>
+          </a:p>
+          <a:p>
+            <a:r>
+              <a:rPr lang="zh-CN" altLang="en-US" dirty="0" smtClean="0"/>
+              <a:t>数据是否也符合摩尔定律呢</a:t>
+            </a:r>
+            <a:r>
+              <a:rPr lang="zh-CN" altLang="en-US" dirty="0" smtClean="0"/>
+              <a:t/>
             </a:r>
             <a:br>
               <a:rPr lang="zh-CN" altLang="en-US" dirty="0" smtClean="0"/>
@@ -2040,6 +2331,23 @@
           <a:bodyPr/>
           <a:lstStyle/>
           <a:p>
+            <a:r>
+              <a:rPr lang="zh-CN" altLang="en-US" dirty="0" smtClean="0"/>
+              <a:t>以前科学界一直在强调算法的重要性</a:t>
+            </a:r>
+            <a:endParaRPr lang="en-US" altLang="zh-CN" dirty="0" smtClean="0"/>
+          </a:p>
+          <a:p>
+            <a:r>
+              <a:rPr lang="zh-CN" altLang="en-US" dirty="0" smtClean="0"/>
+              <a:t>后来发现，在不同的数据规模和维度下，算法的表现是不同的，数据本身对结果的影响甚至有可能比算法的改进对结果的影响要大得多</a:t>
+            </a:r>
+            <a:endParaRPr lang="en-US" altLang="zh-CN" dirty="0" smtClean="0"/>
+          </a:p>
+          <a:p>
+            <a:endParaRPr lang="en-US" altLang="zh-CN" dirty="0" smtClean="0"/>
+          </a:p>
+          <a:p>
             <a:endParaRPr lang="zh-CN" altLang="en-US" dirty="0"/>
           </a:p>
         </p:txBody>
@@ -2124,6 +2432,10 @@
           <a:bodyPr/>
           <a:lstStyle/>
           <a:p>
+            <a:r>
+              <a:rPr lang="zh-CN" altLang="en-US" dirty="0" smtClean="0"/>
+              <a:t>有人就认为，数据密集型将是科技发展的第四范式</a:t>
+            </a:r>
             <a:endParaRPr lang="zh-CN" altLang="en-US" dirty="0"/>
           </a:p>
         </p:txBody>
@@ -2143,9 +2455,9 @@
           <a:bodyPr/>
           <a:lstStyle/>
           <a:p>
-            <a:fld id="{5B9F4CD3-16EB-4930-86AD-74B9E432378E}" type="slidenum">
+            <a:fld id="{6E058054-39BD-4AE9-9829-39FA46130BAF}" type="slidenum">
               <a:rPr lang="zh-CN" altLang="en-US" smtClean="0"/>
-              <a:t>10</a:t>
+              <a:t>8</a:t>
             </a:fld>
             <a:endParaRPr lang="zh-CN" altLang="en-US"/>
           </a:p>
@@ -2154,7 +2466,7 @@
     </p:spTree>
     <p:extLst>
       <p:ext uri="{BB962C8B-B14F-4D97-AF65-F5344CB8AC3E}">
-        <p14:creationId xmlns:p14="http://schemas.microsoft.com/office/powerpoint/2010/main" val="2523572423"/>
+        <p14:creationId xmlns:p14="http://schemas.microsoft.com/office/powerpoint/2010/main" val="919946533"/>
       </p:ext>
     </p:extLst>
   </p:cSld>
@@ -2208,7 +2520,11 @@
           <a:bodyPr/>
           <a:lstStyle/>
           <a:p>
-            <a:endParaRPr lang="zh-CN" altLang="en-US"/>
+            <a:r>
+              <a:rPr lang="zh-CN" altLang="en-US" dirty="0" smtClean="0"/>
+              <a:t>有人把大数据的加工过程分为以下四个状态</a:t>
+            </a:r>
+            <a:endParaRPr lang="zh-CN" altLang="en-US" dirty="0"/>
           </a:p>
         </p:txBody>
       </p:sp>
@@ -2229,7 +2545,7 @@
           <a:p>
             <a:fld id="{6E058054-39BD-4AE9-9829-39FA46130BAF}" type="slidenum">
               <a:rPr lang="zh-CN" altLang="en-US" smtClean="0"/>
-              <a:t>11</a:t>
+              <a:t>9</a:t>
             </a:fld>
             <a:endParaRPr lang="zh-CN" altLang="en-US"/>
           </a:p>
@@ -2238,7 +2554,7 @@
     </p:spTree>
     <p:extLst>
       <p:ext uri="{BB962C8B-B14F-4D97-AF65-F5344CB8AC3E}">
-        <p14:creationId xmlns:p14="http://schemas.microsoft.com/office/powerpoint/2010/main" val="3688811998"/>
+        <p14:creationId xmlns:p14="http://schemas.microsoft.com/office/powerpoint/2010/main" val="4018271178"/>
       </p:ext>
     </p:extLst>
   </p:cSld>
@@ -2377,9 +2693,9 @@
           <a:bodyPr/>
           <a:lstStyle/>
           <a:p>
-            <a:fld id="{92BBAEBF-BE66-4E2C-9370-0926B416DEB1}" type="datetime1">
+            <a:fld id="{9BD8A397-BC23-49CA-9236-4E57D677B713}" type="datetime1">
               <a:rPr lang="zh-CN" altLang="en-US" smtClean="0"/>
-              <a:t>2015/10/14</a:t>
+              <a:t>2015/10/15</a:t>
             </a:fld>
             <a:endParaRPr lang="zh-CN" altLang="en-US"/>
           </a:p>
@@ -2547,9 +2863,9 @@
           <a:bodyPr/>
           <a:lstStyle/>
           <a:p>
-            <a:fld id="{60C0C32C-5D90-472A-A226-5C679B3F204F}" type="datetime1">
+            <a:fld id="{C5CC4C52-75AB-4303-AB4F-3E0DAAD172FB}" type="datetime1">
               <a:rPr lang="zh-CN" altLang="en-US" smtClean="0"/>
-              <a:t>2015/10/14</a:t>
+              <a:t>2015/10/15</a:t>
             </a:fld>
             <a:endParaRPr lang="zh-CN" altLang="en-US"/>
           </a:p>
@@ -2727,9 +3043,9 @@
           <a:bodyPr/>
           <a:lstStyle/>
           <a:p>
-            <a:fld id="{F9722005-96A2-40CB-9293-C3FB710C2B70}" type="datetime1">
+            <a:fld id="{1000F109-A77D-496C-B9F4-CBE69E640146}" type="datetime1">
               <a:rPr lang="zh-CN" altLang="en-US" smtClean="0"/>
-              <a:t>2015/10/14</a:t>
+              <a:t>2015/10/15</a:t>
             </a:fld>
             <a:endParaRPr lang="zh-CN" altLang="en-US"/>
           </a:p>
@@ -2897,9 +3213,9 @@
           <a:bodyPr/>
           <a:lstStyle/>
           <a:p>
-            <a:fld id="{F9F407D3-8C1D-4BA5-85F5-0E61EF2042B8}" type="datetime1">
+            <a:fld id="{F0C83846-AF21-4378-82AB-E34F2CF540F2}" type="datetime1">
               <a:rPr lang="zh-CN" altLang="en-US" smtClean="0"/>
-              <a:t>2015/10/14</a:t>
+              <a:t>2015/10/15</a:t>
             </a:fld>
             <a:endParaRPr lang="zh-CN" altLang="en-US"/>
           </a:p>
@@ -3143,9 +3459,9 @@
           <a:bodyPr/>
           <a:lstStyle/>
           <a:p>
-            <a:fld id="{0EE926AB-E578-4B44-A971-98EBD2D2EB5E}" type="datetime1">
+            <a:fld id="{C64F30E3-883E-4B98-99C9-89DA0E86E59D}" type="datetime1">
               <a:rPr lang="zh-CN" altLang="en-US" smtClean="0"/>
-              <a:t>2015/10/14</a:t>
+              <a:t>2015/10/15</a:t>
             </a:fld>
             <a:endParaRPr lang="zh-CN" altLang="en-US"/>
           </a:p>
@@ -3375,9 +3691,9 @@
           <a:bodyPr/>
           <a:lstStyle/>
           <a:p>
-            <a:fld id="{5F019552-1A8E-4F2D-ABB7-35125C9AD181}" type="datetime1">
+            <a:fld id="{EB0306B4-0775-4AAC-A02D-648F552EF287}" type="datetime1">
               <a:rPr lang="zh-CN" altLang="en-US" smtClean="0"/>
-              <a:t>2015/10/14</a:t>
+              <a:t>2015/10/15</a:t>
             </a:fld>
             <a:endParaRPr lang="zh-CN" altLang="en-US"/>
           </a:p>
@@ -3742,9 +4058,9 @@
           <a:bodyPr/>
           <a:lstStyle/>
           <a:p>
-            <a:fld id="{B192ECB9-5344-4ACF-A64D-AE1A7D06B8D9}" type="datetime1">
+            <a:fld id="{740EEE40-B15B-40AA-B0B5-2BCF2421C44F}" type="datetime1">
               <a:rPr lang="zh-CN" altLang="en-US" smtClean="0"/>
-              <a:t>2015/10/14</a:t>
+              <a:t>2015/10/15</a:t>
             </a:fld>
             <a:endParaRPr lang="zh-CN" altLang="en-US"/>
           </a:p>
@@ -3860,9 +4176,9 @@
           <a:bodyPr/>
           <a:lstStyle/>
           <a:p>
-            <a:fld id="{6F6DD144-4302-4655-ABAE-28068F22CE48}" type="datetime1">
+            <a:fld id="{5037188C-EA3B-4D41-A4A4-7C64625547CB}" type="datetime1">
               <a:rPr lang="zh-CN" altLang="en-US" smtClean="0"/>
-              <a:t>2015/10/14</a:t>
+              <a:t>2015/10/15</a:t>
             </a:fld>
             <a:endParaRPr lang="zh-CN" altLang="en-US"/>
           </a:p>
@@ -3955,9 +4271,9 @@
           <a:bodyPr/>
           <a:lstStyle/>
           <a:p>
-            <a:fld id="{5781CDBC-B9DC-45C0-AA57-D78E7F0C06AC}" type="datetime1">
+            <a:fld id="{57A7339C-6ED4-42E6-9F64-C11EDC9141AD}" type="datetime1">
               <a:rPr lang="zh-CN" altLang="en-US" smtClean="0"/>
-              <a:t>2015/10/14</a:t>
+              <a:t>2015/10/15</a:t>
             </a:fld>
             <a:endParaRPr lang="zh-CN" altLang="en-US"/>
           </a:p>
@@ -4232,9 +4548,9 @@
           <a:bodyPr/>
           <a:lstStyle/>
           <a:p>
-            <a:fld id="{66ED8DB7-E8AC-472B-87AD-B50E193817FC}" type="datetime1">
+            <a:fld id="{DAB94C16-D61A-4D6A-8439-6970F412BCA5}" type="datetime1">
               <a:rPr lang="zh-CN" altLang="en-US" smtClean="0"/>
-              <a:t>2015/10/14</a:t>
+              <a:t>2015/10/15</a:t>
             </a:fld>
             <a:endParaRPr lang="zh-CN" altLang="en-US"/>
           </a:p>
@@ -4485,9 +4801,9 @@
           <a:bodyPr/>
           <a:lstStyle/>
           <a:p>
-            <a:fld id="{B4A2C582-93D7-4C24-B34F-F8DFFB8F37E9}" type="datetime1">
+            <a:fld id="{CD537F0B-0179-4BA2-999A-52548D1DE458}" type="datetime1">
               <a:rPr lang="zh-CN" altLang="en-US" smtClean="0"/>
-              <a:t>2015/10/14</a:t>
+              <a:t>2015/10/15</a:t>
             </a:fld>
             <a:endParaRPr lang="zh-CN" altLang="en-US"/>
           </a:p>
@@ -4698,9 +5014,9 @@
             </a:lvl1pPr>
           </a:lstStyle>
           <a:p>
-            <a:fld id="{E4303A77-ACCF-4B33-8524-EA4C5F3E7323}" type="datetime1">
+            <a:fld id="{FB472106-64A8-493E-8EFD-D549AF7B409D}" type="datetime1">
               <a:rPr lang="zh-CN" altLang="en-US" smtClean="0"/>
-              <a:t>2015/10/14</a:t>
+              <a:t>2015/10/15</a:t>
             </a:fld>
             <a:endParaRPr lang="zh-CN" altLang="en-US"/>
           </a:p>
@@ -6375,6 +6691,90 @@
               <a:latin typeface="宋体"/>
               <a:cs typeface="宋体"/>
             </a:endParaRPr>
+          </a:p>
+        </p:txBody>
+      </p:sp>
+      <p:sp>
+        <p:nvSpPr>
+          <p:cNvPr id="3" name="文本框 2"/>
+          <p:cNvSpPr txBox="1"/>
+          <p:nvPr/>
+        </p:nvSpPr>
+        <p:spPr>
+          <a:xfrm>
+            <a:off x="8332469" y="2881967"/>
+            <a:ext cx="3571664" cy="3139321"/>
+          </a:xfrm>
+          <a:prstGeom prst="rect">
+            <a:avLst/>
+          </a:prstGeom>
+          <a:noFill/>
+        </p:spPr>
+        <p:txBody>
+          <a:bodyPr wrap="square" rtlCol="0">
+            <a:spAutoFit/>
+          </a:bodyPr>
+          <a:lstStyle/>
+          <a:p>
+            <a:r>
+              <a:rPr lang="en-US" altLang="zh-CN" sz="2000" dirty="0"/>
+              <a:t>2009</a:t>
+            </a:r>
+            <a:r>
+              <a:rPr lang="zh-CN" altLang="en-US" sz="2000" dirty="0"/>
+              <a:t>年，</a:t>
+            </a:r>
+            <a:r>
+              <a:rPr lang="en-US" altLang="zh-CN" sz="2000" dirty="0"/>
+              <a:t>Google</a:t>
+            </a:r>
+            <a:r>
+              <a:rPr lang="zh-CN" altLang="en-US" sz="2000" dirty="0"/>
+              <a:t>通过分析</a:t>
+            </a:r>
+            <a:r>
+              <a:rPr lang="en-US" altLang="zh-CN" sz="2000" dirty="0"/>
+              <a:t>5000</a:t>
+            </a:r>
+            <a:r>
+              <a:rPr lang="zh-CN" altLang="en-US" sz="2000" dirty="0"/>
+              <a:t>万条美国人最频繁检索的词汇，将之和美国疾病中心在</a:t>
+            </a:r>
+            <a:r>
+              <a:rPr lang="en-US" altLang="zh-CN" sz="2000" dirty="0"/>
+              <a:t>2003</a:t>
+            </a:r>
+            <a:r>
+              <a:rPr lang="zh-CN" altLang="en-US" sz="2000" dirty="0"/>
+              <a:t>年到</a:t>
+            </a:r>
+            <a:r>
+              <a:rPr lang="en-US" altLang="zh-CN" sz="2000" dirty="0"/>
+              <a:t>2008</a:t>
+            </a:r>
+            <a:r>
+              <a:rPr lang="zh-CN" altLang="en-US" sz="2000" dirty="0"/>
+              <a:t>年间季节性流感传播时期的数据进行比较，并建立一个特定的数学模型。最终</a:t>
+            </a:r>
+            <a:r>
+              <a:rPr lang="en-US" altLang="zh-CN" sz="2000" dirty="0"/>
+              <a:t>google</a:t>
+            </a:r>
+            <a:r>
+              <a:rPr lang="zh-CN" altLang="en-US" sz="2000" dirty="0"/>
+              <a:t>成功预测了</a:t>
+            </a:r>
+            <a:r>
+              <a:rPr lang="en-US" altLang="zh-CN" sz="2000" dirty="0"/>
+              <a:t>2009</a:t>
+            </a:r>
+            <a:r>
+              <a:rPr lang="zh-CN" altLang="en-US" sz="2000" dirty="0"/>
+              <a:t>冬季流感的传播甚至可以具体到特定的地区和州。</a:t>
+            </a:r>
+          </a:p>
+          <a:p>
+            <a:endParaRPr lang="zh-CN" altLang="en-US" dirty="0"/>
           </a:p>
         </p:txBody>
       </p:sp>
@@ -12080,7 +12480,7 @@
           </p:nvPr>
         </p:nvPicPr>
         <p:blipFill>
-          <a:blip r:embed="rId2">
+          <a:blip r:embed="rId3">
             <a:extLst>
               <a:ext uri="{28A0092B-C50C-407E-A947-70E740481C1C}">
                 <a14:useLocalDpi xmlns:a14="http://schemas.microsoft.com/office/drawing/2010/main" val="0"/>
@@ -14191,6 +14591,29 @@
           </a:p>
         </p:txBody>
       </p:sp>
+      <p:sp>
+        <p:nvSpPr>
+          <p:cNvPr id="2" name="灯片编号占位符 1"/>
+          <p:cNvSpPr>
+            <a:spLocks noGrp="1"/>
+          </p:cNvSpPr>
+          <p:nvPr>
+            <p:ph type="sldNum" sz="quarter" idx="12"/>
+          </p:nvPr>
+        </p:nvSpPr>
+        <p:spPr/>
+        <p:txBody>
+          <a:bodyPr/>
+          <a:lstStyle/>
+          <a:p>
+            <a:fld id="{37C2EA07-9005-44A4-AD36-5C14C6B8AD7E}" type="slidenum">
+              <a:rPr lang="zh-CN" altLang="en-US" smtClean="0"/>
+              <a:t>27</a:t>
+            </a:fld>
+            <a:endParaRPr lang="zh-CN" altLang="en-US"/>
+          </a:p>
+        </p:txBody>
+      </p:sp>
     </p:spTree>
     <p:extLst>
       <p:ext uri="{BB962C8B-B14F-4D97-AF65-F5344CB8AC3E}">
@@ -15156,6 +15579,29 @@
           </a:p>
         </p:txBody>
       </p:sp>
+      <p:sp>
+        <p:nvSpPr>
+          <p:cNvPr id="2" name="灯片编号占位符 1"/>
+          <p:cNvSpPr>
+            <a:spLocks noGrp="1"/>
+          </p:cNvSpPr>
+          <p:nvPr>
+            <p:ph type="sldNum" sz="quarter" idx="12"/>
+          </p:nvPr>
+        </p:nvSpPr>
+        <p:spPr/>
+        <p:txBody>
+          <a:bodyPr/>
+          <a:lstStyle/>
+          <a:p>
+            <a:fld id="{37C2EA07-9005-44A4-AD36-5C14C6B8AD7E}" type="slidenum">
+              <a:rPr lang="zh-CN" altLang="en-US" smtClean="0"/>
+              <a:t>28</a:t>
+            </a:fld>
+            <a:endParaRPr lang="zh-CN" altLang="en-US"/>
+          </a:p>
+        </p:txBody>
+      </p:sp>
     </p:spTree>
     <p:extLst>
       <p:ext uri="{BB962C8B-B14F-4D97-AF65-F5344CB8AC3E}">
@@ -16309,7 +16755,7 @@
               </a:rPr>
               <a:t>ety</a:t>
             </a:r>
-            <a:endParaRPr sz="1600">
+            <a:endParaRPr sz="1600" dirty="0">
               <a:latin typeface="Arial Black"/>
               <a:cs typeface="Arial Black"/>
             </a:endParaRPr>
@@ -17646,14 +18092,14 @@
             </a:ln>
             <a:extLst>
               <a:ext uri="{909E8E84-426E-40dd-AFC4-6F175D3DCCD1}">
-                <a14:hiddenFill xmlns="" xmlns:a14="http://schemas.microsoft.com/office/drawing/2010/main">
+                <a14:hiddenFill xmlns:a14="http://schemas.microsoft.com/office/drawing/2010/main" xmlns="">
                   <a:solidFill>
                     <a:srgbClr val="FFFFFF"/>
                   </a:solidFill>
                 </a14:hiddenFill>
               </a:ext>
               <a:ext uri="{91240B29-F687-4f45-9708-019B960494DF}">
-                <a14:hiddenLine xmlns="" xmlns:a14="http://schemas.microsoft.com/office/drawing/2010/main" w="12700">
+                <a14:hiddenLine xmlns:a14="http://schemas.microsoft.com/office/drawing/2010/main" xmlns="" w="12700">
                   <a:solidFill>
                     <a:srgbClr val="000000"/>
                   </a:solidFill>
@@ -17721,14 +18167,14 @@
             </a:ln>
             <a:extLst>
               <a:ext uri="{909E8E84-426E-40dd-AFC4-6F175D3DCCD1}">
-                <a14:hiddenFill xmlns="" xmlns:a14="http://schemas.microsoft.com/office/drawing/2010/main">
+                <a14:hiddenFill xmlns:a14="http://schemas.microsoft.com/office/drawing/2010/main" xmlns="">
                   <a:solidFill>
                     <a:srgbClr val="FFFFFF"/>
                   </a:solidFill>
                 </a14:hiddenFill>
               </a:ext>
               <a:ext uri="{91240B29-F687-4f45-9708-019B960494DF}">
-                <a14:hiddenLine xmlns="" xmlns:a14="http://schemas.microsoft.com/office/drawing/2010/main" w="9525">
+                <a14:hiddenLine xmlns:a14="http://schemas.microsoft.com/office/drawing/2010/main" xmlns="" w="9525">
                   <a:solidFill>
                     <a:srgbClr val="000000"/>
                   </a:solidFill>
@@ -17779,14 +18225,14 @@
             </a:ln>
             <a:extLst>
               <a:ext uri="{909E8E84-426E-40dd-AFC4-6F175D3DCCD1}">
-                <a14:hiddenFill xmlns="" xmlns:a14="http://schemas.microsoft.com/office/drawing/2010/main">
+                <a14:hiddenFill xmlns:a14="http://schemas.microsoft.com/office/drawing/2010/main" xmlns="">
                   <a:solidFill>
                     <a:srgbClr val="FFFFFF"/>
                   </a:solidFill>
                 </a14:hiddenFill>
               </a:ext>
               <a:ext uri="{91240B29-F687-4f45-9708-019B960494DF}">
-                <a14:hiddenLine xmlns="" xmlns:a14="http://schemas.microsoft.com/office/drawing/2010/main" w="9525">
+                <a14:hiddenLine xmlns:a14="http://schemas.microsoft.com/office/drawing/2010/main" xmlns="" w="9525">
                   <a:solidFill>
                     <a:srgbClr val="000000"/>
                   </a:solidFill>
@@ -17874,14 +18320,14 @@
             </a:ln>
             <a:extLst>
               <a:ext uri="{909E8E84-426E-40dd-AFC4-6F175D3DCCD1}">
-                <a14:hiddenFill xmlns="" xmlns:a14="http://schemas.microsoft.com/office/drawing/2010/main">
+                <a14:hiddenFill xmlns:a14="http://schemas.microsoft.com/office/drawing/2010/main" xmlns="">
                   <a:solidFill>
                     <a:srgbClr val="FFFFFF"/>
                   </a:solidFill>
                 </a14:hiddenFill>
               </a:ext>
               <a:ext uri="{91240B29-F687-4f45-9708-019B960494DF}">
-                <a14:hiddenLine xmlns="" xmlns:a14="http://schemas.microsoft.com/office/drawing/2010/main" w="9525">
+                <a14:hiddenLine xmlns:a14="http://schemas.microsoft.com/office/drawing/2010/main" xmlns="" w="9525">
                   <a:solidFill>
                     <a:srgbClr val="000000"/>
                   </a:solidFill>
@@ -17916,14 +18362,14 @@
           </a:ln>
           <a:extLst>
             <a:ext uri="{909E8E84-426E-40dd-AFC4-6F175D3DCCD1}">
-              <a14:hiddenFill xmlns="" xmlns:a14="http://schemas.microsoft.com/office/drawing/2010/main">
+              <a14:hiddenFill xmlns:a14="http://schemas.microsoft.com/office/drawing/2010/main" xmlns="">
                 <a:solidFill>
                   <a:srgbClr val="FFFFFF"/>
                 </a:solidFill>
               </a14:hiddenFill>
             </a:ext>
             <a:ext uri="{91240B29-F687-4f45-9708-019B960494DF}">
-              <a14:hiddenLine xmlns="" xmlns:a14="http://schemas.microsoft.com/office/drawing/2010/main" w="9525">
+              <a14:hiddenLine xmlns:a14="http://schemas.microsoft.com/office/drawing/2010/main" xmlns="" w="9525">
                 <a:solidFill>
                   <a:srgbClr val="000000"/>
                 </a:solidFill>
@@ -18438,7 +18884,7 @@
             <a:avLst/>
           </a:prstGeom>
           <a:blipFill>
-            <a:blip r:embed="rId2" cstate="print"/>
+            <a:blip r:embed="rId3" cstate="print"/>
             <a:stretch>
               <a:fillRect/>
             </a:stretch>
@@ -18469,7 +18915,7 @@
             <a:avLst/>
           </a:prstGeom>
           <a:blipFill>
-            <a:blip r:embed="rId3" cstate="print"/>
+            <a:blip r:embed="rId4" cstate="print"/>
             <a:stretch>
               <a:fillRect/>
             </a:stretch>

--- a/presentation/big data.pptx
+++ b/presentation/big data.pptx
@@ -2090,11 +2090,7 @@
           <a:p>
             <a:r>
               <a:rPr lang="zh-CN" altLang="en-US" dirty="0" smtClean="0"/>
-              <a:t>当然，大数据的“大”的标准也不是一成不变</a:t>
-            </a:r>
-            <a:r>
-              <a:rPr lang="zh-CN" altLang="en-US" dirty="0" smtClean="0"/>
-              <a:t>的</a:t>
+              <a:t>当然，大数据的“大”的标准也不是一成不变的</a:t>
             </a:r>
             <a:endParaRPr lang="en-US" altLang="zh-CN" dirty="0" smtClean="0"/>
           </a:p>
@@ -2189,22 +2185,14 @@
           <a:p>
             <a:r>
               <a:rPr lang="zh-CN" altLang="en-US" dirty="0" smtClean="0"/>
-              <a:t>为什么需要并行化呢</a:t>
-            </a:r>
+              <a:t>为什么需要并行化呢？</a:t>
+            </a:r>
+            <a:endParaRPr lang="en-US" dirty="0" smtClean="0"/>
+          </a:p>
+          <a:p>
             <a:r>
               <a:rPr lang="zh-CN" altLang="en-US" dirty="0" smtClean="0"/>
-              <a:t>？</a:t>
-            </a:r>
-            <a:endParaRPr lang="en-US" dirty="0" smtClean="0"/>
-          </a:p>
-          <a:p>
-            <a:r>
-              <a:rPr lang="zh-CN" altLang="en-US" dirty="0" smtClean="0"/>
-              <a:t>这里不得不提一下众所周知的摩尔定律</a:t>
-            </a:r>
-            <a:r>
-              <a:rPr lang="zh-CN" altLang="en-US" dirty="0" smtClean="0"/>
-              <a:t>。</a:t>
+              <a:t>这里不得不提一下众所周知的摩尔定律。</a:t>
             </a:r>
             <a:endParaRPr lang="en-US" dirty="0" smtClean="0"/>
           </a:p>
@@ -2227,11 +2215,7 @@
             </a:r>
             <a:r>
               <a:rPr lang="zh-CN" altLang="en-US" dirty="0" smtClean="0"/>
-              <a:t>个月翻一倍以上</a:t>
-            </a:r>
-            <a:r>
-              <a:rPr lang="zh-CN" altLang="en-US" dirty="0" smtClean="0"/>
-              <a:t>。</a:t>
+              <a:t>个月翻一倍以上。</a:t>
             </a:r>
             <a:endParaRPr lang="en-US" altLang="zh-CN" dirty="0" smtClean="0"/>
           </a:p>
@@ -2239,10 +2223,6 @@
             <a:r>
               <a:rPr lang="zh-CN" altLang="en-US" dirty="0" smtClean="0"/>
               <a:t>数据是否也符合摩尔定律呢</a:t>
-            </a:r>
-            <a:r>
-              <a:rPr lang="zh-CN" altLang="en-US" dirty="0" smtClean="0"/>
-              <a:t/>
             </a:r>
             <a:br>
               <a:rPr lang="zh-CN" altLang="en-US" dirty="0" smtClean="0"/>
@@ -13061,9 +13041,17 @@
           </a:p>
           <a:p>
             <a:r>
+              <a:rPr lang="zh-CN" altLang="en-US" dirty="0" smtClean="0"/>
+              <a:t>金融</a:t>
+            </a:r>
+            <a:endParaRPr lang="en-US" altLang="zh-CN" dirty="0" smtClean="0"/>
+          </a:p>
+          <a:p>
+            <a:r>
               <a:rPr lang="zh-CN" altLang="en-US" dirty="0"/>
-              <a:t>金融</a:t>
-            </a:r>
+              <a:t>物联网</a:t>
+            </a:r>
+            <a:endParaRPr lang="zh-CN" altLang="en-US" dirty="0"/>
           </a:p>
           <a:p>
             <a:r>
@@ -18092,14 +18080,14 @@
             </a:ln>
             <a:extLst>
               <a:ext uri="{909E8E84-426E-40dd-AFC4-6F175D3DCCD1}">
-                <a14:hiddenFill xmlns:a14="http://schemas.microsoft.com/office/drawing/2010/main" xmlns="">
+                <a14:hiddenFill xmlns="" xmlns:a14="http://schemas.microsoft.com/office/drawing/2010/main">
                   <a:solidFill>
                     <a:srgbClr val="FFFFFF"/>
                   </a:solidFill>
                 </a14:hiddenFill>
               </a:ext>
               <a:ext uri="{91240B29-F687-4f45-9708-019B960494DF}">
-                <a14:hiddenLine xmlns:a14="http://schemas.microsoft.com/office/drawing/2010/main" xmlns="" w="12700">
+                <a14:hiddenLine xmlns="" xmlns:a14="http://schemas.microsoft.com/office/drawing/2010/main" w="12700">
                   <a:solidFill>
                     <a:srgbClr val="000000"/>
                   </a:solidFill>
@@ -18167,14 +18155,14 @@
             </a:ln>
             <a:extLst>
               <a:ext uri="{909E8E84-426E-40dd-AFC4-6F175D3DCCD1}">
-                <a14:hiddenFill xmlns:a14="http://schemas.microsoft.com/office/drawing/2010/main" xmlns="">
+                <a14:hiddenFill xmlns="" xmlns:a14="http://schemas.microsoft.com/office/drawing/2010/main">
                   <a:solidFill>
                     <a:srgbClr val="FFFFFF"/>
                   </a:solidFill>
                 </a14:hiddenFill>
               </a:ext>
               <a:ext uri="{91240B29-F687-4f45-9708-019B960494DF}">
-                <a14:hiddenLine xmlns:a14="http://schemas.microsoft.com/office/drawing/2010/main" xmlns="" w="9525">
+                <a14:hiddenLine xmlns="" xmlns:a14="http://schemas.microsoft.com/office/drawing/2010/main" w="9525">
                   <a:solidFill>
                     <a:srgbClr val="000000"/>
                   </a:solidFill>
@@ -18225,14 +18213,14 @@
             </a:ln>
             <a:extLst>
               <a:ext uri="{909E8E84-426E-40dd-AFC4-6F175D3DCCD1}">
-                <a14:hiddenFill xmlns:a14="http://schemas.microsoft.com/office/drawing/2010/main" xmlns="">
+                <a14:hiddenFill xmlns="" xmlns:a14="http://schemas.microsoft.com/office/drawing/2010/main">
                   <a:solidFill>
                     <a:srgbClr val="FFFFFF"/>
                   </a:solidFill>
                 </a14:hiddenFill>
               </a:ext>
               <a:ext uri="{91240B29-F687-4f45-9708-019B960494DF}">
-                <a14:hiddenLine xmlns:a14="http://schemas.microsoft.com/office/drawing/2010/main" xmlns="" w="9525">
+                <a14:hiddenLine xmlns="" xmlns:a14="http://schemas.microsoft.com/office/drawing/2010/main" w="9525">
                   <a:solidFill>
                     <a:srgbClr val="000000"/>
                   </a:solidFill>
@@ -18320,14 +18308,14 @@
             </a:ln>
             <a:extLst>
               <a:ext uri="{909E8E84-426E-40dd-AFC4-6F175D3DCCD1}">
-                <a14:hiddenFill xmlns:a14="http://schemas.microsoft.com/office/drawing/2010/main" xmlns="">
+                <a14:hiddenFill xmlns="" xmlns:a14="http://schemas.microsoft.com/office/drawing/2010/main">
                   <a:solidFill>
                     <a:srgbClr val="FFFFFF"/>
                   </a:solidFill>
                 </a14:hiddenFill>
               </a:ext>
               <a:ext uri="{91240B29-F687-4f45-9708-019B960494DF}">
-                <a14:hiddenLine xmlns:a14="http://schemas.microsoft.com/office/drawing/2010/main" xmlns="" w="9525">
+                <a14:hiddenLine xmlns="" xmlns:a14="http://schemas.microsoft.com/office/drawing/2010/main" w="9525">
                   <a:solidFill>
                     <a:srgbClr val="000000"/>
                   </a:solidFill>
@@ -18362,14 +18350,14 @@
           </a:ln>
           <a:extLst>
             <a:ext uri="{909E8E84-426E-40dd-AFC4-6F175D3DCCD1}">
-              <a14:hiddenFill xmlns:a14="http://schemas.microsoft.com/office/drawing/2010/main" xmlns="">
+              <a14:hiddenFill xmlns="" xmlns:a14="http://schemas.microsoft.com/office/drawing/2010/main">
                 <a:solidFill>
                   <a:srgbClr val="FFFFFF"/>
                 </a:solidFill>
               </a14:hiddenFill>
             </a:ext>
             <a:ext uri="{91240B29-F687-4f45-9708-019B960494DF}">
-              <a14:hiddenLine xmlns:a14="http://schemas.microsoft.com/office/drawing/2010/main" xmlns="" w="9525">
+              <a14:hiddenLine xmlns="" xmlns:a14="http://schemas.microsoft.com/office/drawing/2010/main" w="9525">
                 <a:solidFill>
                   <a:srgbClr val="000000"/>
                 </a:solidFill>
